--- a/新员工入职指引/配置管理规范及要求.pptx
+++ b/新员工入职指引/配置管理规范及要求.pptx
@@ -8,10 +8,13 @@
     <p:sldId id="256" r:id="rId2"/>
     <p:sldId id="257" r:id="rId3"/>
     <p:sldId id="258" r:id="rId4"/>
-    <p:sldId id="259" r:id="rId5"/>
-    <p:sldId id="260" r:id="rId6"/>
-    <p:sldId id="261" r:id="rId7"/>
-    <p:sldId id="262" r:id="rId8"/>
+    <p:sldId id="263" r:id="rId5"/>
+    <p:sldId id="259" r:id="rId6"/>
+    <p:sldId id="260" r:id="rId7"/>
+    <p:sldId id="261" r:id="rId8"/>
+    <p:sldId id="262" r:id="rId9"/>
+    <p:sldId id="265" r:id="rId10"/>
+    <p:sldId id="264" r:id="rId11"/>
   </p:sldIdLst>
   <p:sldSz cx="9144000" cy="6858000" type="screen4x3"/>
   <p:notesSz cx="6858000" cy="9144000"/>
@@ -298,7 +301,7 @@
           <a:p>
             <a:fld id="{530820CF-B880-4189-942D-D702A7CBA730}" type="datetimeFigureOut">
               <a:rPr lang="zh-CN" altLang="en-US" smtClean="0"/>
-              <a:t>2018/4/24</a:t>
+              <a:t>2018/4/25</a:t>
             </a:fld>
             <a:endParaRPr lang="zh-CN" altLang="en-US"/>
           </a:p>
@@ -463,7 +466,7 @@
           <a:p>
             <a:fld id="{530820CF-B880-4189-942D-D702A7CBA730}" type="datetimeFigureOut">
               <a:rPr lang="zh-CN" altLang="en-US" smtClean="0"/>
-              <a:t>2018/4/24</a:t>
+              <a:t>2018/4/25</a:t>
             </a:fld>
             <a:endParaRPr lang="zh-CN" altLang="en-US"/>
           </a:p>
@@ -638,7 +641,7 @@
           <a:p>
             <a:fld id="{530820CF-B880-4189-942D-D702A7CBA730}" type="datetimeFigureOut">
               <a:rPr lang="zh-CN" altLang="en-US" smtClean="0"/>
-              <a:t>2018/4/24</a:t>
+              <a:t>2018/4/25</a:t>
             </a:fld>
             <a:endParaRPr lang="zh-CN" altLang="en-US"/>
           </a:p>
@@ -803,7 +806,7 @@
           <a:p>
             <a:fld id="{530820CF-B880-4189-942D-D702A7CBA730}" type="datetimeFigureOut">
               <a:rPr lang="zh-CN" altLang="en-US" smtClean="0"/>
-              <a:t>2018/4/24</a:t>
+              <a:t>2018/4/25</a:t>
             </a:fld>
             <a:endParaRPr lang="zh-CN" altLang="en-US"/>
           </a:p>
@@ -1044,7 +1047,7 @@
           <a:p>
             <a:fld id="{530820CF-B880-4189-942D-D702A7CBA730}" type="datetimeFigureOut">
               <a:rPr lang="zh-CN" altLang="en-US" smtClean="0"/>
-              <a:t>2018/4/24</a:t>
+              <a:t>2018/4/25</a:t>
             </a:fld>
             <a:endParaRPr lang="zh-CN" altLang="en-US"/>
           </a:p>
@@ -1327,7 +1330,7 @@
           <a:p>
             <a:fld id="{530820CF-B880-4189-942D-D702A7CBA730}" type="datetimeFigureOut">
               <a:rPr lang="zh-CN" altLang="en-US" smtClean="0"/>
-              <a:t>2018/4/24</a:t>
+              <a:t>2018/4/25</a:t>
             </a:fld>
             <a:endParaRPr lang="zh-CN" altLang="en-US"/>
           </a:p>
@@ -1744,7 +1747,7 @@
           <a:p>
             <a:fld id="{530820CF-B880-4189-942D-D702A7CBA730}" type="datetimeFigureOut">
               <a:rPr lang="zh-CN" altLang="en-US" smtClean="0"/>
-              <a:t>2018/4/24</a:t>
+              <a:t>2018/4/25</a:t>
             </a:fld>
             <a:endParaRPr lang="zh-CN" altLang="en-US"/>
           </a:p>
@@ -1857,7 +1860,7 @@
           <a:p>
             <a:fld id="{530820CF-B880-4189-942D-D702A7CBA730}" type="datetimeFigureOut">
               <a:rPr lang="zh-CN" altLang="en-US" smtClean="0"/>
-              <a:t>2018/4/24</a:t>
+              <a:t>2018/4/25</a:t>
             </a:fld>
             <a:endParaRPr lang="zh-CN" altLang="en-US"/>
           </a:p>
@@ -1947,7 +1950,7 @@
           <a:p>
             <a:fld id="{530820CF-B880-4189-942D-D702A7CBA730}" type="datetimeFigureOut">
               <a:rPr lang="zh-CN" altLang="en-US" smtClean="0"/>
-              <a:t>2018/4/24</a:t>
+              <a:t>2018/4/25</a:t>
             </a:fld>
             <a:endParaRPr lang="zh-CN" altLang="en-US"/>
           </a:p>
@@ -2219,7 +2222,7 @@
           <a:p>
             <a:fld id="{530820CF-B880-4189-942D-D702A7CBA730}" type="datetimeFigureOut">
               <a:rPr lang="zh-CN" altLang="en-US" smtClean="0"/>
-              <a:t>2018/4/24</a:t>
+              <a:t>2018/4/25</a:t>
             </a:fld>
             <a:endParaRPr lang="zh-CN" altLang="en-US"/>
           </a:p>
@@ -2467,7 +2470,7 @@
           <a:p>
             <a:fld id="{530820CF-B880-4189-942D-D702A7CBA730}" type="datetimeFigureOut">
               <a:rPr lang="zh-CN" altLang="en-US" smtClean="0"/>
-              <a:t>2018/4/24</a:t>
+              <a:t>2018/4/25</a:t>
             </a:fld>
             <a:endParaRPr lang="zh-CN" altLang="en-US"/>
           </a:p>
@@ -2675,7 +2678,7 @@
           <a:p>
             <a:fld id="{530820CF-B880-4189-942D-D702A7CBA730}" type="datetimeFigureOut">
               <a:rPr lang="zh-CN" altLang="en-US" smtClean="0"/>
-              <a:t>2018/4/24</a:t>
+              <a:t>2018/4/25</a:t>
             </a:fld>
             <a:endParaRPr lang="zh-CN" altLang="en-US"/>
           </a:p>
@@ -3120,6 +3123,78 @@
 </p:sld>
 </file>
 
+<file path=ppt/slides/slide10.xml><?xml version="1.0" encoding="utf-8"?>
+<p:sld xmlns:a="http://schemas.openxmlformats.org/drawingml/2006/main" xmlns:r="http://schemas.openxmlformats.org/officeDocument/2006/relationships" xmlns:p="http://schemas.openxmlformats.org/presentationml/2006/main">
+  <p:cSld>
+    <p:spTree>
+      <p:nvGrpSpPr>
+        <p:cNvPr id="1" name=""/>
+        <p:cNvGrpSpPr/>
+        <p:nvPr/>
+      </p:nvGrpSpPr>
+      <p:grpSpPr>
+        <a:xfrm>
+          <a:off x="0" y="0"/>
+          <a:ext cx="0" cy="0"/>
+          <a:chOff x="0" y="0"/>
+          <a:chExt cx="0" cy="0"/>
+        </a:xfrm>
+      </p:grpSpPr>
+      <p:sp>
+        <p:nvSpPr>
+          <p:cNvPr id="2" name="标题 1"/>
+          <p:cNvSpPr>
+            <a:spLocks noGrp="1"/>
+          </p:cNvSpPr>
+          <p:nvPr>
+            <p:ph type="title"/>
+          </p:nvPr>
+        </p:nvSpPr>
+        <p:spPr/>
+        <p:txBody>
+          <a:bodyPr/>
+          <a:lstStyle/>
+          <a:p>
+            <a:r>
+              <a:rPr lang="zh-CN" altLang="en-US" dirty="0"/>
+              <a:t>基本原则</a:t>
+            </a:r>
+            <a:endParaRPr lang="zh-CN" altLang="en-US" dirty="0"/>
+          </a:p>
+        </p:txBody>
+      </p:sp>
+      <p:sp>
+        <p:nvSpPr>
+          <p:cNvPr id="3" name="内容占位符 2"/>
+          <p:cNvSpPr>
+            <a:spLocks noGrp="1"/>
+          </p:cNvSpPr>
+          <p:nvPr>
+            <p:ph idx="1"/>
+          </p:nvPr>
+        </p:nvSpPr>
+        <p:spPr/>
+        <p:txBody>
+          <a:bodyPr/>
+          <a:lstStyle/>
+          <a:p>
+            <a:endParaRPr lang="zh-CN" altLang="en-US" dirty="0"/>
+          </a:p>
+        </p:txBody>
+      </p:sp>
+    </p:spTree>
+    <p:extLst>
+      <p:ext uri="{BB962C8B-B14F-4D97-AF65-F5344CB8AC3E}">
+        <p14:creationId xmlns:p14="http://schemas.microsoft.com/office/powerpoint/2010/main" val="985562777"/>
+      </p:ext>
+    </p:extLst>
+  </p:cSld>
+  <p:clrMapOvr>
+    <a:masterClrMapping/>
+  </p:clrMapOvr>
+</p:sld>
+</file>
+
 <file path=ppt/slides/slide2.xml><?xml version="1.0" encoding="utf-8"?>
 <p:sld xmlns:a="http://schemas.openxmlformats.org/drawingml/2006/main" xmlns:r="http://schemas.openxmlformats.org/officeDocument/2006/relationships" xmlns:p="http://schemas.openxmlformats.org/presentationml/2006/main">
   <p:cSld>
@@ -3183,6 +3258,9 @@
               <a:rPr lang="zh-CN" altLang="en-US" dirty="0" smtClean="0"/>
               <a:t>的</a:t>
             </a:r>
+            <a:endParaRPr lang="en-US" altLang="zh-CN" dirty="0" smtClean="0"/>
+          </a:p>
+          <a:p>
             <a:endParaRPr lang="en-US" altLang="zh-CN" dirty="0" smtClean="0"/>
           </a:p>
           <a:p>
@@ -3240,7 +3318,7 @@
           <a:p>
             <a:r>
               <a:rPr lang="zh-CN" altLang="en-US" dirty="0" smtClean="0"/>
-              <a:t>角色与职责</a:t>
+              <a:t>术语和定义</a:t>
             </a:r>
             <a:endParaRPr lang="zh-CN" altLang="en-US" dirty="0"/>
           </a:p>
@@ -3261,7 +3339,11 @@
           <a:bodyPr/>
           <a:lstStyle/>
           <a:p>
-            <a:endParaRPr lang="zh-CN" altLang="en-US"/>
+            <a:r>
+              <a:rPr lang="zh-CN" altLang="en-US" dirty="0" smtClean="0"/>
+              <a:t>表格</a:t>
+            </a:r>
+            <a:endParaRPr lang="zh-CN" altLang="en-US" dirty="0"/>
           </a:p>
         </p:txBody>
       </p:sp>
@@ -3312,7 +3394,7 @@
           <a:p>
             <a:r>
               <a:rPr lang="zh-CN" altLang="en-US" dirty="0" smtClean="0"/>
-              <a:t>源码管理</a:t>
+              <a:t>角色与职责</a:t>
             </a:r>
             <a:endParaRPr lang="zh-CN" altLang="en-US" dirty="0"/>
           </a:p>
@@ -3334,25 +3416,17 @@
           <a:lstStyle/>
           <a:p>
             <a:r>
-              <a:rPr lang="en-US" altLang="zh-CN" dirty="0" err="1" smtClean="0"/>
-              <a:t>Svn</a:t>
-            </a:r>
-            <a:r>
-              <a:rPr lang="zh-CN" altLang="en-US"/>
-              <a:t>提</a:t>
-            </a:r>
-            <a:r>
-              <a:rPr lang="zh-CN" altLang="en-US" smtClean="0"/>
-              <a:t>交限制</a:t>
-            </a:r>
-            <a:endParaRPr lang="zh-CN" altLang="en-US"/>
+              <a:rPr lang="zh-CN" altLang="en-US" dirty="0" smtClean="0"/>
+              <a:t>表格</a:t>
+            </a:r>
+            <a:endParaRPr lang="zh-CN" altLang="en-US" dirty="0"/>
           </a:p>
         </p:txBody>
       </p:sp>
     </p:spTree>
     <p:extLst>
       <p:ext uri="{BB962C8B-B14F-4D97-AF65-F5344CB8AC3E}">
-        <p14:creationId xmlns:p14="http://schemas.microsoft.com/office/powerpoint/2010/main" val="2982238110"/>
+        <p14:creationId xmlns:p14="http://schemas.microsoft.com/office/powerpoint/2010/main" val="2737338215"/>
       </p:ext>
     </p:extLst>
   </p:cSld>
@@ -3391,14 +3465,20 @@
         </p:nvSpPr>
         <p:spPr/>
         <p:txBody>
-          <a:bodyPr>
-            <a:normAutofit/>
-          </a:bodyPr>
-          <a:lstStyle/>
-          <a:p>
+          <a:bodyPr/>
+          <a:lstStyle/>
+          <a:p>
+            <a:r>
+              <a:rPr lang="zh-CN" altLang="en-US" dirty="0"/>
+              <a:t>版本库</a:t>
+            </a:r>
             <a:r>
               <a:rPr lang="zh-CN" altLang="en-US" dirty="0" smtClean="0"/>
-              <a:t>变更管理</a:t>
+              <a:t>管</a:t>
+            </a:r>
+            <a:r>
+              <a:rPr lang="zh-CN" altLang="en-US" dirty="0" smtClean="0"/>
+              <a:t>理</a:t>
             </a:r>
             <a:endParaRPr lang="zh-CN" altLang="en-US" dirty="0"/>
           </a:p>
@@ -3419,14 +3499,56 @@
           <a:bodyPr/>
           <a:lstStyle/>
           <a:p>
-            <a:endParaRPr lang="zh-CN" altLang="en-US"/>
+            <a:r>
+              <a:rPr lang="en-US" altLang="zh-CN" dirty="0" err="1" smtClean="0"/>
+              <a:t>Svn</a:t>
+            </a:r>
+            <a:r>
+              <a:rPr lang="zh-CN" altLang="en-US" dirty="0"/>
+              <a:t>版本</a:t>
+            </a:r>
+            <a:r>
+              <a:rPr lang="zh-CN" altLang="en-US" dirty="0" smtClean="0"/>
+              <a:t>库目录结构</a:t>
+            </a:r>
+            <a:endParaRPr lang="en-US" altLang="zh-CN" dirty="0" smtClean="0"/>
+          </a:p>
+          <a:p>
+            <a:r>
+              <a:rPr lang="en-US" altLang="zh-CN" dirty="0" err="1" smtClean="0"/>
+              <a:t>Svn</a:t>
+            </a:r>
+            <a:r>
+              <a:rPr lang="zh-CN" altLang="en-US" dirty="0"/>
+              <a:t>分</a:t>
+            </a:r>
+            <a:r>
+              <a:rPr lang="zh-CN" altLang="en-US" dirty="0" smtClean="0"/>
+              <a:t>组与权限</a:t>
+            </a:r>
+            <a:endParaRPr lang="en-US" altLang="zh-CN" dirty="0" smtClean="0"/>
+          </a:p>
+          <a:p>
+            <a:r>
+              <a:rPr lang="en-US" altLang="zh-CN" dirty="0" err="1" smtClean="0"/>
+              <a:t>Svn</a:t>
+            </a:r>
+            <a:r>
+              <a:rPr lang="zh-CN" altLang="en-US" dirty="0"/>
+              <a:t>提</a:t>
+            </a:r>
+            <a:r>
+              <a:rPr lang="zh-CN" altLang="en-US" dirty="0" smtClean="0"/>
+              <a:t>交限制</a:t>
+            </a:r>
+            <a:endParaRPr lang="zh-CN" altLang="en-US" dirty="0"/>
           </a:p>
         </p:txBody>
       </p:sp>
     </p:spTree>
     <p:extLst>
       <p:ext uri="{BB962C8B-B14F-4D97-AF65-F5344CB8AC3E}">
-        <p14:creationId xmlns:p14="http://schemas.microsoft.com/office/powerpoint/2010/main" val="1041988823"/>
+        <p14:creationId xmlns:p14="http://schemas.microsoft.com/office/powerpoint/2010/main" val="2982238110"/>
       </p:ext>
     </p:extLst>
   </p:cSld>
@@ -3465,12 +3587,22 @@
         </p:nvSpPr>
         <p:spPr/>
         <p:txBody>
-          <a:bodyPr/>
+          <a:bodyPr>
+            <a:normAutofit/>
+          </a:bodyPr>
           <a:lstStyle/>
           <a:p>
             <a:r>
               <a:rPr lang="zh-CN" altLang="en-US" dirty="0" smtClean="0"/>
-              <a:t>版本管理</a:t>
+              <a:t>变</a:t>
+            </a:r>
+            <a:r>
+              <a:rPr lang="zh-CN" altLang="en-US" dirty="0" smtClean="0"/>
+              <a:t>更</a:t>
+            </a:r>
+            <a:r>
+              <a:rPr lang="zh-CN" altLang="en-US" dirty="0"/>
+              <a:t>控制</a:t>
             </a:r>
             <a:endParaRPr lang="zh-CN" altLang="en-US" dirty="0"/>
           </a:p>
@@ -3491,14 +3623,18 @@
           <a:bodyPr/>
           <a:lstStyle/>
           <a:p>
-            <a:endParaRPr lang="zh-CN" altLang="en-US"/>
+            <a:r>
+              <a:rPr lang="en-US" altLang="zh-CN" dirty="0" smtClean="0"/>
+              <a:t>JIRA</a:t>
+            </a:r>
+            <a:endParaRPr lang="zh-CN" altLang="en-US" dirty="0"/>
           </a:p>
         </p:txBody>
       </p:sp>
     </p:spTree>
     <p:extLst>
       <p:ext uri="{BB962C8B-B14F-4D97-AF65-F5344CB8AC3E}">
-        <p14:creationId xmlns:p14="http://schemas.microsoft.com/office/powerpoint/2010/main" val="2028838604"/>
+        <p14:creationId xmlns:p14="http://schemas.microsoft.com/office/powerpoint/2010/main" val="1041988823"/>
       </p:ext>
     </p:extLst>
   </p:cSld>
@@ -3540,6 +3676,10 @@
           <a:bodyPr/>
           <a:lstStyle/>
           <a:p>
+            <a:r>
+              <a:rPr lang="zh-CN" altLang="en-US" dirty="0" smtClean="0"/>
+              <a:t>版本管理</a:t>
+            </a:r>
             <a:endParaRPr lang="zh-CN" altLang="en-US" dirty="0"/>
           </a:p>
         </p:txBody>
@@ -3559,7 +3699,91 @@
           <a:bodyPr/>
           <a:lstStyle/>
           <a:p>
-            <a:endParaRPr lang="zh-CN" altLang="en-US"/>
+            <a:r>
+              <a:rPr lang="zh-CN" altLang="en-US" dirty="0"/>
+              <a:t>版</a:t>
+            </a:r>
+            <a:r>
+              <a:rPr lang="zh-CN" altLang="en-US" dirty="0" smtClean="0"/>
+              <a:t>本发布</a:t>
+            </a:r>
+            <a:endParaRPr lang="zh-CN" altLang="en-US" dirty="0"/>
+          </a:p>
+        </p:txBody>
+      </p:sp>
+    </p:spTree>
+    <p:extLst>
+      <p:ext uri="{BB962C8B-B14F-4D97-AF65-F5344CB8AC3E}">
+        <p14:creationId xmlns:p14="http://schemas.microsoft.com/office/powerpoint/2010/main" val="2028838604"/>
+      </p:ext>
+    </p:extLst>
+  </p:cSld>
+  <p:clrMapOvr>
+    <a:masterClrMapping/>
+  </p:clrMapOvr>
+</p:sld>
+</file>
+
+<file path=ppt/slides/slide8.xml><?xml version="1.0" encoding="utf-8"?>
+<p:sld xmlns:a="http://schemas.openxmlformats.org/drawingml/2006/main" xmlns:r="http://schemas.openxmlformats.org/officeDocument/2006/relationships" xmlns:p="http://schemas.openxmlformats.org/presentationml/2006/main">
+  <p:cSld>
+    <p:spTree>
+      <p:nvGrpSpPr>
+        <p:cNvPr id="1" name=""/>
+        <p:cNvGrpSpPr/>
+        <p:nvPr/>
+      </p:nvGrpSpPr>
+      <p:grpSpPr>
+        <a:xfrm>
+          <a:off x="0" y="0"/>
+          <a:ext cx="0" cy="0"/>
+          <a:chOff x="0" y="0"/>
+          <a:chExt cx="0" cy="0"/>
+        </a:xfrm>
+      </p:grpSpPr>
+      <p:sp>
+        <p:nvSpPr>
+          <p:cNvPr id="2" name="标题 1"/>
+          <p:cNvSpPr>
+            <a:spLocks noGrp="1"/>
+          </p:cNvSpPr>
+          <p:nvPr>
+            <p:ph type="title"/>
+          </p:nvPr>
+        </p:nvSpPr>
+        <p:spPr/>
+        <p:txBody>
+          <a:bodyPr/>
+          <a:lstStyle/>
+          <a:p>
+            <a:r>
+              <a:rPr lang="zh-CN" altLang="en-US" dirty="0" smtClean="0"/>
+              <a:t>过程管理</a:t>
+            </a:r>
+            <a:endParaRPr lang="zh-CN" altLang="en-US" dirty="0"/>
+          </a:p>
+        </p:txBody>
+      </p:sp>
+      <p:sp>
+        <p:nvSpPr>
+          <p:cNvPr id="3" name="内容占位符 2"/>
+          <p:cNvSpPr>
+            <a:spLocks noGrp="1"/>
+          </p:cNvSpPr>
+          <p:nvPr>
+            <p:ph idx="1"/>
+          </p:nvPr>
+        </p:nvSpPr>
+        <p:spPr/>
+        <p:txBody>
+          <a:bodyPr/>
+          <a:lstStyle/>
+          <a:p>
+            <a:r>
+              <a:rPr lang="zh-CN" altLang="en-US" dirty="0" smtClean="0"/>
+              <a:t>配置管理计划</a:t>
+            </a:r>
+            <a:endParaRPr lang="zh-CN" altLang="en-US" dirty="0"/>
           </a:p>
         </p:txBody>
       </p:sp>
@@ -3567,6 +3791,82 @@
     <p:extLst>
       <p:ext uri="{BB962C8B-B14F-4D97-AF65-F5344CB8AC3E}">
         <p14:creationId xmlns:p14="http://schemas.microsoft.com/office/powerpoint/2010/main" val="1966259585"/>
+      </p:ext>
+    </p:extLst>
+  </p:cSld>
+  <p:clrMapOvr>
+    <a:masterClrMapping/>
+  </p:clrMapOvr>
+</p:sld>
+</file>
+
+<file path=ppt/slides/slide9.xml><?xml version="1.0" encoding="utf-8"?>
+<p:sld xmlns:a="http://schemas.openxmlformats.org/drawingml/2006/main" xmlns:r="http://schemas.openxmlformats.org/officeDocument/2006/relationships" xmlns:p="http://schemas.openxmlformats.org/presentationml/2006/main">
+  <p:cSld>
+    <p:spTree>
+      <p:nvGrpSpPr>
+        <p:cNvPr id="1" name=""/>
+        <p:cNvGrpSpPr/>
+        <p:nvPr/>
+      </p:nvGrpSpPr>
+      <p:grpSpPr>
+        <a:xfrm>
+          <a:off x="0" y="0"/>
+          <a:ext cx="0" cy="0"/>
+          <a:chOff x="0" y="0"/>
+          <a:chExt cx="0" cy="0"/>
+        </a:xfrm>
+      </p:grpSpPr>
+      <p:sp>
+        <p:nvSpPr>
+          <p:cNvPr id="2" name="标题 1"/>
+          <p:cNvSpPr>
+            <a:spLocks noGrp="1"/>
+          </p:cNvSpPr>
+          <p:nvPr>
+            <p:ph type="title"/>
+          </p:nvPr>
+        </p:nvSpPr>
+        <p:spPr/>
+        <p:txBody>
+          <a:bodyPr/>
+          <a:lstStyle/>
+          <a:p>
+            <a:r>
+              <a:rPr lang="zh-CN" altLang="en-US" dirty="0" smtClean="0"/>
+              <a:t>状态报告</a:t>
+            </a:r>
+            <a:endParaRPr lang="zh-CN" altLang="en-US" dirty="0"/>
+          </a:p>
+        </p:txBody>
+      </p:sp>
+      <p:sp>
+        <p:nvSpPr>
+          <p:cNvPr id="3" name="内容占位符 2"/>
+          <p:cNvSpPr>
+            <a:spLocks noGrp="1"/>
+          </p:cNvSpPr>
+          <p:nvPr>
+            <p:ph idx="1"/>
+          </p:nvPr>
+        </p:nvSpPr>
+        <p:spPr/>
+        <p:txBody>
+          <a:bodyPr/>
+          <a:lstStyle/>
+          <a:p>
+            <a:r>
+              <a:rPr lang="zh-CN" altLang="en-US" dirty="0" smtClean="0"/>
+              <a:t>配置状态报告</a:t>
+            </a:r>
+            <a:endParaRPr lang="zh-CN" altLang="en-US" dirty="0"/>
+          </a:p>
+        </p:txBody>
+      </p:sp>
+    </p:spTree>
+    <p:extLst>
+      <p:ext uri="{BB962C8B-B14F-4D97-AF65-F5344CB8AC3E}">
+        <p14:creationId xmlns:p14="http://schemas.microsoft.com/office/powerpoint/2010/main" val="1894221652"/>
       </p:ext>
     </p:extLst>
   </p:cSld>

--- a/新员工入职指引/配置管理规范及要求.pptx
+++ b/新员工入职指引/配置管理规范及要求.pptx
@@ -2,19 +2,26 @@
 <file path=ppt/presentation.xml><?xml version="1.0" encoding="utf-8"?>
 <p:presentation xmlns:a="http://schemas.openxmlformats.org/drawingml/2006/main" xmlns:r="http://schemas.openxmlformats.org/officeDocument/2006/relationships" xmlns:p="http://schemas.openxmlformats.org/presentationml/2006/main" saveSubsetFonts="1">
   <p:sldMasterIdLst>
-    <p:sldMasterId id="2147483648" r:id="rId1"/>
+    <p:sldMasterId id="2147483696" r:id="rId1"/>
   </p:sldMasterIdLst>
+  <p:notesMasterIdLst>
+    <p:notesMasterId r:id="rId16"/>
+  </p:notesMasterIdLst>
   <p:sldIdLst>
     <p:sldId id="256" r:id="rId2"/>
     <p:sldId id="257" r:id="rId3"/>
     <p:sldId id="258" r:id="rId4"/>
     <p:sldId id="263" r:id="rId5"/>
     <p:sldId id="259" r:id="rId6"/>
-    <p:sldId id="260" r:id="rId7"/>
-    <p:sldId id="261" r:id="rId8"/>
-    <p:sldId id="262" r:id="rId9"/>
-    <p:sldId id="265" r:id="rId10"/>
-    <p:sldId id="264" r:id="rId11"/>
+    <p:sldId id="268" r:id="rId7"/>
+    <p:sldId id="266" r:id="rId8"/>
+    <p:sldId id="267" r:id="rId9"/>
+    <p:sldId id="260" r:id="rId10"/>
+    <p:sldId id="261" r:id="rId11"/>
+    <p:sldId id="262" r:id="rId12"/>
+    <p:sldId id="265" r:id="rId13"/>
+    <p:sldId id="264" r:id="rId14"/>
+    <p:sldId id="270" r:id="rId15"/>
   </p:sldIdLst>
   <p:sldSz cx="9144000" cy="6858000" type="screen4x3"/>
   <p:notesSz cx="6858000" cy="9144000"/>
@@ -113,11 +120,377 @@
       </a:defRPr>
     </a:lvl9pPr>
   </p:defaultTextStyle>
+  <p:extLst>
+    <p:ext uri="{EFAFB233-063F-42B5-8137-9DF3F51BA10A}">
+      <p15:sldGuideLst xmlns:p15="http://schemas.microsoft.com/office/powerpoint/2012/main">
+        <p15:guide id="1" orient="horz" pos="2160">
+          <p15:clr>
+            <a:srgbClr val="A4A3A4"/>
+          </p15:clr>
+        </p15:guide>
+        <p15:guide id="2" pos="2880">
+          <p15:clr>
+            <a:srgbClr val="A4A3A4"/>
+          </p15:clr>
+        </p15:guide>
+      </p15:sldGuideLst>
+    </p:ext>
+  </p:extLst>
 </p:presentation>
 </file>
 
+<file path=ppt/notesMasters/notesMaster1.xml><?xml version="1.0" encoding="utf-8"?>
+<p:notesMaster xmlns:a="http://schemas.openxmlformats.org/drawingml/2006/main" xmlns:r="http://schemas.openxmlformats.org/officeDocument/2006/relationships" xmlns:p="http://schemas.openxmlformats.org/presentationml/2006/main">
+  <p:cSld>
+    <p:bg>
+      <p:bgRef idx="1001">
+        <a:schemeClr val="bg1"/>
+      </p:bgRef>
+    </p:bg>
+    <p:spTree>
+      <p:nvGrpSpPr>
+        <p:cNvPr id="1" name=""/>
+        <p:cNvGrpSpPr/>
+        <p:nvPr/>
+      </p:nvGrpSpPr>
+      <p:grpSpPr>
+        <a:xfrm>
+          <a:off x="0" y="0"/>
+          <a:ext cx="0" cy="0"/>
+          <a:chOff x="0" y="0"/>
+          <a:chExt cx="0" cy="0"/>
+        </a:xfrm>
+      </p:grpSpPr>
+      <p:sp>
+        <p:nvSpPr>
+          <p:cNvPr id="2" name="页眉占位符 1"/>
+          <p:cNvSpPr>
+            <a:spLocks noGrp="1"/>
+          </p:cNvSpPr>
+          <p:nvPr>
+            <p:ph type="hdr" sz="quarter"/>
+          </p:nvPr>
+        </p:nvSpPr>
+        <p:spPr>
+          <a:xfrm>
+            <a:off x="0" y="0"/>
+            <a:ext cx="2971800" cy="458788"/>
+          </a:xfrm>
+          <a:prstGeom prst="rect">
+            <a:avLst/>
+          </a:prstGeom>
+        </p:spPr>
+        <p:txBody>
+          <a:bodyPr vert="horz" lIns="91440" tIns="45720" rIns="91440" bIns="45720" rtlCol="0"/>
+          <a:lstStyle>
+            <a:lvl1pPr algn="l">
+              <a:defRPr sz="1200"/>
+            </a:lvl1pPr>
+          </a:lstStyle>
+          <a:p>
+            <a:endParaRPr lang="zh-CN" altLang="en-US"/>
+          </a:p>
+        </p:txBody>
+      </p:sp>
+      <p:sp>
+        <p:nvSpPr>
+          <p:cNvPr id="3" name="日期占位符 2"/>
+          <p:cNvSpPr>
+            <a:spLocks noGrp="1"/>
+          </p:cNvSpPr>
+          <p:nvPr>
+            <p:ph type="dt" idx="1"/>
+          </p:nvPr>
+        </p:nvSpPr>
+        <p:spPr>
+          <a:xfrm>
+            <a:off x="3884613" y="0"/>
+            <a:ext cx="2971800" cy="458788"/>
+          </a:xfrm>
+          <a:prstGeom prst="rect">
+            <a:avLst/>
+          </a:prstGeom>
+        </p:spPr>
+        <p:txBody>
+          <a:bodyPr vert="horz" lIns="91440" tIns="45720" rIns="91440" bIns="45720" rtlCol="0"/>
+          <a:lstStyle>
+            <a:lvl1pPr algn="r">
+              <a:defRPr sz="1200"/>
+            </a:lvl1pPr>
+          </a:lstStyle>
+          <a:p>
+            <a:fld id="{212BCCBD-1EAE-4C09-9EB3-D831A97F3845}" type="datetimeFigureOut">
+              <a:rPr lang="zh-CN" altLang="en-US" smtClean="0"/>
+              <a:t>2018/4/26</a:t>
+            </a:fld>
+            <a:endParaRPr lang="zh-CN" altLang="en-US"/>
+          </a:p>
+        </p:txBody>
+      </p:sp>
+      <p:sp>
+        <p:nvSpPr>
+          <p:cNvPr id="4" name="幻灯片图像占位符 3"/>
+          <p:cNvSpPr>
+            <a:spLocks noGrp="1" noRot="1" noChangeAspect="1"/>
+          </p:cNvSpPr>
+          <p:nvPr>
+            <p:ph type="sldImg" idx="2"/>
+          </p:nvPr>
+        </p:nvSpPr>
+        <p:spPr>
+          <a:xfrm>
+            <a:off x="1371600" y="1143000"/>
+            <a:ext cx="4114800" cy="3086100"/>
+          </a:xfrm>
+          <a:prstGeom prst="rect">
+            <a:avLst/>
+          </a:prstGeom>
+          <a:noFill/>
+          <a:ln w="12700">
+            <a:solidFill>
+              <a:prstClr val="black"/>
+            </a:solidFill>
+          </a:ln>
+        </p:spPr>
+        <p:txBody>
+          <a:bodyPr vert="horz" lIns="91440" tIns="45720" rIns="91440" bIns="45720" rtlCol="0" anchor="ctr"/>
+          <a:lstStyle/>
+          <a:p>
+            <a:endParaRPr lang="zh-CN" altLang="en-US"/>
+          </a:p>
+        </p:txBody>
+      </p:sp>
+      <p:sp>
+        <p:nvSpPr>
+          <p:cNvPr id="5" name="备注占位符 4"/>
+          <p:cNvSpPr>
+            <a:spLocks noGrp="1"/>
+          </p:cNvSpPr>
+          <p:nvPr>
+            <p:ph type="body" sz="quarter" idx="3"/>
+          </p:nvPr>
+        </p:nvSpPr>
+        <p:spPr>
+          <a:xfrm>
+            <a:off x="685800" y="4400550"/>
+            <a:ext cx="5486400" cy="3600450"/>
+          </a:xfrm>
+          <a:prstGeom prst="rect">
+            <a:avLst/>
+          </a:prstGeom>
+        </p:spPr>
+        <p:txBody>
+          <a:bodyPr vert="horz" lIns="91440" tIns="45720" rIns="91440" bIns="45720" rtlCol="0"/>
+          <a:lstStyle/>
+          <a:p>
+            <a:pPr lvl="0"/>
+            <a:r>
+              <a:rPr lang="zh-CN" altLang="en-US" smtClean="0"/>
+              <a:t>编辑母版文本样式</a:t>
+            </a:r>
+          </a:p>
+          <a:p>
+            <a:pPr lvl="1"/>
+            <a:r>
+              <a:rPr lang="zh-CN" altLang="en-US" smtClean="0"/>
+              <a:t>第二级</a:t>
+            </a:r>
+          </a:p>
+          <a:p>
+            <a:pPr lvl="2"/>
+            <a:r>
+              <a:rPr lang="zh-CN" altLang="en-US" smtClean="0"/>
+              <a:t>第三级</a:t>
+            </a:r>
+          </a:p>
+          <a:p>
+            <a:pPr lvl="3"/>
+            <a:r>
+              <a:rPr lang="zh-CN" altLang="en-US" smtClean="0"/>
+              <a:t>第四级</a:t>
+            </a:r>
+          </a:p>
+          <a:p>
+            <a:pPr lvl="4"/>
+            <a:r>
+              <a:rPr lang="zh-CN" altLang="en-US" smtClean="0"/>
+              <a:t>第五级</a:t>
+            </a:r>
+            <a:endParaRPr lang="zh-CN" altLang="en-US"/>
+          </a:p>
+        </p:txBody>
+      </p:sp>
+      <p:sp>
+        <p:nvSpPr>
+          <p:cNvPr id="6" name="页脚占位符 5"/>
+          <p:cNvSpPr>
+            <a:spLocks noGrp="1"/>
+          </p:cNvSpPr>
+          <p:nvPr>
+            <p:ph type="ftr" sz="quarter" idx="4"/>
+          </p:nvPr>
+        </p:nvSpPr>
+        <p:spPr>
+          <a:xfrm>
+            <a:off x="0" y="8685213"/>
+            <a:ext cx="2971800" cy="458787"/>
+          </a:xfrm>
+          <a:prstGeom prst="rect">
+            <a:avLst/>
+          </a:prstGeom>
+        </p:spPr>
+        <p:txBody>
+          <a:bodyPr vert="horz" lIns="91440" tIns="45720" rIns="91440" bIns="45720" rtlCol="0" anchor="b"/>
+          <a:lstStyle>
+            <a:lvl1pPr algn="l">
+              <a:defRPr sz="1200"/>
+            </a:lvl1pPr>
+          </a:lstStyle>
+          <a:p>
+            <a:endParaRPr lang="zh-CN" altLang="en-US"/>
+          </a:p>
+        </p:txBody>
+      </p:sp>
+      <p:sp>
+        <p:nvSpPr>
+          <p:cNvPr id="7" name="灯片编号占位符 6"/>
+          <p:cNvSpPr>
+            <a:spLocks noGrp="1"/>
+          </p:cNvSpPr>
+          <p:nvPr>
+            <p:ph type="sldNum" sz="quarter" idx="5"/>
+          </p:nvPr>
+        </p:nvSpPr>
+        <p:spPr>
+          <a:xfrm>
+            <a:off x="3884613" y="8685213"/>
+            <a:ext cx="2971800" cy="458787"/>
+          </a:xfrm>
+          <a:prstGeom prst="rect">
+            <a:avLst/>
+          </a:prstGeom>
+        </p:spPr>
+        <p:txBody>
+          <a:bodyPr vert="horz" lIns="91440" tIns="45720" rIns="91440" bIns="45720" rtlCol="0" anchor="b"/>
+          <a:lstStyle>
+            <a:lvl1pPr algn="r">
+              <a:defRPr sz="1200"/>
+            </a:lvl1pPr>
+          </a:lstStyle>
+          <a:p>
+            <a:fld id="{213B1931-1762-49DD-9545-8B5E17890DA0}" type="slidenum">
+              <a:rPr lang="zh-CN" altLang="en-US" smtClean="0"/>
+              <a:t>‹#›</a:t>
+            </a:fld>
+            <a:endParaRPr lang="zh-CN" altLang="en-US"/>
+          </a:p>
+        </p:txBody>
+      </p:sp>
+    </p:spTree>
+    <p:extLst>
+      <p:ext uri="{BB962C8B-B14F-4D97-AF65-F5344CB8AC3E}">
+        <p14:creationId xmlns:p14="http://schemas.microsoft.com/office/powerpoint/2010/main" val="3062939569"/>
+      </p:ext>
+    </p:extLst>
+  </p:cSld>
+  <p:clrMap bg1="lt1" tx1="dk1" bg2="lt2" tx2="dk2" accent1="accent1" accent2="accent2" accent3="accent3" accent4="accent4" accent5="accent5" accent6="accent6" hlink="hlink" folHlink="folHlink"/>
+  <p:notesStyle>
+    <a:lvl1pPr marL="0" algn="l" defTabSz="914400" rtl="0" eaLnBrk="1" latinLnBrk="0" hangingPunct="1">
+      <a:defRPr sz="1200" kern="1200">
+        <a:solidFill>
+          <a:schemeClr val="tx1"/>
+        </a:solidFill>
+        <a:latin typeface="+mn-lt"/>
+        <a:ea typeface="+mn-ea"/>
+        <a:cs typeface="+mn-cs"/>
+      </a:defRPr>
+    </a:lvl1pPr>
+    <a:lvl2pPr marL="457200" algn="l" defTabSz="914400" rtl="0" eaLnBrk="1" latinLnBrk="0" hangingPunct="1">
+      <a:defRPr sz="1200" kern="1200">
+        <a:solidFill>
+          <a:schemeClr val="tx1"/>
+        </a:solidFill>
+        <a:latin typeface="+mn-lt"/>
+        <a:ea typeface="+mn-ea"/>
+        <a:cs typeface="+mn-cs"/>
+      </a:defRPr>
+    </a:lvl2pPr>
+    <a:lvl3pPr marL="914400" algn="l" defTabSz="914400" rtl="0" eaLnBrk="1" latinLnBrk="0" hangingPunct="1">
+      <a:defRPr sz="1200" kern="1200">
+        <a:solidFill>
+          <a:schemeClr val="tx1"/>
+        </a:solidFill>
+        <a:latin typeface="+mn-lt"/>
+        <a:ea typeface="+mn-ea"/>
+        <a:cs typeface="+mn-cs"/>
+      </a:defRPr>
+    </a:lvl3pPr>
+    <a:lvl4pPr marL="1371600" algn="l" defTabSz="914400" rtl="0" eaLnBrk="1" latinLnBrk="0" hangingPunct="1">
+      <a:defRPr sz="1200" kern="1200">
+        <a:solidFill>
+          <a:schemeClr val="tx1"/>
+        </a:solidFill>
+        <a:latin typeface="+mn-lt"/>
+        <a:ea typeface="+mn-ea"/>
+        <a:cs typeface="+mn-cs"/>
+      </a:defRPr>
+    </a:lvl4pPr>
+    <a:lvl5pPr marL="1828800" algn="l" defTabSz="914400" rtl="0" eaLnBrk="1" latinLnBrk="0" hangingPunct="1">
+      <a:defRPr sz="1200" kern="1200">
+        <a:solidFill>
+          <a:schemeClr val="tx1"/>
+        </a:solidFill>
+        <a:latin typeface="+mn-lt"/>
+        <a:ea typeface="+mn-ea"/>
+        <a:cs typeface="+mn-cs"/>
+      </a:defRPr>
+    </a:lvl5pPr>
+    <a:lvl6pPr marL="2286000" algn="l" defTabSz="914400" rtl="0" eaLnBrk="1" latinLnBrk="0" hangingPunct="1">
+      <a:defRPr sz="1200" kern="1200">
+        <a:solidFill>
+          <a:schemeClr val="tx1"/>
+        </a:solidFill>
+        <a:latin typeface="+mn-lt"/>
+        <a:ea typeface="+mn-ea"/>
+        <a:cs typeface="+mn-cs"/>
+      </a:defRPr>
+    </a:lvl6pPr>
+    <a:lvl7pPr marL="2743200" algn="l" defTabSz="914400" rtl="0" eaLnBrk="1" latinLnBrk="0" hangingPunct="1">
+      <a:defRPr sz="1200" kern="1200">
+        <a:solidFill>
+          <a:schemeClr val="tx1"/>
+        </a:solidFill>
+        <a:latin typeface="+mn-lt"/>
+        <a:ea typeface="+mn-ea"/>
+        <a:cs typeface="+mn-cs"/>
+      </a:defRPr>
+    </a:lvl7pPr>
+    <a:lvl8pPr marL="3200400" algn="l" defTabSz="914400" rtl="0" eaLnBrk="1" latinLnBrk="0" hangingPunct="1">
+      <a:defRPr sz="1200" kern="1200">
+        <a:solidFill>
+          <a:schemeClr val="tx1"/>
+        </a:solidFill>
+        <a:latin typeface="+mn-lt"/>
+        <a:ea typeface="+mn-ea"/>
+        <a:cs typeface="+mn-cs"/>
+      </a:defRPr>
+    </a:lvl8pPr>
+    <a:lvl9pPr marL="3657600" algn="l" defTabSz="914400" rtl="0" eaLnBrk="1" latinLnBrk="0" hangingPunct="1">
+      <a:defRPr sz="1200" kern="1200">
+        <a:solidFill>
+          <a:schemeClr val="tx1"/>
+        </a:solidFill>
+        <a:latin typeface="+mn-lt"/>
+        <a:ea typeface="+mn-ea"/>
+        <a:cs typeface="+mn-cs"/>
+      </a:defRPr>
+    </a:lvl9pPr>
+  </p:notesStyle>
+</p:notesMaster>
+</file>
+
 <file path=ppt/slideLayouts/slideLayout1.xml><?xml version="1.0" encoding="utf-8"?>
-<p:sldLayout xmlns:a="http://schemas.openxmlformats.org/drawingml/2006/main" xmlns:r="http://schemas.openxmlformats.org/officeDocument/2006/relationships" xmlns:p="http://schemas.openxmlformats.org/presentationml/2006/main" type="title" preserve="1">
+<p:sldLayout xmlns:a="http://schemas.openxmlformats.org/drawingml/2006/main" xmlns:r="http://schemas.openxmlformats.org/officeDocument/2006/relationships" xmlns:p="http://schemas.openxmlformats.org/presentationml/2006/main" showMasterSp="0" type="title" preserve="1">
   <p:cSld name="标题幻灯片">
     <p:spTree>
       <p:nvGrpSpPr>
@@ -135,41 +508,219 @@
       </p:grpSpPr>
       <p:sp>
         <p:nvSpPr>
-          <p:cNvPr id="2" name="标题 1"/>
-          <p:cNvSpPr>
-            <a:spLocks noGrp="1"/>
-          </p:cNvSpPr>
-          <p:nvPr>
-            <p:ph type="ctrTitle"/>
-          </p:nvPr>
+          <p:cNvPr id="2" name="矩形 1"/>
+          <p:cNvSpPr/>
+          <p:nvPr/>
         </p:nvSpPr>
         <p:spPr>
           <a:xfrm>
-            <a:off x="685800" y="2130425"/>
-            <a:ext cx="7772400" cy="1470025"/>
+            <a:off x="0" y="0"/>
+            <a:ext cx="9144000" cy="6858000"/>
+          </a:xfrm>
+          <a:prstGeom prst="rect">
+            <a:avLst/>
+          </a:prstGeom>
+          <a:solidFill>
+            <a:srgbClr val="EFEFEF"/>
+          </a:solidFill>
+          <a:ln>
+            <a:noFill/>
+          </a:ln>
+        </p:spPr>
+        <p:style>
+          <a:lnRef idx="2">
+            <a:schemeClr val="accent1">
+              <a:shade val="50000"/>
+            </a:schemeClr>
+          </a:lnRef>
+          <a:fillRef idx="1">
+            <a:schemeClr val="accent1"/>
+          </a:fillRef>
+          <a:effectRef idx="0">
+            <a:schemeClr val="accent1"/>
+          </a:effectRef>
+          <a:fontRef idx="minor">
+            <a:schemeClr val="lt1"/>
+          </a:fontRef>
+        </p:style>
+        <p:txBody>
+          <a:bodyPr rtlCol="0" anchor="ctr"/>
+          <a:lstStyle/>
+          <a:p>
+            <a:pPr algn="ctr"/>
+            <a:endParaRPr lang="zh-CN" altLang="en-US"/>
+          </a:p>
+        </p:txBody>
+      </p:sp>
+      <p:pic>
+        <p:nvPicPr>
+          <p:cNvPr id="8" name="图片 1"/>
+          <p:cNvPicPr>
+            <a:picLocks noChangeAspect="1" noChangeArrowheads="1"/>
+          </p:cNvPicPr>
+          <p:nvPr/>
+        </p:nvPicPr>
+        <p:blipFill rotWithShape="1">
+          <a:blip r:embed="rId2" cstate="print">
+            <a:extLst>
+              <a:ext uri="{28A0092B-C50C-407E-A947-70E740481C1C}">
+                <a14:useLocalDpi xmlns:a14="http://schemas.microsoft.com/office/drawing/2010/main" val="0"/>
+              </a:ext>
+            </a:extLst>
+          </a:blip>
+          <a:srcRect r="59832"/>
+          <a:stretch/>
+        </p:blipFill>
+        <p:spPr bwMode="auto">
+          <a:xfrm>
+            <a:off x="0" y="0"/>
+            <a:ext cx="3676650" cy="5149970"/>
+          </a:xfrm>
+          <a:prstGeom prst="rect">
+            <a:avLst/>
+          </a:prstGeom>
+          <a:noFill/>
+          <a:ln>
+            <a:noFill/>
+          </a:ln>
+          <a:effectLst/>
+          <a:extLst>
+            <a:ext uri="{909E8E84-426E-40DD-AFC4-6F175D3DCCD1}">
+              <a14:hiddenFill xmlns:a14="http://schemas.microsoft.com/office/drawing/2010/main">
+                <a:solidFill>
+                  <a:schemeClr val="accent1"/>
+                </a:solidFill>
+              </a14:hiddenFill>
+            </a:ext>
+            <a:ext uri="{91240B29-F687-4F45-9708-019B960494DF}">
+              <a14:hiddenLine xmlns:a14="http://schemas.microsoft.com/office/drawing/2010/main" w="9525">
+                <a:solidFill>
+                  <a:schemeClr val="tx1"/>
+                </a:solidFill>
+                <a:miter lim="800000"/>
+                <a:headEnd/>
+                <a:tailEnd/>
+              </a14:hiddenLine>
+            </a:ext>
+            <a:ext uri="{AF507438-7753-43E0-B8FC-AC1667EBCBE1}">
+              <a14:hiddenEffects xmlns:a14="http://schemas.microsoft.com/office/drawing/2010/main">
+                <a:effectLst>
+                  <a:outerShdw dist="35921" dir="2700000" algn="ctr" rotWithShape="0">
+                    <a:schemeClr val="bg2"/>
+                  </a:outerShdw>
+                </a:effectLst>
+              </a14:hiddenEffects>
+            </a:ext>
+          </a:extLst>
+        </p:spPr>
+      </p:pic>
+      <p:pic>
+        <p:nvPicPr>
+          <p:cNvPr id="10" name="图片 1"/>
+          <p:cNvPicPr>
+            <a:picLocks noChangeAspect="1" noChangeArrowheads="1"/>
+          </p:cNvPicPr>
+          <p:nvPr/>
+        </p:nvPicPr>
+        <p:blipFill rotWithShape="1">
+          <a:blip r:embed="rId2" cstate="print">
+            <a:extLst>
+              <a:ext uri="{28A0092B-C50C-407E-A947-70E740481C1C}">
+                <a14:useLocalDpi xmlns:a14="http://schemas.microsoft.com/office/drawing/2010/main" val="0"/>
+              </a:ext>
+            </a:extLst>
+          </a:blip>
+          <a:srcRect l="48389"/>
+          <a:stretch/>
+        </p:blipFill>
+        <p:spPr bwMode="auto">
+          <a:xfrm>
+            <a:off x="4420005" y="1708030"/>
+            <a:ext cx="4723995" cy="5149970"/>
+          </a:xfrm>
+          <a:prstGeom prst="rect">
+            <a:avLst/>
+          </a:prstGeom>
+          <a:noFill/>
+          <a:ln>
+            <a:noFill/>
+          </a:ln>
+          <a:effectLst/>
+          <a:extLst>
+            <a:ext uri="{909E8E84-426E-40DD-AFC4-6F175D3DCCD1}">
+              <a14:hiddenFill xmlns:a14="http://schemas.microsoft.com/office/drawing/2010/main">
+                <a:solidFill>
+                  <a:schemeClr val="accent1"/>
+                </a:solidFill>
+              </a14:hiddenFill>
+            </a:ext>
+            <a:ext uri="{91240B29-F687-4F45-9708-019B960494DF}">
+              <a14:hiddenLine xmlns:a14="http://schemas.microsoft.com/office/drawing/2010/main" w="9525">
+                <a:solidFill>
+                  <a:schemeClr val="tx1"/>
+                </a:solidFill>
+                <a:miter lim="800000"/>
+                <a:headEnd/>
+                <a:tailEnd/>
+              </a14:hiddenLine>
+            </a:ext>
+            <a:ext uri="{AF507438-7753-43E0-B8FC-AC1667EBCBE1}">
+              <a14:hiddenEffects xmlns:a14="http://schemas.microsoft.com/office/drawing/2010/main">
+                <a:effectLst>
+                  <a:outerShdw dist="35921" dir="2700000" algn="ctr" rotWithShape="0">
+                    <a:schemeClr val="bg2"/>
+                  </a:outerShdw>
+                </a:effectLst>
+              </a14:hiddenEffects>
+            </a:ext>
+          </a:extLst>
+        </p:spPr>
+      </p:pic>
+      <p:sp>
+        <p:nvSpPr>
+          <p:cNvPr id="3074" name="Rectangle 2"/>
+          <p:cNvSpPr>
+            <a:spLocks noGrp="1" noChangeArrowheads="1"/>
+          </p:cNvSpPr>
+          <p:nvPr>
+            <p:ph type="ctrTitle"/>
+          </p:nvPr>
+        </p:nvSpPr>
+        <p:spPr>
+          <a:xfrm>
+            <a:off x="2803630" y="2281704"/>
+            <a:ext cx="4015184" cy="1082615"/>
           </a:xfrm>
         </p:spPr>
         <p:txBody>
           <a:bodyPr/>
           <a:lstStyle>
             <a:lvl1pPr algn="ctr">
-              <a:defRPr/>
+              <a:lnSpc>
+                <a:spcPct val="110000"/>
+              </a:lnSpc>
+              <a:defRPr sz="3600" b="0">
+                <a:solidFill>
+                  <a:schemeClr val="accent1"/>
+                </a:solidFill>
+              </a:defRPr>
             </a:lvl1pPr>
           </a:lstStyle>
           <a:p>
-            <a:r>
-              <a:rPr lang="zh-CN" altLang="en-US" dirty="0" smtClean="0"/>
+            <a:pPr lvl="0"/>
+            <a:r>
+              <a:rPr lang="zh-CN" altLang="en-US" noProof="0" dirty="0" smtClean="0"/>
               <a:t>单击此处编辑母版标题样式</a:t>
             </a:r>
-            <a:endParaRPr lang="zh-CN" altLang="en-US" dirty="0"/>
-          </a:p>
-        </p:txBody>
-      </p:sp>
-      <p:sp>
-        <p:nvSpPr>
-          <p:cNvPr id="3" name="副标题 2"/>
+            <a:endParaRPr lang="zh-CN" altLang="en-US" noProof="0" dirty="0" smtClean="0"/>
+          </a:p>
+        </p:txBody>
+      </p:sp>
+      <p:sp>
+        <p:nvSpPr>
+          <p:cNvPr id="3075" name="Rectangle 3"/>
           <p:cNvSpPr>
-            <a:spLocks noGrp="1"/>
+            <a:spLocks noGrp="1" noChangeArrowheads="1"/>
           </p:cNvSpPr>
           <p:nvPr>
             <p:ph type="subTitle" idx="1"/>
@@ -177,118 +728,40 @@
         </p:nvSpPr>
         <p:spPr>
           <a:xfrm>
-            <a:off x="1371600" y="3886200"/>
-            <a:ext cx="6400800" cy="1752600"/>
+            <a:off x="2803630" y="3722093"/>
+            <a:ext cx="4015184" cy="431800"/>
           </a:xfrm>
         </p:spPr>
         <p:txBody>
           <a:bodyPr/>
           <a:lstStyle>
             <a:lvl1pPr marL="0" indent="0" algn="ctr">
+              <a:buFontTx/>
               <a:buNone/>
-              <a:defRPr>
+              <a:defRPr sz="1600">
                 <a:solidFill>
-                  <a:schemeClr val="tx1">
-                    <a:tint val="75000"/>
+                  <a:schemeClr val="bg1">
+                    <a:lumMod val="50000"/>
                   </a:schemeClr>
                 </a:solidFill>
               </a:defRPr>
             </a:lvl1pPr>
-            <a:lvl2pPr marL="457200" indent="0" algn="ctr">
-              <a:buNone/>
-              <a:defRPr>
-                <a:solidFill>
-                  <a:schemeClr val="tx1">
-                    <a:tint val="75000"/>
-                  </a:schemeClr>
-                </a:solidFill>
-              </a:defRPr>
-            </a:lvl2pPr>
-            <a:lvl3pPr marL="914400" indent="0" algn="ctr">
-              <a:buNone/>
-              <a:defRPr>
-                <a:solidFill>
-                  <a:schemeClr val="tx1">
-                    <a:tint val="75000"/>
-                  </a:schemeClr>
-                </a:solidFill>
-              </a:defRPr>
-            </a:lvl3pPr>
-            <a:lvl4pPr marL="1371600" indent="0" algn="ctr">
-              <a:buNone/>
-              <a:defRPr>
-                <a:solidFill>
-                  <a:schemeClr val="tx1">
-                    <a:tint val="75000"/>
-                  </a:schemeClr>
-                </a:solidFill>
-              </a:defRPr>
-            </a:lvl4pPr>
-            <a:lvl5pPr marL="1828800" indent="0" algn="ctr">
-              <a:buNone/>
-              <a:defRPr>
-                <a:solidFill>
-                  <a:schemeClr val="tx1">
-                    <a:tint val="75000"/>
-                  </a:schemeClr>
-                </a:solidFill>
-              </a:defRPr>
-            </a:lvl5pPr>
-            <a:lvl6pPr marL="2286000" indent="0" algn="ctr">
-              <a:buNone/>
-              <a:defRPr>
-                <a:solidFill>
-                  <a:schemeClr val="tx1">
-                    <a:tint val="75000"/>
-                  </a:schemeClr>
-                </a:solidFill>
-              </a:defRPr>
-            </a:lvl6pPr>
-            <a:lvl7pPr marL="2743200" indent="0" algn="ctr">
-              <a:buNone/>
-              <a:defRPr>
-                <a:solidFill>
-                  <a:schemeClr val="tx1">
-                    <a:tint val="75000"/>
-                  </a:schemeClr>
-                </a:solidFill>
-              </a:defRPr>
-            </a:lvl7pPr>
-            <a:lvl8pPr marL="3200400" indent="0" algn="ctr">
-              <a:buNone/>
-              <a:defRPr>
-                <a:solidFill>
-                  <a:schemeClr val="tx1">
-                    <a:tint val="75000"/>
-                  </a:schemeClr>
-                </a:solidFill>
-              </a:defRPr>
-            </a:lvl8pPr>
-            <a:lvl9pPr marL="3657600" indent="0" algn="ctr">
-              <a:buNone/>
-              <a:defRPr>
-                <a:solidFill>
-                  <a:schemeClr val="tx1">
-                    <a:tint val="75000"/>
-                  </a:schemeClr>
-                </a:solidFill>
-              </a:defRPr>
-            </a:lvl9pPr>
           </a:lstStyle>
           <a:p>
-            <a:r>
-              <a:rPr lang="zh-CN" altLang="en-US" smtClean="0"/>
-              <a:t>单击此处编辑母版副标题样式</a:t>
-            </a:r>
-            <a:endParaRPr lang="zh-CN" altLang="en-US"/>
-          </a:p>
-        </p:txBody>
-      </p:sp>
-      <p:sp>
-        <p:nvSpPr>
-          <p:cNvPr id="4" name="日期占位符 3"/>
+            <a:pPr lvl="0"/>
+            <a:r>
+              <a:rPr lang="zh-CN" altLang="en-US" noProof="0" smtClean="0"/>
+              <a:t>单击以编辑母版副标题样式</a:t>
+            </a:r>
+            <a:endParaRPr lang="zh-CN" altLang="en-US" noProof="0" smtClean="0"/>
+          </a:p>
+        </p:txBody>
+      </p:sp>
+      <p:sp>
+        <p:nvSpPr>
+          <p:cNvPr id="5" name="Rectangle 4"/>
           <p:cNvSpPr>
-            <a:spLocks noGrp="1"/>
+            <a:spLocks noGrp="1" noChangeArrowheads="1"/>
           </p:cNvSpPr>
           <p:nvPr>
             <p:ph type="dt" sz="half" idx="10"/>
@@ -297,11 +770,15 @@
         <p:spPr/>
         <p:txBody>
           <a:bodyPr/>
-          <a:lstStyle/>
+          <a:lstStyle>
+            <a:lvl1pPr>
+              <a:defRPr/>
+            </a:lvl1pPr>
+          </a:lstStyle>
           <a:p>
             <a:fld id="{530820CF-B880-4189-942D-D702A7CBA730}" type="datetimeFigureOut">
               <a:rPr lang="zh-CN" altLang="en-US" smtClean="0"/>
-              <a:t>2018/4/25</a:t>
+              <a:t>2018/4/26</a:t>
             </a:fld>
             <a:endParaRPr lang="zh-CN" altLang="en-US"/>
           </a:p>
@@ -309,9 +786,9 @@
       </p:sp>
       <p:sp>
         <p:nvSpPr>
-          <p:cNvPr id="5" name="页脚占位符 4"/>
+          <p:cNvPr id="6" name="Rectangle 5"/>
           <p:cNvSpPr>
-            <a:spLocks noGrp="1"/>
+            <a:spLocks noGrp="1" noChangeArrowheads="1"/>
           </p:cNvSpPr>
           <p:nvPr>
             <p:ph type="ftr" sz="quarter" idx="11"/>
@@ -320,7 +797,11 @@
         <p:spPr/>
         <p:txBody>
           <a:bodyPr/>
-          <a:lstStyle/>
+          <a:lstStyle>
+            <a:lvl1pPr>
+              <a:defRPr/>
+            </a:lvl1pPr>
+          </a:lstStyle>
           <a:p>
             <a:endParaRPr lang="zh-CN" altLang="en-US"/>
           </a:p>
@@ -328,9 +809,9 @@
       </p:sp>
       <p:sp>
         <p:nvSpPr>
-          <p:cNvPr id="6" name="灯片编号占位符 5"/>
+          <p:cNvPr id="7" name="Rectangle 6"/>
           <p:cNvSpPr>
-            <a:spLocks noGrp="1"/>
+            <a:spLocks noGrp="1" noChangeArrowheads="1"/>
           </p:cNvSpPr>
           <p:nvPr>
             <p:ph type="sldNum" sz="quarter" idx="12"/>
@@ -339,7 +820,11 @@
         <p:spPr/>
         <p:txBody>
           <a:bodyPr/>
-          <a:lstStyle/>
+          <a:lstStyle>
+            <a:lvl1pPr>
+              <a:defRPr/>
+            </a:lvl1pPr>
+          </a:lstStyle>
           <a:p>
             <a:fld id="{0C913308-F349-4B6D-A68A-DD1791B4A57B}" type="slidenum">
               <a:rPr lang="zh-CN" altLang="en-US" smtClean="0"/>
@@ -350,10 +835,20 @@
         </p:txBody>
       </p:sp>
     </p:spTree>
+    <p:extLst>
+      <p:ext uri="{BB962C8B-B14F-4D97-AF65-F5344CB8AC3E}">
+        <p14:creationId xmlns:p14="http://schemas.microsoft.com/office/powerpoint/2010/main" val="4138245335"/>
+      </p:ext>
+    </p:extLst>
   </p:cSld>
   <p:clrMapOvr>
     <a:masterClrMapping/>
   </p:clrMapOvr>
+  <p:extLst mod="1">
+    <p:ext uri="{DCECCB84-F9BA-43D5-87BE-67443E8EF086}">
+      <p15:sldGuideLst xmlns:p15="http://schemas.microsoft.com/office/powerpoint/2012/main"/>
+    </p:ext>
+  </p:extLst>
 </p:sldLayout>
 </file>
 
@@ -415,7 +910,7 @@
             <a:pPr lvl="0"/>
             <a:r>
               <a:rPr lang="zh-CN" altLang="en-US" smtClean="0"/>
-              <a:t>单击此处编辑母版文本样式</a:t>
+              <a:t>编辑母版文本样式</a:t>
             </a:r>
           </a:p>
           <a:p>
@@ -451,22 +946,28 @@
       </p:sp>
       <p:sp>
         <p:nvSpPr>
-          <p:cNvPr id="4" name="日期占位符 3"/>
+          <p:cNvPr id="4" name="Rectangle 4"/>
           <p:cNvSpPr>
-            <a:spLocks noGrp="1"/>
+            <a:spLocks noGrp="1" noChangeArrowheads="1"/>
           </p:cNvSpPr>
           <p:nvPr>
             <p:ph type="dt" sz="half" idx="10"/>
           </p:nvPr>
         </p:nvSpPr>
-        <p:spPr/>
+        <p:spPr>
+          <a:ln/>
+        </p:spPr>
         <p:txBody>
           <a:bodyPr/>
-          <a:lstStyle/>
+          <a:lstStyle>
+            <a:lvl1pPr>
+              <a:defRPr/>
+            </a:lvl1pPr>
+          </a:lstStyle>
           <a:p>
             <a:fld id="{530820CF-B880-4189-942D-D702A7CBA730}" type="datetimeFigureOut">
               <a:rPr lang="zh-CN" altLang="en-US" smtClean="0"/>
-              <a:t>2018/4/25</a:t>
+              <a:t>2018/4/26</a:t>
             </a:fld>
             <a:endParaRPr lang="zh-CN" altLang="en-US"/>
           </a:p>
@@ -474,18 +975,24 @@
       </p:sp>
       <p:sp>
         <p:nvSpPr>
-          <p:cNvPr id="5" name="页脚占位符 4"/>
+          <p:cNvPr id="5" name="Rectangle 5"/>
           <p:cNvSpPr>
-            <a:spLocks noGrp="1"/>
+            <a:spLocks noGrp="1" noChangeArrowheads="1"/>
           </p:cNvSpPr>
           <p:nvPr>
             <p:ph type="ftr" sz="quarter" idx="11"/>
           </p:nvPr>
         </p:nvSpPr>
-        <p:spPr/>
+        <p:spPr>
+          <a:ln/>
+        </p:spPr>
         <p:txBody>
           <a:bodyPr/>
-          <a:lstStyle/>
+          <a:lstStyle>
+            <a:lvl1pPr>
+              <a:defRPr/>
+            </a:lvl1pPr>
+          </a:lstStyle>
           <a:p>
             <a:endParaRPr lang="zh-CN" altLang="en-US"/>
           </a:p>
@@ -493,18 +1000,24 @@
       </p:sp>
       <p:sp>
         <p:nvSpPr>
-          <p:cNvPr id="6" name="灯片编号占位符 5"/>
+          <p:cNvPr id="6" name="Rectangle 6"/>
           <p:cNvSpPr>
-            <a:spLocks noGrp="1"/>
+            <a:spLocks noGrp="1" noChangeArrowheads="1"/>
           </p:cNvSpPr>
           <p:nvPr>
             <p:ph type="sldNum" sz="quarter" idx="12"/>
           </p:nvPr>
         </p:nvSpPr>
-        <p:spPr/>
+        <p:spPr>
+          <a:ln/>
+        </p:spPr>
         <p:txBody>
           <a:bodyPr/>
-          <a:lstStyle/>
+          <a:lstStyle>
+            <a:lvl1pPr>
+              <a:defRPr/>
+            </a:lvl1pPr>
+          </a:lstStyle>
           <a:p>
             <a:fld id="{0C913308-F349-4B6D-A68A-DD1791B4A57B}" type="slidenum">
               <a:rPr lang="zh-CN" altLang="en-US" smtClean="0"/>
@@ -515,6 +1028,11 @@
         </p:txBody>
       </p:sp>
     </p:spTree>
+    <p:extLst>
+      <p:ext uri="{BB962C8B-B14F-4D97-AF65-F5344CB8AC3E}">
+        <p14:creationId xmlns:p14="http://schemas.microsoft.com/office/powerpoint/2010/main" val="4090600156"/>
+      </p:ext>
+    </p:extLst>
   </p:cSld>
   <p:clrMapOvr>
     <a:masterClrMapping/>
@@ -524,7 +1042,7 @@
 
 <file path=ppt/slideLayouts/slideLayout11.xml><?xml version="1.0" encoding="utf-8"?>
 <p:sldLayout xmlns:a="http://schemas.openxmlformats.org/drawingml/2006/main" xmlns:r="http://schemas.openxmlformats.org/officeDocument/2006/relationships" xmlns:p="http://schemas.openxmlformats.org/presentationml/2006/main" type="vertTitleAndTx" preserve="1">
-  <p:cSld name="垂直排列标题与文本">
+  <p:cSld name="垂直排列标题与&#10;文本">
     <p:spTree>
       <p:nvGrpSpPr>
         <p:cNvPr id="1" name=""/>
@@ -551,8 +1069,8 @@
         </p:nvSpPr>
         <p:spPr>
           <a:xfrm>
-            <a:off x="6629400" y="274638"/>
-            <a:ext cx="2057400" cy="5851525"/>
+            <a:off x="7083425" y="476250"/>
+            <a:ext cx="2203450" cy="5678488"/>
           </a:xfrm>
         </p:spPr>
         <p:txBody>
@@ -579,8 +1097,8 @@
         </p:nvSpPr>
         <p:spPr>
           <a:xfrm>
-            <a:off x="457200" y="274638"/>
-            <a:ext cx="6019800" cy="5851525"/>
+            <a:off x="468313" y="476250"/>
+            <a:ext cx="6462712" cy="5678488"/>
           </a:xfrm>
         </p:spPr>
         <p:txBody>
@@ -590,7 +1108,7 @@
             <a:pPr lvl="0"/>
             <a:r>
               <a:rPr lang="zh-CN" altLang="en-US" smtClean="0"/>
-              <a:t>单击此处编辑母版文本样式</a:t>
+              <a:t>编辑母版文本样式</a:t>
             </a:r>
           </a:p>
           <a:p>
@@ -626,22 +1144,28 @@
       </p:sp>
       <p:sp>
         <p:nvSpPr>
-          <p:cNvPr id="4" name="日期占位符 3"/>
+          <p:cNvPr id="4" name="Rectangle 4"/>
           <p:cNvSpPr>
-            <a:spLocks noGrp="1"/>
+            <a:spLocks noGrp="1" noChangeArrowheads="1"/>
           </p:cNvSpPr>
           <p:nvPr>
             <p:ph type="dt" sz="half" idx="10"/>
           </p:nvPr>
         </p:nvSpPr>
-        <p:spPr/>
+        <p:spPr>
+          <a:ln/>
+        </p:spPr>
         <p:txBody>
           <a:bodyPr/>
-          <a:lstStyle/>
+          <a:lstStyle>
+            <a:lvl1pPr>
+              <a:defRPr/>
+            </a:lvl1pPr>
+          </a:lstStyle>
           <a:p>
             <a:fld id="{530820CF-B880-4189-942D-D702A7CBA730}" type="datetimeFigureOut">
               <a:rPr lang="zh-CN" altLang="en-US" smtClean="0"/>
-              <a:t>2018/4/25</a:t>
+              <a:t>2018/4/26</a:t>
             </a:fld>
             <a:endParaRPr lang="zh-CN" altLang="en-US"/>
           </a:p>
@@ -649,18 +1173,24 @@
       </p:sp>
       <p:sp>
         <p:nvSpPr>
-          <p:cNvPr id="5" name="页脚占位符 4"/>
+          <p:cNvPr id="5" name="Rectangle 5"/>
           <p:cNvSpPr>
-            <a:spLocks noGrp="1"/>
+            <a:spLocks noGrp="1" noChangeArrowheads="1"/>
           </p:cNvSpPr>
           <p:nvPr>
             <p:ph type="ftr" sz="quarter" idx="11"/>
           </p:nvPr>
         </p:nvSpPr>
-        <p:spPr/>
+        <p:spPr>
+          <a:ln/>
+        </p:spPr>
         <p:txBody>
           <a:bodyPr/>
-          <a:lstStyle/>
+          <a:lstStyle>
+            <a:lvl1pPr>
+              <a:defRPr/>
+            </a:lvl1pPr>
+          </a:lstStyle>
           <a:p>
             <a:endParaRPr lang="zh-CN" altLang="en-US"/>
           </a:p>
@@ -668,18 +1198,24 @@
       </p:sp>
       <p:sp>
         <p:nvSpPr>
-          <p:cNvPr id="6" name="灯片编号占位符 5"/>
+          <p:cNvPr id="6" name="Rectangle 6"/>
           <p:cNvSpPr>
-            <a:spLocks noGrp="1"/>
+            <a:spLocks noGrp="1" noChangeArrowheads="1"/>
           </p:cNvSpPr>
           <p:nvPr>
             <p:ph type="sldNum" sz="quarter" idx="12"/>
           </p:nvPr>
         </p:nvSpPr>
-        <p:spPr/>
+        <p:spPr>
+          <a:ln/>
+        </p:spPr>
         <p:txBody>
           <a:bodyPr/>
-          <a:lstStyle/>
+          <a:lstStyle>
+            <a:lvl1pPr>
+              <a:defRPr/>
+            </a:lvl1pPr>
+          </a:lstStyle>
           <a:p>
             <a:fld id="{0C913308-F349-4B6D-A68A-DD1791B4A57B}" type="slidenum">
               <a:rPr lang="zh-CN" altLang="en-US" smtClean="0"/>
@@ -690,6 +1226,11 @@
         </p:txBody>
       </p:sp>
     </p:spTree>
+    <p:extLst>
+      <p:ext uri="{BB962C8B-B14F-4D97-AF65-F5344CB8AC3E}">
+        <p14:creationId xmlns:p14="http://schemas.microsoft.com/office/powerpoint/2010/main" val="247381107"/>
+      </p:ext>
+    </p:extLst>
   </p:cSld>
   <p:clrMapOvr>
     <a:masterClrMapping/>
@@ -724,7 +1265,12 @@
             <p:ph type="title"/>
           </p:nvPr>
         </p:nvSpPr>
-        <p:spPr/>
+        <p:spPr>
+          <a:xfrm>
+            <a:off x="1270000" y="317724"/>
+            <a:ext cx="5600700" cy="711200"/>
+          </a:xfrm>
+        </p:spPr>
         <p:txBody>
           <a:bodyPr/>
           <a:lstStyle/>
@@ -733,7 +1279,7 @@
               <a:rPr lang="zh-CN" altLang="en-US" smtClean="0"/>
               <a:t>单击此处编辑母版标题样式</a:t>
             </a:r>
-            <a:endParaRPr lang="zh-CN" altLang="en-US"/>
+            <a:endParaRPr lang="zh-CN" altLang="en-US" dirty="0"/>
           </a:p>
         </p:txBody>
       </p:sp>
@@ -750,12 +1296,31 @@
         <p:spPr/>
         <p:txBody>
           <a:bodyPr/>
-          <a:lstStyle/>
+          <a:lstStyle>
+            <a:lvl1pPr>
+              <a:defRPr>
+                <a:solidFill>
+                  <a:schemeClr val="accent2">
+                    <a:lumMod val="75000"/>
+                  </a:schemeClr>
+                </a:solidFill>
+              </a:defRPr>
+            </a:lvl1pPr>
+            <a:lvl2pPr>
+              <a:defRPr>
+                <a:solidFill>
+                  <a:schemeClr val="bg1">
+                    <a:lumMod val="50000"/>
+                  </a:schemeClr>
+                </a:solidFill>
+              </a:defRPr>
+            </a:lvl2pPr>
+          </a:lstStyle>
           <a:p>
             <a:pPr lvl="0"/>
             <a:r>
               <a:rPr lang="zh-CN" altLang="en-US" smtClean="0"/>
-              <a:t>单击此处编辑母版文本样式</a:t>
+              <a:t>编辑母版文本样式</a:t>
             </a:r>
           </a:p>
           <a:p>
@@ -765,48 +1330,32 @@
               <a:t>第二级</a:t>
             </a:r>
           </a:p>
-          <a:p>
-            <a:pPr lvl="2"/>
-            <a:r>
+        </p:txBody>
+      </p:sp>
+      <p:sp>
+        <p:nvSpPr>
+          <p:cNvPr id="4" name="Rectangle 4"/>
+          <p:cNvSpPr>
+            <a:spLocks noGrp="1" noChangeArrowheads="1"/>
+          </p:cNvSpPr>
+          <p:nvPr>
+            <p:ph type="dt" sz="half" idx="10"/>
+          </p:nvPr>
+        </p:nvSpPr>
+        <p:spPr>
+          <a:ln/>
+        </p:spPr>
+        <p:txBody>
+          <a:bodyPr/>
+          <a:lstStyle>
+            <a:lvl1pPr>
+              <a:defRPr/>
+            </a:lvl1pPr>
+          </a:lstStyle>
+          <a:p>
+            <a:fld id="{13D0CE79-49FB-443D-BEF8-6B709DE8FD0C}" type="datetimeFigureOut">
               <a:rPr lang="zh-CN" altLang="en-US" smtClean="0"/>
-              <a:t>第三级</a:t>
-            </a:r>
-          </a:p>
-          <a:p>
-            <a:pPr lvl="3"/>
-            <a:r>
-              <a:rPr lang="zh-CN" altLang="en-US" smtClean="0"/>
-              <a:t>第四级</a:t>
-            </a:r>
-          </a:p>
-          <a:p>
-            <a:pPr lvl="4"/>
-            <a:r>
-              <a:rPr lang="zh-CN" altLang="en-US" smtClean="0"/>
-              <a:t>第五级</a:t>
-            </a:r>
-            <a:endParaRPr lang="zh-CN" altLang="en-US"/>
-          </a:p>
-        </p:txBody>
-      </p:sp>
-      <p:sp>
-        <p:nvSpPr>
-          <p:cNvPr id="4" name="日期占位符 3"/>
-          <p:cNvSpPr>
-            <a:spLocks noGrp="1"/>
-          </p:cNvSpPr>
-          <p:nvPr>
-            <p:ph type="dt" sz="half" idx="10"/>
-          </p:nvPr>
-        </p:nvSpPr>
-        <p:spPr/>
-        <p:txBody>
-          <a:bodyPr/>
-          <a:lstStyle/>
-          <a:p>
-            <a:fld id="{530820CF-B880-4189-942D-D702A7CBA730}" type="datetimeFigureOut">
-              <a:rPr lang="zh-CN" altLang="en-US" smtClean="0"/>
-              <a:t>2018/4/25</a:t>
+              <a:t>2018/4/26</a:t>
             </a:fld>
             <a:endParaRPr lang="zh-CN" altLang="en-US"/>
           </a:p>
@@ -814,18 +1363,24 @@
       </p:sp>
       <p:sp>
         <p:nvSpPr>
-          <p:cNvPr id="5" name="页脚占位符 4"/>
+          <p:cNvPr id="5" name="Rectangle 5"/>
           <p:cNvSpPr>
-            <a:spLocks noGrp="1"/>
+            <a:spLocks noGrp="1" noChangeArrowheads="1"/>
           </p:cNvSpPr>
           <p:nvPr>
             <p:ph type="ftr" sz="quarter" idx="11"/>
           </p:nvPr>
         </p:nvSpPr>
-        <p:spPr/>
+        <p:spPr>
+          <a:ln/>
+        </p:spPr>
         <p:txBody>
           <a:bodyPr/>
-          <a:lstStyle/>
+          <a:lstStyle>
+            <a:lvl1pPr>
+              <a:defRPr/>
+            </a:lvl1pPr>
+          </a:lstStyle>
           <a:p>
             <a:endParaRPr lang="zh-CN" altLang="en-US"/>
           </a:p>
@@ -833,20 +1388,26 @@
       </p:sp>
       <p:sp>
         <p:nvSpPr>
-          <p:cNvPr id="6" name="灯片编号占位符 5"/>
+          <p:cNvPr id="6" name="Rectangle 6"/>
           <p:cNvSpPr>
-            <a:spLocks noGrp="1"/>
+            <a:spLocks noGrp="1" noChangeArrowheads="1"/>
           </p:cNvSpPr>
           <p:nvPr>
             <p:ph type="sldNum" sz="quarter" idx="12"/>
           </p:nvPr>
         </p:nvSpPr>
-        <p:spPr/>
+        <p:spPr>
+          <a:ln/>
+        </p:spPr>
         <p:txBody>
           <a:bodyPr/>
-          <a:lstStyle/>
-          <a:p>
-            <a:fld id="{0C913308-F349-4B6D-A68A-DD1791B4A57B}" type="slidenum">
+          <a:lstStyle>
+            <a:lvl1pPr>
+              <a:defRPr/>
+            </a:lvl1pPr>
+          </a:lstStyle>
+          <a:p>
+            <a:fld id="{EF906490-237C-474C-BA2E-D98840BC1F8F}" type="slidenum">
               <a:rPr lang="zh-CN" altLang="en-US" smtClean="0"/>
               <a:t>‹#›</a:t>
             </a:fld>
@@ -855,6 +1416,11 @@
         </p:txBody>
       </p:sp>
     </p:spTree>
+    <p:extLst>
+      <p:ext uri="{BB962C8B-B14F-4D97-AF65-F5344CB8AC3E}">
+        <p14:creationId xmlns:p14="http://schemas.microsoft.com/office/powerpoint/2010/main" val="858543326"/>
+      </p:ext>
+    </p:extLst>
   </p:cSld>
   <p:clrMapOvr>
     <a:masterClrMapping/>
@@ -891,15 +1457,15 @@
         </p:nvSpPr>
         <p:spPr>
           <a:xfrm>
-            <a:off x="722313" y="4406900"/>
-            <a:ext cx="7772400" cy="1362075"/>
+            <a:off x="623888" y="1709738"/>
+            <a:ext cx="7886700" cy="2852737"/>
           </a:xfrm>
         </p:spPr>
         <p:txBody>
-          <a:bodyPr anchor="t"/>
+          <a:bodyPr anchor="b"/>
           <a:lstStyle>
-            <a:lvl1pPr algn="l">
-              <a:defRPr sz="4000" b="1" cap="all"/>
+            <a:lvl1pPr>
+              <a:defRPr sz="4800"/>
             </a:lvl1pPr>
           </a:lstStyle>
           <a:p>
@@ -907,7 +1473,7 @@
               <a:rPr lang="zh-CN" altLang="en-US" smtClean="0"/>
               <a:t>单击此处编辑母版标题样式</a:t>
             </a:r>
-            <a:endParaRPr lang="zh-CN" altLang="en-US"/>
+            <a:endParaRPr lang="zh-CN" altLang="en-US" dirty="0"/>
           </a:p>
         </p:txBody>
       </p:sp>
@@ -923,131 +1489,83 @@
         </p:nvSpPr>
         <p:spPr>
           <a:xfrm>
-            <a:off x="722313" y="2906713"/>
-            <a:ext cx="7772400" cy="1500187"/>
+            <a:off x="623888" y="4589463"/>
+            <a:ext cx="7886700" cy="1500187"/>
           </a:xfrm>
         </p:spPr>
         <p:txBody>
-          <a:bodyPr anchor="b"/>
+          <a:bodyPr/>
           <a:lstStyle>
             <a:lvl1pPr marL="0" indent="0">
               <a:buNone/>
-              <a:defRPr sz="2000">
-                <a:solidFill>
-                  <a:schemeClr val="tx1">
-                    <a:tint val="75000"/>
-                  </a:schemeClr>
-                </a:solidFill>
-              </a:defRPr>
+              <a:defRPr sz="2400"/>
             </a:lvl1pPr>
             <a:lvl2pPr marL="457200" indent="0">
               <a:buNone/>
-              <a:defRPr sz="1800">
-                <a:solidFill>
-                  <a:schemeClr val="tx1">
-                    <a:tint val="75000"/>
-                  </a:schemeClr>
-                </a:solidFill>
-              </a:defRPr>
+              <a:defRPr sz="2000"/>
             </a:lvl2pPr>
             <a:lvl3pPr marL="914400" indent="0">
               <a:buNone/>
-              <a:defRPr sz="1600">
-                <a:solidFill>
-                  <a:schemeClr val="tx1">
-                    <a:tint val="75000"/>
-                  </a:schemeClr>
-                </a:solidFill>
-              </a:defRPr>
+              <a:defRPr sz="1800"/>
             </a:lvl3pPr>
             <a:lvl4pPr marL="1371600" indent="0">
               <a:buNone/>
-              <a:defRPr sz="1400">
-                <a:solidFill>
-                  <a:schemeClr val="tx1">
-                    <a:tint val="75000"/>
-                  </a:schemeClr>
-                </a:solidFill>
-              </a:defRPr>
+              <a:defRPr sz="1600"/>
             </a:lvl4pPr>
             <a:lvl5pPr marL="1828800" indent="0">
               <a:buNone/>
-              <a:defRPr sz="1400">
-                <a:solidFill>
-                  <a:schemeClr val="tx1">
-                    <a:tint val="75000"/>
-                  </a:schemeClr>
-                </a:solidFill>
-              </a:defRPr>
+              <a:defRPr sz="1600"/>
             </a:lvl5pPr>
             <a:lvl6pPr marL="2286000" indent="0">
               <a:buNone/>
-              <a:defRPr sz="1400">
-                <a:solidFill>
-                  <a:schemeClr val="tx1">
-                    <a:tint val="75000"/>
-                  </a:schemeClr>
-                </a:solidFill>
-              </a:defRPr>
+              <a:defRPr sz="1600"/>
             </a:lvl6pPr>
             <a:lvl7pPr marL="2743200" indent="0">
               <a:buNone/>
-              <a:defRPr sz="1400">
-                <a:solidFill>
-                  <a:schemeClr val="tx1">
-                    <a:tint val="75000"/>
-                  </a:schemeClr>
-                </a:solidFill>
-              </a:defRPr>
+              <a:defRPr sz="1600"/>
             </a:lvl7pPr>
             <a:lvl8pPr marL="3200400" indent="0">
               <a:buNone/>
-              <a:defRPr sz="1400">
-                <a:solidFill>
-                  <a:schemeClr val="tx1">
-                    <a:tint val="75000"/>
-                  </a:schemeClr>
-                </a:solidFill>
-              </a:defRPr>
+              <a:defRPr sz="1600"/>
             </a:lvl8pPr>
             <a:lvl9pPr marL="3657600" indent="0">
               <a:buNone/>
-              <a:defRPr sz="1400">
-                <a:solidFill>
-                  <a:schemeClr val="tx1">
-                    <a:tint val="75000"/>
-                  </a:schemeClr>
-                </a:solidFill>
-              </a:defRPr>
+              <a:defRPr sz="1600"/>
             </a:lvl9pPr>
           </a:lstStyle>
           <a:p>
             <a:pPr lvl="0"/>
             <a:r>
               <a:rPr lang="zh-CN" altLang="en-US" smtClean="0"/>
-              <a:t>单击此处编辑母版文本样式</a:t>
-            </a:r>
-          </a:p>
-        </p:txBody>
-      </p:sp>
-      <p:sp>
-        <p:nvSpPr>
-          <p:cNvPr id="4" name="日期占位符 3"/>
+              <a:t>编辑母版文本样式</a:t>
+            </a:r>
+          </a:p>
+        </p:txBody>
+      </p:sp>
+      <p:sp>
+        <p:nvSpPr>
+          <p:cNvPr id="4" name="Rectangle 4"/>
           <p:cNvSpPr>
-            <a:spLocks noGrp="1"/>
+            <a:spLocks noGrp="1" noChangeArrowheads="1"/>
           </p:cNvSpPr>
           <p:nvPr>
             <p:ph type="dt" sz="half" idx="10"/>
           </p:nvPr>
         </p:nvSpPr>
-        <p:spPr/>
+        <p:spPr>
+          <a:ln/>
+        </p:spPr>
         <p:txBody>
           <a:bodyPr/>
-          <a:lstStyle/>
+          <a:lstStyle>
+            <a:lvl1pPr>
+              <a:defRPr/>
+            </a:lvl1pPr>
+          </a:lstStyle>
           <a:p>
             <a:fld id="{530820CF-B880-4189-942D-D702A7CBA730}" type="datetimeFigureOut">
               <a:rPr lang="zh-CN" altLang="en-US" smtClean="0"/>
-              <a:t>2018/4/25</a:t>
+              <a:t>2018/4/26</a:t>
             </a:fld>
             <a:endParaRPr lang="zh-CN" altLang="en-US"/>
           </a:p>
@@ -1055,18 +1573,24 @@
       </p:sp>
       <p:sp>
         <p:nvSpPr>
-          <p:cNvPr id="5" name="页脚占位符 4"/>
+          <p:cNvPr id="5" name="Rectangle 5"/>
           <p:cNvSpPr>
-            <a:spLocks noGrp="1"/>
+            <a:spLocks noGrp="1" noChangeArrowheads="1"/>
           </p:cNvSpPr>
           <p:nvPr>
             <p:ph type="ftr" sz="quarter" idx="11"/>
           </p:nvPr>
         </p:nvSpPr>
-        <p:spPr/>
+        <p:spPr>
+          <a:ln/>
+        </p:spPr>
         <p:txBody>
           <a:bodyPr/>
-          <a:lstStyle/>
+          <a:lstStyle>
+            <a:lvl1pPr>
+              <a:defRPr/>
+            </a:lvl1pPr>
+          </a:lstStyle>
           <a:p>
             <a:endParaRPr lang="zh-CN" altLang="en-US"/>
           </a:p>
@@ -1074,18 +1598,24 @@
       </p:sp>
       <p:sp>
         <p:nvSpPr>
-          <p:cNvPr id="6" name="灯片编号占位符 5"/>
+          <p:cNvPr id="6" name="Rectangle 6"/>
           <p:cNvSpPr>
-            <a:spLocks noGrp="1"/>
+            <a:spLocks noGrp="1" noChangeArrowheads="1"/>
           </p:cNvSpPr>
           <p:nvPr>
             <p:ph type="sldNum" sz="quarter" idx="12"/>
           </p:nvPr>
         </p:nvSpPr>
-        <p:spPr/>
+        <p:spPr>
+          <a:ln/>
+        </p:spPr>
         <p:txBody>
           <a:bodyPr/>
-          <a:lstStyle/>
+          <a:lstStyle>
+            <a:lvl1pPr>
+              <a:defRPr/>
+            </a:lvl1pPr>
+          </a:lstStyle>
           <a:p>
             <a:fld id="{0C913308-F349-4B6D-A68A-DD1791B4A57B}" type="slidenum">
               <a:rPr lang="zh-CN" altLang="en-US" smtClean="0"/>
@@ -1096,10 +1626,20 @@
         </p:txBody>
       </p:sp>
     </p:spTree>
+    <p:extLst>
+      <p:ext uri="{BB962C8B-B14F-4D97-AF65-F5344CB8AC3E}">
+        <p14:creationId xmlns:p14="http://schemas.microsoft.com/office/powerpoint/2010/main" val="300005337"/>
+      </p:ext>
+    </p:extLst>
   </p:cSld>
   <p:clrMapOvr>
     <a:masterClrMapping/>
   </p:clrMapOvr>
+  <p:extLst mod="1">
+    <p:ext uri="{DCECCB84-F9BA-43D5-87BE-67443E8EF086}">
+      <p15:sldGuideLst xmlns:p15="http://schemas.microsoft.com/office/powerpoint/2012/main"/>
+    </p:ext>
+  </p:extLst>
 </p:sldLayout>
 </file>
 
@@ -1155,220 +1695,182 @@
         </p:nvSpPr>
         <p:spPr>
           <a:xfrm>
-            <a:off x="457200" y="1600200"/>
-            <a:ext cx="4038600" cy="4525963"/>
+            <a:off x="468313" y="1412875"/>
+            <a:ext cx="4260850" cy="4741863"/>
           </a:xfrm>
+        </p:spPr>
+        <p:txBody>
+          <a:bodyPr/>
+          <a:lstStyle/>
+          <a:p>
+            <a:pPr lvl="0"/>
+            <a:r>
+              <a:rPr lang="zh-CN" altLang="en-US" smtClean="0"/>
+              <a:t>编辑母版文本样式</a:t>
+            </a:r>
+          </a:p>
+          <a:p>
+            <a:pPr lvl="1"/>
+            <a:r>
+              <a:rPr lang="zh-CN" altLang="en-US" smtClean="0"/>
+              <a:t>第二级</a:t>
+            </a:r>
+          </a:p>
+          <a:p>
+            <a:pPr lvl="2"/>
+            <a:r>
+              <a:rPr lang="zh-CN" altLang="en-US" smtClean="0"/>
+              <a:t>第三级</a:t>
+            </a:r>
+          </a:p>
+          <a:p>
+            <a:pPr lvl="3"/>
+            <a:r>
+              <a:rPr lang="zh-CN" altLang="en-US" smtClean="0"/>
+              <a:t>第四级</a:t>
+            </a:r>
+          </a:p>
+          <a:p>
+            <a:pPr lvl="4"/>
+            <a:r>
+              <a:rPr lang="zh-CN" altLang="en-US" smtClean="0"/>
+              <a:t>第五级</a:t>
+            </a:r>
+            <a:endParaRPr lang="zh-CN" altLang="en-US"/>
+          </a:p>
+        </p:txBody>
+      </p:sp>
+      <p:sp>
+        <p:nvSpPr>
+          <p:cNvPr id="4" name="内容占位符 3"/>
+          <p:cNvSpPr>
+            <a:spLocks noGrp="1"/>
+          </p:cNvSpPr>
+          <p:nvPr>
+            <p:ph sz="half" idx="2"/>
+          </p:nvPr>
+        </p:nvSpPr>
+        <p:spPr>
+          <a:xfrm>
+            <a:off x="4881563" y="1412875"/>
+            <a:ext cx="4262437" cy="4741863"/>
+          </a:xfrm>
+        </p:spPr>
+        <p:txBody>
+          <a:bodyPr/>
+          <a:lstStyle/>
+          <a:p>
+            <a:pPr lvl="0"/>
+            <a:r>
+              <a:rPr lang="zh-CN" altLang="en-US" smtClean="0"/>
+              <a:t>编辑母版文本样式</a:t>
+            </a:r>
+          </a:p>
+          <a:p>
+            <a:pPr lvl="1"/>
+            <a:r>
+              <a:rPr lang="zh-CN" altLang="en-US" smtClean="0"/>
+              <a:t>第二级</a:t>
+            </a:r>
+          </a:p>
+          <a:p>
+            <a:pPr lvl="2"/>
+            <a:r>
+              <a:rPr lang="zh-CN" altLang="en-US" smtClean="0"/>
+              <a:t>第三级</a:t>
+            </a:r>
+          </a:p>
+          <a:p>
+            <a:pPr lvl="3"/>
+            <a:r>
+              <a:rPr lang="zh-CN" altLang="en-US" smtClean="0"/>
+              <a:t>第四级</a:t>
+            </a:r>
+          </a:p>
+          <a:p>
+            <a:pPr lvl="4"/>
+            <a:r>
+              <a:rPr lang="zh-CN" altLang="en-US" smtClean="0"/>
+              <a:t>第五级</a:t>
+            </a:r>
+            <a:endParaRPr lang="zh-CN" altLang="en-US"/>
+          </a:p>
+        </p:txBody>
+      </p:sp>
+      <p:sp>
+        <p:nvSpPr>
+          <p:cNvPr id="5" name="Rectangle 4"/>
+          <p:cNvSpPr>
+            <a:spLocks noGrp="1" noChangeArrowheads="1"/>
+          </p:cNvSpPr>
+          <p:nvPr>
+            <p:ph type="dt" sz="half" idx="10"/>
+          </p:nvPr>
+        </p:nvSpPr>
+        <p:spPr>
+          <a:ln/>
         </p:spPr>
         <p:txBody>
           <a:bodyPr/>
           <a:lstStyle>
             <a:lvl1pPr>
-              <a:defRPr sz="2800"/>
+              <a:defRPr/>
             </a:lvl1pPr>
-            <a:lvl2pPr>
-              <a:defRPr sz="2400"/>
-            </a:lvl2pPr>
-            <a:lvl3pPr>
-              <a:defRPr sz="2000"/>
-            </a:lvl3pPr>
-            <a:lvl4pPr>
-              <a:defRPr sz="1800"/>
-            </a:lvl4pPr>
-            <a:lvl5pPr>
-              <a:defRPr sz="1800"/>
-            </a:lvl5pPr>
-            <a:lvl6pPr>
-              <a:defRPr sz="1800"/>
-            </a:lvl6pPr>
-            <a:lvl7pPr>
-              <a:defRPr sz="1800"/>
-            </a:lvl7pPr>
-            <a:lvl8pPr>
-              <a:defRPr sz="1800"/>
-            </a:lvl8pPr>
-            <a:lvl9pPr>
-              <a:defRPr sz="1800"/>
-            </a:lvl9pPr>
           </a:lstStyle>
           <a:p>
-            <a:pPr lvl="0"/>
-            <a:r>
+            <a:fld id="{530820CF-B880-4189-942D-D702A7CBA730}" type="datetimeFigureOut">
               <a:rPr lang="zh-CN" altLang="en-US" smtClean="0"/>
-              <a:t>单击此处编辑母版文本样式</a:t>
-            </a:r>
-          </a:p>
-          <a:p>
-            <a:pPr lvl="1"/>
-            <a:r>
-              <a:rPr lang="zh-CN" altLang="en-US" smtClean="0"/>
-              <a:t>第二级</a:t>
-            </a:r>
-          </a:p>
-          <a:p>
-            <a:pPr lvl="2"/>
-            <a:r>
-              <a:rPr lang="zh-CN" altLang="en-US" smtClean="0"/>
-              <a:t>第三级</a:t>
-            </a:r>
-          </a:p>
-          <a:p>
-            <a:pPr lvl="3"/>
-            <a:r>
-              <a:rPr lang="zh-CN" altLang="en-US" smtClean="0"/>
-              <a:t>第四级</a:t>
-            </a:r>
-          </a:p>
-          <a:p>
-            <a:pPr lvl="4"/>
-            <a:r>
-              <a:rPr lang="zh-CN" altLang="en-US" smtClean="0"/>
-              <a:t>第五级</a:t>
-            </a:r>
+              <a:t>2018/4/26</a:t>
+            </a:fld>
             <a:endParaRPr lang="zh-CN" altLang="en-US"/>
           </a:p>
         </p:txBody>
       </p:sp>
       <p:sp>
         <p:nvSpPr>
-          <p:cNvPr id="4" name="内容占位符 3"/>
+          <p:cNvPr id="6" name="Rectangle 5"/>
           <p:cNvSpPr>
-            <a:spLocks noGrp="1"/>
-          </p:cNvSpPr>
-          <p:nvPr>
-            <p:ph sz="half" idx="2"/>
+            <a:spLocks noGrp="1" noChangeArrowheads="1"/>
+          </p:cNvSpPr>
+          <p:nvPr>
+            <p:ph type="ftr" sz="quarter" idx="11"/>
           </p:nvPr>
         </p:nvSpPr>
         <p:spPr>
-          <a:xfrm>
-            <a:off x="4648200" y="1600200"/>
-            <a:ext cx="4038600" cy="4525963"/>
-          </a:xfrm>
+          <a:ln/>
         </p:spPr>
         <p:txBody>
           <a:bodyPr/>
           <a:lstStyle>
             <a:lvl1pPr>
-              <a:defRPr sz="2800"/>
+              <a:defRPr/>
             </a:lvl1pPr>
-            <a:lvl2pPr>
-              <a:defRPr sz="2400"/>
-            </a:lvl2pPr>
-            <a:lvl3pPr>
-              <a:defRPr sz="2000"/>
-            </a:lvl3pPr>
-            <a:lvl4pPr>
-              <a:defRPr sz="1800"/>
-            </a:lvl4pPr>
-            <a:lvl5pPr>
-              <a:defRPr sz="1800"/>
-            </a:lvl5pPr>
-            <a:lvl6pPr>
-              <a:defRPr sz="1800"/>
-            </a:lvl6pPr>
-            <a:lvl7pPr>
-              <a:defRPr sz="1800"/>
-            </a:lvl7pPr>
-            <a:lvl8pPr>
-              <a:defRPr sz="1800"/>
-            </a:lvl8pPr>
-            <a:lvl9pPr>
-              <a:defRPr sz="1800"/>
-            </a:lvl9pPr>
           </a:lstStyle>
           <a:p>
-            <a:pPr lvl="0"/>
-            <a:r>
-              <a:rPr lang="zh-CN" altLang="en-US" smtClean="0"/>
-              <a:t>单击此处编辑母版文本样式</a:t>
-            </a:r>
-          </a:p>
-          <a:p>
-            <a:pPr lvl="1"/>
-            <a:r>
-              <a:rPr lang="zh-CN" altLang="en-US" smtClean="0"/>
-              <a:t>第二级</a:t>
-            </a:r>
-          </a:p>
-          <a:p>
-            <a:pPr lvl="2"/>
-            <a:r>
-              <a:rPr lang="zh-CN" altLang="en-US" smtClean="0"/>
-              <a:t>第三级</a:t>
-            </a:r>
-          </a:p>
-          <a:p>
-            <a:pPr lvl="3"/>
-            <a:r>
-              <a:rPr lang="zh-CN" altLang="en-US" smtClean="0"/>
-              <a:t>第四级</a:t>
-            </a:r>
-          </a:p>
-          <a:p>
-            <a:pPr lvl="4"/>
-            <a:r>
-              <a:rPr lang="zh-CN" altLang="en-US" smtClean="0"/>
-              <a:t>第五级</a:t>
-            </a:r>
             <a:endParaRPr lang="zh-CN" altLang="en-US"/>
           </a:p>
         </p:txBody>
       </p:sp>
       <p:sp>
         <p:nvSpPr>
-          <p:cNvPr id="5" name="日期占位符 4"/>
+          <p:cNvPr id="7" name="Rectangle 6"/>
           <p:cNvSpPr>
-            <a:spLocks noGrp="1"/>
-          </p:cNvSpPr>
-          <p:nvPr>
-            <p:ph type="dt" sz="half" idx="10"/>
-          </p:nvPr>
-        </p:nvSpPr>
-        <p:spPr/>
+            <a:spLocks noGrp="1" noChangeArrowheads="1"/>
+          </p:cNvSpPr>
+          <p:nvPr>
+            <p:ph type="sldNum" sz="quarter" idx="12"/>
+          </p:nvPr>
+        </p:nvSpPr>
+        <p:spPr>
+          <a:ln/>
+        </p:spPr>
         <p:txBody>
           <a:bodyPr/>
-          <a:lstStyle/>
-          <a:p>
-            <a:fld id="{530820CF-B880-4189-942D-D702A7CBA730}" type="datetimeFigureOut">
-              <a:rPr lang="zh-CN" altLang="en-US" smtClean="0"/>
-              <a:t>2018/4/25</a:t>
-            </a:fld>
-            <a:endParaRPr lang="zh-CN" altLang="en-US"/>
-          </a:p>
-        </p:txBody>
-      </p:sp>
-      <p:sp>
-        <p:nvSpPr>
-          <p:cNvPr id="6" name="页脚占位符 5"/>
-          <p:cNvSpPr>
-            <a:spLocks noGrp="1"/>
-          </p:cNvSpPr>
-          <p:nvPr>
-            <p:ph type="ftr" sz="quarter" idx="11"/>
-          </p:nvPr>
-        </p:nvSpPr>
-        <p:spPr/>
-        <p:txBody>
-          <a:bodyPr/>
-          <a:lstStyle/>
-          <a:p>
-            <a:endParaRPr lang="zh-CN" altLang="en-US"/>
-          </a:p>
-        </p:txBody>
-      </p:sp>
-      <p:sp>
-        <p:nvSpPr>
-          <p:cNvPr id="7" name="灯片编号占位符 6"/>
-          <p:cNvSpPr>
-            <a:spLocks noGrp="1"/>
-          </p:cNvSpPr>
-          <p:nvPr>
-            <p:ph type="sldNum" sz="quarter" idx="12"/>
-          </p:nvPr>
-        </p:nvSpPr>
-        <p:spPr/>
-        <p:txBody>
-          <a:bodyPr/>
-          <a:lstStyle/>
+          <a:lstStyle>
+            <a:lvl1pPr>
+              <a:defRPr/>
+            </a:lvl1pPr>
+          </a:lstStyle>
           <a:p>
             <a:fld id="{0C913308-F349-4B6D-A68A-DD1791B4A57B}" type="slidenum">
               <a:rPr lang="zh-CN" altLang="en-US" smtClean="0"/>
@@ -1379,6 +1881,11 @@
         </p:txBody>
       </p:sp>
     </p:spTree>
+    <p:extLst>
+      <p:ext uri="{BB962C8B-B14F-4D97-AF65-F5344CB8AC3E}">
+        <p14:creationId xmlns:p14="http://schemas.microsoft.com/office/powerpoint/2010/main" val="4102539441"/>
+      </p:ext>
+    </p:extLst>
   </p:cSld>
   <p:clrMapOvr>
     <a:masterClrMapping/>
@@ -1413,14 +1920,15 @@
             <p:ph type="title"/>
           </p:nvPr>
         </p:nvSpPr>
-        <p:spPr/>
+        <p:spPr>
+          <a:xfrm>
+            <a:off x="630238" y="365125"/>
+            <a:ext cx="7886700" cy="1325563"/>
+          </a:xfrm>
+        </p:spPr>
         <p:txBody>
           <a:bodyPr/>
-          <a:lstStyle>
-            <a:lvl1pPr>
-              <a:defRPr/>
-            </a:lvl1pPr>
-          </a:lstStyle>
+          <a:lstStyle/>
           <a:p>
             <a:r>
               <a:rPr lang="zh-CN" altLang="en-US" smtClean="0"/>
@@ -1442,8 +1950,8 @@
         </p:nvSpPr>
         <p:spPr>
           <a:xfrm>
-            <a:off x="457200" y="1535113"/>
-            <a:ext cx="4040188" cy="639762"/>
+            <a:off x="630238" y="1681163"/>
+            <a:ext cx="3868737" cy="823912"/>
           </a:xfrm>
         </p:spPr>
         <p:txBody>
@@ -1490,7 +1998,7 @@
             <a:pPr lvl="0"/>
             <a:r>
               <a:rPr lang="zh-CN" altLang="en-US" smtClean="0"/>
-              <a:t>单击此处编辑母版文本样式</a:t>
+              <a:t>编辑母版文本样式</a:t>
             </a:r>
           </a:p>
         </p:txBody>
@@ -1507,46 +2015,18 @@
         </p:nvSpPr>
         <p:spPr>
           <a:xfrm>
-            <a:off x="457200" y="2174875"/>
-            <a:ext cx="4040188" cy="3951288"/>
+            <a:off x="630238" y="2505075"/>
+            <a:ext cx="3868737" cy="3684588"/>
           </a:xfrm>
         </p:spPr>
         <p:txBody>
           <a:bodyPr/>
-          <a:lstStyle>
-            <a:lvl1pPr>
-              <a:defRPr sz="2400"/>
-            </a:lvl1pPr>
-            <a:lvl2pPr>
-              <a:defRPr sz="2000"/>
-            </a:lvl2pPr>
-            <a:lvl3pPr>
-              <a:defRPr sz="1800"/>
-            </a:lvl3pPr>
-            <a:lvl4pPr>
-              <a:defRPr sz="1600"/>
-            </a:lvl4pPr>
-            <a:lvl5pPr>
-              <a:defRPr sz="1600"/>
-            </a:lvl5pPr>
-            <a:lvl6pPr>
-              <a:defRPr sz="1600"/>
-            </a:lvl6pPr>
-            <a:lvl7pPr>
-              <a:defRPr sz="1600"/>
-            </a:lvl7pPr>
-            <a:lvl8pPr>
-              <a:defRPr sz="1600"/>
-            </a:lvl8pPr>
-            <a:lvl9pPr>
-              <a:defRPr sz="1600"/>
-            </a:lvl9pPr>
-          </a:lstStyle>
+          <a:lstStyle/>
           <a:p>
             <a:pPr lvl="0"/>
             <a:r>
               <a:rPr lang="zh-CN" altLang="en-US" smtClean="0"/>
-              <a:t>单击此处编辑母版文本样式</a:t>
+              <a:t>编辑母版文本样式</a:t>
             </a:r>
           </a:p>
           <a:p>
@@ -1592,8 +2072,8 @@
         </p:nvSpPr>
         <p:spPr>
           <a:xfrm>
-            <a:off x="4645025" y="1535113"/>
-            <a:ext cx="4041775" cy="639762"/>
+            <a:off x="4629150" y="1681163"/>
+            <a:ext cx="3887788" cy="823912"/>
           </a:xfrm>
         </p:spPr>
         <p:txBody>
@@ -1640,7 +2120,7 @@
             <a:pPr lvl="0"/>
             <a:r>
               <a:rPr lang="zh-CN" altLang="en-US" smtClean="0"/>
-              <a:t>单击此处编辑母版文本样式</a:t>
+              <a:t>编辑母版文本样式</a:t>
             </a:r>
           </a:p>
         </p:txBody>
@@ -1657,97 +2137,75 @@
         </p:nvSpPr>
         <p:spPr>
           <a:xfrm>
-            <a:off x="4645025" y="2174875"/>
-            <a:ext cx="4041775" cy="3951288"/>
+            <a:off x="4629150" y="2505075"/>
+            <a:ext cx="3887788" cy="3684588"/>
           </a:xfrm>
+        </p:spPr>
+        <p:txBody>
+          <a:bodyPr/>
+          <a:lstStyle/>
+          <a:p>
+            <a:pPr lvl="0"/>
+            <a:r>
+              <a:rPr lang="zh-CN" altLang="en-US" smtClean="0"/>
+              <a:t>编辑母版文本样式</a:t>
+            </a:r>
+          </a:p>
+          <a:p>
+            <a:pPr lvl="1"/>
+            <a:r>
+              <a:rPr lang="zh-CN" altLang="en-US" smtClean="0"/>
+              <a:t>第二级</a:t>
+            </a:r>
+          </a:p>
+          <a:p>
+            <a:pPr lvl="2"/>
+            <a:r>
+              <a:rPr lang="zh-CN" altLang="en-US" smtClean="0"/>
+              <a:t>第三级</a:t>
+            </a:r>
+          </a:p>
+          <a:p>
+            <a:pPr lvl="3"/>
+            <a:r>
+              <a:rPr lang="zh-CN" altLang="en-US" smtClean="0"/>
+              <a:t>第四级</a:t>
+            </a:r>
+          </a:p>
+          <a:p>
+            <a:pPr lvl="4"/>
+            <a:r>
+              <a:rPr lang="zh-CN" altLang="en-US" smtClean="0"/>
+              <a:t>第五级</a:t>
+            </a:r>
+            <a:endParaRPr lang="zh-CN" altLang="en-US"/>
+          </a:p>
+        </p:txBody>
+      </p:sp>
+      <p:sp>
+        <p:nvSpPr>
+          <p:cNvPr id="7" name="Rectangle 4"/>
+          <p:cNvSpPr>
+            <a:spLocks noGrp="1" noChangeArrowheads="1"/>
+          </p:cNvSpPr>
+          <p:nvPr>
+            <p:ph type="dt" sz="half" idx="10"/>
+          </p:nvPr>
+        </p:nvSpPr>
+        <p:spPr>
+          <a:ln/>
         </p:spPr>
         <p:txBody>
           <a:bodyPr/>
           <a:lstStyle>
             <a:lvl1pPr>
-              <a:defRPr sz="2400"/>
+              <a:defRPr/>
             </a:lvl1pPr>
-            <a:lvl2pPr>
-              <a:defRPr sz="2000"/>
-            </a:lvl2pPr>
-            <a:lvl3pPr>
-              <a:defRPr sz="1800"/>
-            </a:lvl3pPr>
-            <a:lvl4pPr>
-              <a:defRPr sz="1600"/>
-            </a:lvl4pPr>
-            <a:lvl5pPr>
-              <a:defRPr sz="1600"/>
-            </a:lvl5pPr>
-            <a:lvl6pPr>
-              <a:defRPr sz="1600"/>
-            </a:lvl6pPr>
-            <a:lvl7pPr>
-              <a:defRPr sz="1600"/>
-            </a:lvl7pPr>
-            <a:lvl8pPr>
-              <a:defRPr sz="1600"/>
-            </a:lvl8pPr>
-            <a:lvl9pPr>
-              <a:defRPr sz="1600"/>
-            </a:lvl9pPr>
           </a:lstStyle>
-          <a:p>
-            <a:pPr lvl="0"/>
-            <a:r>
-              <a:rPr lang="zh-CN" altLang="en-US" smtClean="0"/>
-              <a:t>单击此处编辑母版文本样式</a:t>
-            </a:r>
-          </a:p>
-          <a:p>
-            <a:pPr lvl="1"/>
-            <a:r>
-              <a:rPr lang="zh-CN" altLang="en-US" smtClean="0"/>
-              <a:t>第二级</a:t>
-            </a:r>
-          </a:p>
-          <a:p>
-            <a:pPr lvl="2"/>
-            <a:r>
-              <a:rPr lang="zh-CN" altLang="en-US" smtClean="0"/>
-              <a:t>第三级</a:t>
-            </a:r>
-          </a:p>
-          <a:p>
-            <a:pPr lvl="3"/>
-            <a:r>
-              <a:rPr lang="zh-CN" altLang="en-US" smtClean="0"/>
-              <a:t>第四级</a:t>
-            </a:r>
-          </a:p>
-          <a:p>
-            <a:pPr lvl="4"/>
-            <a:r>
-              <a:rPr lang="zh-CN" altLang="en-US" smtClean="0"/>
-              <a:t>第五级</a:t>
-            </a:r>
-            <a:endParaRPr lang="zh-CN" altLang="en-US"/>
-          </a:p>
-        </p:txBody>
-      </p:sp>
-      <p:sp>
-        <p:nvSpPr>
-          <p:cNvPr id="7" name="日期占位符 6"/>
-          <p:cNvSpPr>
-            <a:spLocks noGrp="1"/>
-          </p:cNvSpPr>
-          <p:nvPr>
-            <p:ph type="dt" sz="half" idx="10"/>
-          </p:nvPr>
-        </p:nvSpPr>
-        <p:spPr/>
-        <p:txBody>
-          <a:bodyPr/>
-          <a:lstStyle/>
           <a:p>
             <a:fld id="{530820CF-B880-4189-942D-D702A7CBA730}" type="datetimeFigureOut">
               <a:rPr lang="zh-CN" altLang="en-US" smtClean="0"/>
-              <a:t>2018/4/25</a:t>
+              <a:t>2018/4/26</a:t>
             </a:fld>
             <a:endParaRPr lang="zh-CN" altLang="en-US"/>
           </a:p>
@@ -1755,18 +2213,24 @@
       </p:sp>
       <p:sp>
         <p:nvSpPr>
-          <p:cNvPr id="8" name="页脚占位符 7"/>
+          <p:cNvPr id="8" name="Rectangle 5"/>
           <p:cNvSpPr>
-            <a:spLocks noGrp="1"/>
+            <a:spLocks noGrp="1" noChangeArrowheads="1"/>
           </p:cNvSpPr>
           <p:nvPr>
             <p:ph type="ftr" sz="quarter" idx="11"/>
           </p:nvPr>
         </p:nvSpPr>
-        <p:spPr/>
+        <p:spPr>
+          <a:ln/>
+        </p:spPr>
         <p:txBody>
           <a:bodyPr/>
-          <a:lstStyle/>
+          <a:lstStyle>
+            <a:lvl1pPr>
+              <a:defRPr/>
+            </a:lvl1pPr>
+          </a:lstStyle>
           <a:p>
             <a:endParaRPr lang="zh-CN" altLang="en-US"/>
           </a:p>
@@ -1774,18 +2238,24 @@
       </p:sp>
       <p:sp>
         <p:nvSpPr>
-          <p:cNvPr id="9" name="灯片编号占位符 8"/>
+          <p:cNvPr id="9" name="Rectangle 6"/>
           <p:cNvSpPr>
-            <a:spLocks noGrp="1"/>
+            <a:spLocks noGrp="1" noChangeArrowheads="1"/>
           </p:cNvSpPr>
           <p:nvPr>
             <p:ph type="sldNum" sz="quarter" idx="12"/>
           </p:nvPr>
         </p:nvSpPr>
-        <p:spPr/>
+        <p:spPr>
+          <a:ln/>
+        </p:spPr>
         <p:txBody>
           <a:bodyPr/>
-          <a:lstStyle/>
+          <a:lstStyle>
+            <a:lvl1pPr>
+              <a:defRPr/>
+            </a:lvl1pPr>
+          </a:lstStyle>
           <a:p>
             <a:fld id="{0C913308-F349-4B6D-A68A-DD1791B4A57B}" type="slidenum">
               <a:rPr lang="zh-CN" altLang="en-US" smtClean="0"/>
@@ -1796,6 +2266,11 @@
         </p:txBody>
       </p:sp>
     </p:spTree>
+    <p:extLst>
+      <p:ext uri="{BB962C8B-B14F-4D97-AF65-F5344CB8AC3E}">
+        <p14:creationId xmlns:p14="http://schemas.microsoft.com/office/powerpoint/2010/main" val="1307942144"/>
+      </p:ext>
+    </p:extLst>
   </p:cSld>
   <p:clrMapOvr>
     <a:masterClrMapping/>
@@ -1845,22 +2320,28 @@
       </p:sp>
       <p:sp>
         <p:nvSpPr>
-          <p:cNvPr id="3" name="日期占位符 2"/>
+          <p:cNvPr id="3" name="Rectangle 4"/>
           <p:cNvSpPr>
-            <a:spLocks noGrp="1"/>
+            <a:spLocks noGrp="1" noChangeArrowheads="1"/>
           </p:cNvSpPr>
           <p:nvPr>
             <p:ph type="dt" sz="half" idx="10"/>
           </p:nvPr>
         </p:nvSpPr>
-        <p:spPr/>
+        <p:spPr>
+          <a:ln/>
+        </p:spPr>
         <p:txBody>
           <a:bodyPr/>
-          <a:lstStyle/>
+          <a:lstStyle>
+            <a:lvl1pPr>
+              <a:defRPr/>
+            </a:lvl1pPr>
+          </a:lstStyle>
           <a:p>
             <a:fld id="{530820CF-B880-4189-942D-D702A7CBA730}" type="datetimeFigureOut">
               <a:rPr lang="zh-CN" altLang="en-US" smtClean="0"/>
-              <a:t>2018/4/25</a:t>
+              <a:t>2018/4/26</a:t>
             </a:fld>
             <a:endParaRPr lang="zh-CN" altLang="en-US"/>
           </a:p>
@@ -1868,18 +2349,24 @@
       </p:sp>
       <p:sp>
         <p:nvSpPr>
-          <p:cNvPr id="4" name="页脚占位符 3"/>
+          <p:cNvPr id="4" name="Rectangle 5"/>
           <p:cNvSpPr>
-            <a:spLocks noGrp="1"/>
+            <a:spLocks noGrp="1" noChangeArrowheads="1"/>
           </p:cNvSpPr>
           <p:nvPr>
             <p:ph type="ftr" sz="quarter" idx="11"/>
           </p:nvPr>
         </p:nvSpPr>
-        <p:spPr/>
+        <p:spPr>
+          <a:ln/>
+        </p:spPr>
         <p:txBody>
           <a:bodyPr/>
-          <a:lstStyle/>
+          <a:lstStyle>
+            <a:lvl1pPr>
+              <a:defRPr/>
+            </a:lvl1pPr>
+          </a:lstStyle>
           <a:p>
             <a:endParaRPr lang="zh-CN" altLang="en-US"/>
           </a:p>
@@ -1887,18 +2374,24 @@
       </p:sp>
       <p:sp>
         <p:nvSpPr>
-          <p:cNvPr id="5" name="灯片编号占位符 4"/>
+          <p:cNvPr id="5" name="Rectangle 6"/>
           <p:cNvSpPr>
-            <a:spLocks noGrp="1"/>
+            <a:spLocks noGrp="1" noChangeArrowheads="1"/>
           </p:cNvSpPr>
           <p:nvPr>
             <p:ph type="sldNum" sz="quarter" idx="12"/>
           </p:nvPr>
         </p:nvSpPr>
-        <p:spPr/>
+        <p:spPr>
+          <a:ln/>
+        </p:spPr>
         <p:txBody>
           <a:bodyPr/>
-          <a:lstStyle/>
+          <a:lstStyle>
+            <a:lvl1pPr>
+              <a:defRPr/>
+            </a:lvl1pPr>
+          </a:lstStyle>
           <a:p>
             <a:fld id="{0C913308-F349-4B6D-A68A-DD1791B4A57B}" type="slidenum">
               <a:rPr lang="zh-CN" altLang="en-US" smtClean="0"/>
@@ -1909,6 +2402,11 @@
         </p:txBody>
       </p:sp>
     </p:spTree>
+    <p:extLst>
+      <p:ext uri="{BB962C8B-B14F-4D97-AF65-F5344CB8AC3E}">
+        <p14:creationId xmlns:p14="http://schemas.microsoft.com/office/powerpoint/2010/main" val="3960146191"/>
+      </p:ext>
+    </p:extLst>
   </p:cSld>
   <p:clrMapOvr>
     <a:masterClrMapping/>
@@ -1917,7 +2415,7 @@
 </file>
 
 <file path=ppt/slideLayouts/slideLayout7.xml><?xml version="1.0" encoding="utf-8"?>
-<p:sldLayout xmlns:a="http://schemas.openxmlformats.org/drawingml/2006/main" xmlns:r="http://schemas.openxmlformats.org/officeDocument/2006/relationships" xmlns:p="http://schemas.openxmlformats.org/presentationml/2006/main" type="blank" preserve="1">
+<p:sldLayout xmlns:a="http://schemas.openxmlformats.org/drawingml/2006/main" xmlns:r="http://schemas.openxmlformats.org/officeDocument/2006/relationships" xmlns:p="http://schemas.openxmlformats.org/presentationml/2006/main" showMasterSp="0" type="blank" preserve="1">
   <p:cSld name="空白">
     <p:spTree>
       <p:nvGrpSpPr>
@@ -1935,7 +2433,7 @@
       </p:grpSpPr>
       <p:sp>
         <p:nvSpPr>
-          <p:cNvPr id="2" name="日期占位符 1"/>
+          <p:cNvPr id="3" name="日期占位符 1"/>
           <p:cNvSpPr>
             <a:spLocks noGrp="1"/>
           </p:cNvSpPr>
@@ -1946,11 +2444,15 @@
         <p:spPr/>
         <p:txBody>
           <a:bodyPr/>
-          <a:lstStyle/>
+          <a:lstStyle>
+            <a:lvl1pPr>
+              <a:defRPr/>
+            </a:lvl1pPr>
+          </a:lstStyle>
           <a:p>
             <a:fld id="{530820CF-B880-4189-942D-D702A7CBA730}" type="datetimeFigureOut">
               <a:rPr lang="zh-CN" altLang="en-US" smtClean="0"/>
-              <a:t>2018/4/25</a:t>
+              <a:t>2018/4/26</a:t>
             </a:fld>
             <a:endParaRPr lang="zh-CN" altLang="en-US"/>
           </a:p>
@@ -1958,7 +2460,7 @@
       </p:sp>
       <p:sp>
         <p:nvSpPr>
-          <p:cNvPr id="3" name="页脚占位符 2"/>
+          <p:cNvPr id="4" name="页脚占位符 2"/>
           <p:cNvSpPr>
             <a:spLocks noGrp="1"/>
           </p:cNvSpPr>
@@ -1969,7 +2471,11 @@
         <p:spPr/>
         <p:txBody>
           <a:bodyPr/>
-          <a:lstStyle/>
+          <a:lstStyle>
+            <a:lvl1pPr>
+              <a:defRPr/>
+            </a:lvl1pPr>
+          </a:lstStyle>
           <a:p>
             <a:endParaRPr lang="zh-CN" altLang="en-US"/>
           </a:p>
@@ -1977,7 +2483,7 @@
       </p:sp>
       <p:sp>
         <p:nvSpPr>
-          <p:cNvPr id="4" name="灯片编号占位符 3"/>
+          <p:cNvPr id="5" name="灯片编号占位符 3"/>
           <p:cNvSpPr>
             <a:spLocks noGrp="1"/>
           </p:cNvSpPr>
@@ -1988,7 +2494,11 @@
         <p:spPr/>
         <p:txBody>
           <a:bodyPr/>
-          <a:lstStyle/>
+          <a:lstStyle>
+            <a:lvl1pPr>
+              <a:defRPr/>
+            </a:lvl1pPr>
+          </a:lstStyle>
           <a:p>
             <a:fld id="{0C913308-F349-4B6D-A68A-DD1791B4A57B}" type="slidenum">
               <a:rPr lang="zh-CN" altLang="en-US" smtClean="0"/>
@@ -1998,7 +2508,58 @@
           </a:p>
         </p:txBody>
       </p:sp>
+      <p:sp>
+        <p:nvSpPr>
+          <p:cNvPr id="6" name="矩形 5"/>
+          <p:cNvSpPr/>
+          <p:nvPr/>
+        </p:nvSpPr>
+        <p:spPr>
+          <a:xfrm>
+            <a:off x="0" y="0"/>
+            <a:ext cx="9144000" cy="6858000"/>
+          </a:xfrm>
+          <a:prstGeom prst="rect">
+            <a:avLst/>
+          </a:prstGeom>
+          <a:solidFill>
+            <a:srgbClr val="EFEFEF"/>
+          </a:solidFill>
+          <a:ln>
+            <a:noFill/>
+          </a:ln>
+        </p:spPr>
+        <p:style>
+          <a:lnRef idx="2">
+            <a:schemeClr val="accent1">
+              <a:shade val="50000"/>
+            </a:schemeClr>
+          </a:lnRef>
+          <a:fillRef idx="1">
+            <a:schemeClr val="accent1"/>
+          </a:fillRef>
+          <a:effectRef idx="0">
+            <a:schemeClr val="accent1"/>
+          </a:effectRef>
+          <a:fontRef idx="minor">
+            <a:schemeClr val="lt1"/>
+          </a:fontRef>
+        </p:style>
+        <p:txBody>
+          <a:bodyPr rtlCol="0" anchor="ctr"/>
+          <a:lstStyle/>
+          <a:p>
+            <a:pPr algn="ctr"/>
+            <a:endParaRPr lang="zh-CN" altLang="en-US"/>
+          </a:p>
+        </p:txBody>
+      </p:sp>
     </p:spTree>
+    <p:extLst>
+      <p:ext uri="{BB962C8B-B14F-4D97-AF65-F5344CB8AC3E}">
+        <p14:creationId xmlns:p14="http://schemas.microsoft.com/office/powerpoint/2010/main" val="3204810696"/>
+      </p:ext>
+    </p:extLst>
   </p:cSld>
   <p:clrMapOvr>
     <a:masterClrMapping/>
@@ -2035,15 +2596,15 @@
         </p:nvSpPr>
         <p:spPr>
           <a:xfrm>
-            <a:off x="457200" y="273050"/>
-            <a:ext cx="3008313" cy="1162050"/>
+            <a:off x="630238" y="457200"/>
+            <a:ext cx="2949575" cy="1600200"/>
           </a:xfrm>
         </p:spPr>
         <p:txBody>
           <a:bodyPr anchor="b"/>
           <a:lstStyle>
-            <a:lvl1pPr algn="l">
-              <a:defRPr sz="2000" b="1"/>
+            <a:lvl1pPr>
+              <a:defRPr sz="3200"/>
             </a:lvl1pPr>
           </a:lstStyle>
           <a:p>
@@ -2067,8 +2628,8 @@
         </p:nvSpPr>
         <p:spPr>
           <a:xfrm>
-            <a:off x="3575050" y="273050"/>
-            <a:ext cx="5111750" cy="5853113"/>
+            <a:off x="3887788" y="987425"/>
+            <a:ext cx="4629150" cy="4873625"/>
           </a:xfrm>
         </p:spPr>
         <p:txBody>
@@ -2106,7 +2667,7 @@
             <a:pPr lvl="0"/>
             <a:r>
               <a:rPr lang="zh-CN" altLang="en-US" smtClean="0"/>
-              <a:t>单击此处编辑母版文本样式</a:t>
+              <a:t>编辑母版文本样式</a:t>
             </a:r>
           </a:p>
           <a:p>
@@ -2152,8 +2713,8 @@
         </p:nvSpPr>
         <p:spPr>
           <a:xfrm>
-            <a:off x="457200" y="1435100"/>
-            <a:ext cx="3008313" cy="4691063"/>
+            <a:off x="630238" y="2057400"/>
+            <a:ext cx="2949575" cy="3811588"/>
           </a:xfrm>
         </p:spPr>
         <p:txBody>
@@ -2161,68 +2722,74 @@
           <a:lstStyle>
             <a:lvl1pPr marL="0" indent="0">
               <a:buNone/>
-              <a:defRPr sz="1400"/>
+              <a:defRPr sz="1600"/>
             </a:lvl1pPr>
             <a:lvl2pPr marL="457200" indent="0">
               <a:buNone/>
-              <a:defRPr sz="1200"/>
+              <a:defRPr sz="1400"/>
             </a:lvl2pPr>
             <a:lvl3pPr marL="914400" indent="0">
               <a:buNone/>
-              <a:defRPr sz="1000"/>
+              <a:defRPr sz="1200"/>
             </a:lvl3pPr>
             <a:lvl4pPr marL="1371600" indent="0">
               <a:buNone/>
-              <a:defRPr sz="900"/>
+              <a:defRPr sz="1000"/>
             </a:lvl4pPr>
             <a:lvl5pPr marL="1828800" indent="0">
               <a:buNone/>
-              <a:defRPr sz="900"/>
+              <a:defRPr sz="1000"/>
             </a:lvl5pPr>
             <a:lvl6pPr marL="2286000" indent="0">
               <a:buNone/>
-              <a:defRPr sz="900"/>
+              <a:defRPr sz="1000"/>
             </a:lvl6pPr>
             <a:lvl7pPr marL="2743200" indent="0">
               <a:buNone/>
-              <a:defRPr sz="900"/>
+              <a:defRPr sz="1000"/>
             </a:lvl7pPr>
             <a:lvl8pPr marL="3200400" indent="0">
               <a:buNone/>
-              <a:defRPr sz="900"/>
+              <a:defRPr sz="1000"/>
             </a:lvl8pPr>
             <a:lvl9pPr marL="3657600" indent="0">
               <a:buNone/>
-              <a:defRPr sz="900"/>
+              <a:defRPr sz="1000"/>
             </a:lvl9pPr>
           </a:lstStyle>
           <a:p>
             <a:pPr lvl="0"/>
             <a:r>
               <a:rPr lang="zh-CN" altLang="en-US" smtClean="0"/>
-              <a:t>单击此处编辑母版文本样式</a:t>
-            </a:r>
-          </a:p>
-        </p:txBody>
-      </p:sp>
-      <p:sp>
-        <p:nvSpPr>
-          <p:cNvPr id="5" name="日期占位符 4"/>
+              <a:t>编辑母版文本样式</a:t>
+            </a:r>
+          </a:p>
+        </p:txBody>
+      </p:sp>
+      <p:sp>
+        <p:nvSpPr>
+          <p:cNvPr id="5" name="Rectangle 4"/>
           <p:cNvSpPr>
-            <a:spLocks noGrp="1"/>
+            <a:spLocks noGrp="1" noChangeArrowheads="1"/>
           </p:cNvSpPr>
           <p:nvPr>
             <p:ph type="dt" sz="half" idx="10"/>
           </p:nvPr>
         </p:nvSpPr>
-        <p:spPr/>
+        <p:spPr>
+          <a:ln/>
+        </p:spPr>
         <p:txBody>
           <a:bodyPr/>
-          <a:lstStyle/>
+          <a:lstStyle>
+            <a:lvl1pPr>
+              <a:defRPr/>
+            </a:lvl1pPr>
+          </a:lstStyle>
           <a:p>
             <a:fld id="{530820CF-B880-4189-942D-D702A7CBA730}" type="datetimeFigureOut">
               <a:rPr lang="zh-CN" altLang="en-US" smtClean="0"/>
-              <a:t>2018/4/25</a:t>
+              <a:t>2018/4/26</a:t>
             </a:fld>
             <a:endParaRPr lang="zh-CN" altLang="en-US"/>
           </a:p>
@@ -2230,18 +2797,24 @@
       </p:sp>
       <p:sp>
         <p:nvSpPr>
-          <p:cNvPr id="6" name="页脚占位符 5"/>
+          <p:cNvPr id="6" name="Rectangle 5"/>
           <p:cNvSpPr>
-            <a:spLocks noGrp="1"/>
+            <a:spLocks noGrp="1" noChangeArrowheads="1"/>
           </p:cNvSpPr>
           <p:nvPr>
             <p:ph type="ftr" sz="quarter" idx="11"/>
           </p:nvPr>
         </p:nvSpPr>
-        <p:spPr/>
+        <p:spPr>
+          <a:ln/>
+        </p:spPr>
         <p:txBody>
           <a:bodyPr/>
-          <a:lstStyle/>
+          <a:lstStyle>
+            <a:lvl1pPr>
+              <a:defRPr/>
+            </a:lvl1pPr>
+          </a:lstStyle>
           <a:p>
             <a:endParaRPr lang="zh-CN" altLang="en-US"/>
           </a:p>
@@ -2249,18 +2822,24 @@
       </p:sp>
       <p:sp>
         <p:nvSpPr>
-          <p:cNvPr id="7" name="灯片编号占位符 6"/>
+          <p:cNvPr id="7" name="Rectangle 6"/>
           <p:cNvSpPr>
-            <a:spLocks noGrp="1"/>
+            <a:spLocks noGrp="1" noChangeArrowheads="1"/>
           </p:cNvSpPr>
           <p:nvPr>
             <p:ph type="sldNum" sz="quarter" idx="12"/>
           </p:nvPr>
         </p:nvSpPr>
-        <p:spPr/>
+        <p:spPr>
+          <a:ln/>
+        </p:spPr>
         <p:txBody>
           <a:bodyPr/>
-          <a:lstStyle/>
+          <a:lstStyle>
+            <a:lvl1pPr>
+              <a:defRPr/>
+            </a:lvl1pPr>
+          </a:lstStyle>
           <a:p>
             <a:fld id="{0C913308-F349-4B6D-A68A-DD1791B4A57B}" type="slidenum">
               <a:rPr lang="zh-CN" altLang="en-US" smtClean="0"/>
@@ -2271,6 +2850,11 @@
         </p:txBody>
       </p:sp>
     </p:spTree>
+    <p:extLst>
+      <p:ext uri="{BB962C8B-B14F-4D97-AF65-F5344CB8AC3E}">
+        <p14:creationId xmlns:p14="http://schemas.microsoft.com/office/powerpoint/2010/main" val="1249286648"/>
+      </p:ext>
+    </p:extLst>
   </p:cSld>
   <p:clrMapOvr>
     <a:masterClrMapping/>
@@ -2307,15 +2891,15 @@
         </p:nvSpPr>
         <p:spPr>
           <a:xfrm>
-            <a:off x="1792288" y="4800600"/>
-            <a:ext cx="5486400" cy="566738"/>
+            <a:off x="630238" y="457200"/>
+            <a:ext cx="2949575" cy="1600200"/>
           </a:xfrm>
         </p:spPr>
         <p:txBody>
           <a:bodyPr anchor="b"/>
           <a:lstStyle>
-            <a:lvl1pPr algn="l">
-              <a:defRPr sz="2000" b="1"/>
+            <a:lvl1pPr>
+              <a:defRPr sz="3200"/>
             </a:lvl1pPr>
           </a:lstStyle>
           <a:p>
@@ -2339,8 +2923,8 @@
         </p:nvSpPr>
         <p:spPr>
           <a:xfrm>
-            <a:off x="1792288" y="612775"/>
-            <a:ext cx="5486400" cy="4114800"/>
+            <a:off x="3887788" y="987425"/>
+            <a:ext cx="4629150" cy="4873625"/>
           </a:xfrm>
         </p:spPr>
         <p:txBody>
@@ -2384,7 +2968,12 @@
             </a:lvl9pPr>
           </a:lstStyle>
           <a:p>
-            <a:endParaRPr lang="zh-CN" altLang="en-US"/>
+            <a:pPr lvl="0"/>
+            <a:r>
+              <a:rPr lang="zh-CN" altLang="en-US" noProof="0" smtClean="0"/>
+              <a:t>单击图标添加图片</a:t>
+            </a:r>
+            <a:endParaRPr lang="zh-CN" altLang="en-US" noProof="0" smtClean="0"/>
           </a:p>
         </p:txBody>
       </p:sp>
@@ -2400,8 +2989,8 @@
         </p:nvSpPr>
         <p:spPr>
           <a:xfrm>
-            <a:off x="1792288" y="5367338"/>
-            <a:ext cx="5486400" cy="804862"/>
+            <a:off x="630238" y="2057400"/>
+            <a:ext cx="2949575" cy="3811588"/>
           </a:xfrm>
         </p:spPr>
         <p:txBody>
@@ -2409,68 +2998,74 @@
           <a:lstStyle>
             <a:lvl1pPr marL="0" indent="0">
               <a:buNone/>
-              <a:defRPr sz="1400"/>
+              <a:defRPr sz="1600"/>
             </a:lvl1pPr>
             <a:lvl2pPr marL="457200" indent="0">
               <a:buNone/>
-              <a:defRPr sz="1200"/>
+              <a:defRPr sz="1400"/>
             </a:lvl2pPr>
             <a:lvl3pPr marL="914400" indent="0">
               <a:buNone/>
-              <a:defRPr sz="1000"/>
+              <a:defRPr sz="1200"/>
             </a:lvl3pPr>
             <a:lvl4pPr marL="1371600" indent="0">
               <a:buNone/>
-              <a:defRPr sz="900"/>
+              <a:defRPr sz="1000"/>
             </a:lvl4pPr>
             <a:lvl5pPr marL="1828800" indent="0">
               <a:buNone/>
-              <a:defRPr sz="900"/>
+              <a:defRPr sz="1000"/>
             </a:lvl5pPr>
             <a:lvl6pPr marL="2286000" indent="0">
               <a:buNone/>
-              <a:defRPr sz="900"/>
+              <a:defRPr sz="1000"/>
             </a:lvl6pPr>
             <a:lvl7pPr marL="2743200" indent="0">
               <a:buNone/>
-              <a:defRPr sz="900"/>
+              <a:defRPr sz="1000"/>
             </a:lvl7pPr>
             <a:lvl8pPr marL="3200400" indent="0">
               <a:buNone/>
-              <a:defRPr sz="900"/>
+              <a:defRPr sz="1000"/>
             </a:lvl8pPr>
             <a:lvl9pPr marL="3657600" indent="0">
               <a:buNone/>
-              <a:defRPr sz="900"/>
+              <a:defRPr sz="1000"/>
             </a:lvl9pPr>
           </a:lstStyle>
           <a:p>
             <a:pPr lvl="0"/>
             <a:r>
               <a:rPr lang="zh-CN" altLang="en-US" smtClean="0"/>
-              <a:t>单击此处编辑母版文本样式</a:t>
-            </a:r>
-          </a:p>
-        </p:txBody>
-      </p:sp>
-      <p:sp>
-        <p:nvSpPr>
-          <p:cNvPr id="5" name="日期占位符 4"/>
+              <a:t>编辑母版文本样式</a:t>
+            </a:r>
+          </a:p>
+        </p:txBody>
+      </p:sp>
+      <p:sp>
+        <p:nvSpPr>
+          <p:cNvPr id="5" name="Rectangle 4"/>
           <p:cNvSpPr>
-            <a:spLocks noGrp="1"/>
+            <a:spLocks noGrp="1" noChangeArrowheads="1"/>
           </p:cNvSpPr>
           <p:nvPr>
             <p:ph type="dt" sz="half" idx="10"/>
           </p:nvPr>
         </p:nvSpPr>
-        <p:spPr/>
+        <p:spPr>
+          <a:ln/>
+        </p:spPr>
         <p:txBody>
           <a:bodyPr/>
-          <a:lstStyle/>
+          <a:lstStyle>
+            <a:lvl1pPr>
+              <a:defRPr/>
+            </a:lvl1pPr>
+          </a:lstStyle>
           <a:p>
             <a:fld id="{530820CF-B880-4189-942D-D702A7CBA730}" type="datetimeFigureOut">
               <a:rPr lang="zh-CN" altLang="en-US" smtClean="0"/>
-              <a:t>2018/4/25</a:t>
+              <a:t>2018/4/26</a:t>
             </a:fld>
             <a:endParaRPr lang="zh-CN" altLang="en-US"/>
           </a:p>
@@ -2478,18 +3073,24 @@
       </p:sp>
       <p:sp>
         <p:nvSpPr>
-          <p:cNvPr id="6" name="页脚占位符 5"/>
+          <p:cNvPr id="6" name="Rectangle 5"/>
           <p:cNvSpPr>
-            <a:spLocks noGrp="1"/>
+            <a:spLocks noGrp="1" noChangeArrowheads="1"/>
           </p:cNvSpPr>
           <p:nvPr>
             <p:ph type="ftr" sz="quarter" idx="11"/>
           </p:nvPr>
         </p:nvSpPr>
-        <p:spPr/>
+        <p:spPr>
+          <a:ln/>
+        </p:spPr>
         <p:txBody>
           <a:bodyPr/>
-          <a:lstStyle/>
+          <a:lstStyle>
+            <a:lvl1pPr>
+              <a:defRPr/>
+            </a:lvl1pPr>
+          </a:lstStyle>
           <a:p>
             <a:endParaRPr lang="zh-CN" altLang="en-US"/>
           </a:p>
@@ -2497,18 +3098,24 @@
       </p:sp>
       <p:sp>
         <p:nvSpPr>
-          <p:cNvPr id="7" name="灯片编号占位符 6"/>
+          <p:cNvPr id="7" name="Rectangle 6"/>
           <p:cNvSpPr>
-            <a:spLocks noGrp="1"/>
+            <a:spLocks noGrp="1" noChangeArrowheads="1"/>
           </p:cNvSpPr>
           <p:nvPr>
             <p:ph type="sldNum" sz="quarter" idx="12"/>
           </p:nvPr>
         </p:nvSpPr>
-        <p:spPr/>
+        <p:spPr>
+          <a:ln/>
+        </p:spPr>
         <p:txBody>
           <a:bodyPr/>
-          <a:lstStyle/>
+          <a:lstStyle>
+            <a:lvl1pPr>
+              <a:defRPr/>
+            </a:lvl1pPr>
+          </a:lstStyle>
           <a:p>
             <a:fld id="{0C913308-F349-4B6D-A68A-DD1791B4A57B}" type="slidenum">
               <a:rPr lang="zh-CN" altLang="en-US" smtClean="0"/>
@@ -2519,6 +3126,11 @@
         </p:txBody>
       </p:sp>
     </p:spTree>
+    <p:extLst>
+      <p:ext uri="{BB962C8B-B14F-4D97-AF65-F5344CB8AC3E}">
+        <p14:creationId xmlns:p14="http://schemas.microsoft.com/office/powerpoint/2010/main" val="3259223422"/>
+      </p:ext>
+    </p:extLst>
   </p:cSld>
   <p:clrMapOvr>
     <a:masterClrMapping/>
@@ -2530,9 +3142,12 @@
 <p:sldMaster xmlns:a="http://schemas.openxmlformats.org/drawingml/2006/main" xmlns:r="http://schemas.openxmlformats.org/officeDocument/2006/relationships" xmlns:p="http://schemas.openxmlformats.org/presentationml/2006/main">
   <p:cSld>
     <p:bg>
-      <p:bgRef idx="1001">
-        <a:schemeClr val="bg1"/>
-      </p:bgRef>
+      <p:bgPr>
+        <a:solidFill>
+          <a:schemeClr val="bg1"/>
+        </a:solidFill>
+        <a:effectLst/>
+      </p:bgPr>
     </p:bg>
     <p:spTree>
       <p:nvGrpSpPr>
@@ -2548,137 +3163,313 @@
           <a:chExt cx="0" cy="0"/>
         </a:xfrm>
       </p:grpSpPr>
-      <p:sp>
-        <p:nvSpPr>
-          <p:cNvPr id="2" name="标题占位符 1"/>
+      <p:grpSp>
+        <p:nvGrpSpPr>
+          <p:cNvPr id="4" name="组合 3"/>
+          <p:cNvGrpSpPr/>
+          <p:nvPr/>
+        </p:nvGrpSpPr>
+        <p:grpSpPr>
+          <a:xfrm>
+            <a:off x="12192" y="0"/>
+            <a:ext cx="9131808" cy="6858000"/>
+            <a:chOff x="12192" y="0"/>
+            <a:chExt cx="9131808" cy="6858000"/>
+          </a:xfrm>
+        </p:grpSpPr>
+        <p:pic>
+          <p:nvPicPr>
+            <p:cNvPr id="10" name="图片 1"/>
+            <p:cNvPicPr>
+              <a:picLocks noChangeAspect="1" noChangeArrowheads="1"/>
+            </p:cNvPicPr>
+            <p:nvPr userDrawn="1"/>
+          </p:nvPicPr>
+          <p:blipFill rotWithShape="1">
+            <a:blip r:embed="rId13">
+              <a:extLst>
+                <a:ext uri="{28A0092B-C50C-407E-A947-70E740481C1C}">
+                  <a14:useLocalDpi xmlns:a14="http://schemas.microsoft.com/office/drawing/2010/main" val="0"/>
+                </a:ext>
+              </a:extLst>
+            </a:blip>
+            <a:srcRect l="64435" t="6148"/>
+            <a:stretch/>
+          </p:blipFill>
+          <p:spPr bwMode="auto">
+            <a:xfrm>
+              <a:off x="4559300" y="0"/>
+              <a:ext cx="4584700" cy="6858000"/>
+            </a:xfrm>
+            <a:prstGeom prst="rect">
+              <a:avLst/>
+            </a:prstGeom>
+            <a:noFill/>
+            <a:ln>
+              <a:noFill/>
+            </a:ln>
+            <a:extLst>
+              <a:ext uri="{909E8E84-426E-40DD-AFC4-6F175D3DCCD1}">
+                <a14:hiddenFill xmlns:a14="http://schemas.microsoft.com/office/drawing/2010/main">
+                  <a:solidFill>
+                    <a:srgbClr val="FFFFFF"/>
+                  </a:solidFill>
+                </a14:hiddenFill>
+              </a:ext>
+              <a:ext uri="{91240B29-F687-4F45-9708-019B960494DF}">
+                <a14:hiddenLine xmlns:a14="http://schemas.microsoft.com/office/drawing/2010/main" w="9525">
+                  <a:solidFill>
+                    <a:srgbClr val="000000"/>
+                  </a:solidFill>
+                  <a:miter lim="800000"/>
+                  <a:headEnd/>
+                  <a:tailEnd/>
+                </a14:hiddenLine>
+              </a:ext>
+            </a:extLst>
+          </p:spPr>
+        </p:pic>
+        <p:pic>
+          <p:nvPicPr>
+            <p:cNvPr id="3" name="图片 2"/>
+            <p:cNvPicPr>
+              <a:picLocks noChangeAspect="1"/>
+            </p:cNvPicPr>
+            <p:nvPr userDrawn="1"/>
+          </p:nvPicPr>
+          <p:blipFill>
+            <a:blip r:embed="rId14">
+              <a:extLst>
+                <a:ext uri="{28A0092B-C50C-407E-A947-70E740481C1C}">
+                  <a14:useLocalDpi xmlns:a14="http://schemas.microsoft.com/office/drawing/2010/main" val="0"/>
+                </a:ext>
+              </a:extLst>
+            </a:blip>
+            <a:stretch>
+              <a:fillRect/>
+            </a:stretch>
+          </p:blipFill>
+          <p:spPr>
+            <a:xfrm>
+              <a:off x="12192" y="0"/>
+              <a:ext cx="4559808" cy="6858000"/>
+            </a:xfrm>
+            <a:prstGeom prst="rect">
+              <a:avLst/>
+            </a:prstGeom>
+          </p:spPr>
+        </p:pic>
+      </p:grpSp>
+      <p:sp>
+        <p:nvSpPr>
+          <p:cNvPr id="1027" name="Rectangle 2"/>
           <p:cNvSpPr>
-            <a:spLocks noGrp="1"/>
+            <a:spLocks noGrp="1" noChangeArrowheads="1"/>
           </p:cNvSpPr>
           <p:nvPr>
             <p:ph type="title"/>
           </p:nvPr>
         </p:nvSpPr>
-        <p:spPr>
+        <p:spPr bwMode="auto">
           <a:xfrm>
-            <a:off x="457200" y="274638"/>
-            <a:ext cx="8229600" cy="1143000"/>
+            <a:off x="1186657" y="335141"/>
+            <a:ext cx="7500143" cy="711200"/>
           </a:xfrm>
           <a:prstGeom prst="rect">
             <a:avLst/>
           </a:prstGeom>
+          <a:noFill/>
+          <a:ln>
+            <a:noFill/>
+          </a:ln>
+          <a:effectLst/>
+          <a:extLst>
+            <a:ext uri="{909E8E84-426E-40DD-AFC4-6F175D3DCCD1}">
+              <a14:hiddenFill xmlns:a14="http://schemas.microsoft.com/office/drawing/2010/main">
+                <a:solidFill>
+                  <a:schemeClr val="accent1"/>
+                </a:solidFill>
+              </a14:hiddenFill>
+            </a:ext>
+            <a:ext uri="{91240B29-F687-4F45-9708-019B960494DF}">
+              <a14:hiddenLine xmlns:a14="http://schemas.microsoft.com/office/drawing/2010/main" w="9525">
+                <a:solidFill>
+                  <a:schemeClr val="tx1"/>
+                </a:solidFill>
+                <a:miter lim="800000"/>
+                <a:headEnd/>
+                <a:tailEnd/>
+              </a14:hiddenLine>
+            </a:ext>
+            <a:ext uri="{AF507438-7753-43E0-B8FC-AC1667EBCBE1}">
+              <a14:hiddenEffects xmlns:a14="http://schemas.microsoft.com/office/drawing/2010/main">
+                <a:effectLst>
+                  <a:outerShdw dist="35921" dir="2700000" algn="ctr" rotWithShape="0">
+                    <a:schemeClr val="bg2"/>
+                  </a:outerShdw>
+                </a:effectLst>
+              </a14:hiddenEffects>
+            </a:ext>
+          </a:extLst>
         </p:spPr>
         <p:txBody>
-          <a:bodyPr vert="horz" lIns="91440" tIns="45720" rIns="91440" bIns="45720" rtlCol="0" anchor="ctr">
-            <a:normAutofit/>
+          <a:bodyPr vert="horz" wrap="square" lIns="91440" tIns="45720" rIns="91440" bIns="45720" numCol="1" anchor="ctr" anchorCtr="0" compatLnSpc="1">
+            <a:prstTxWarp prst="textNoShape">
+              <a:avLst/>
+            </a:prstTxWarp>
           </a:bodyPr>
           <a:lstStyle/>
           <a:p>
+            <a:pPr lvl="0"/>
             <a:r>
               <a:rPr lang="zh-CN" altLang="en-US" dirty="0" smtClean="0"/>
               <a:t>单击此处编辑母版标题样式</a:t>
             </a:r>
-            <a:endParaRPr lang="zh-CN" altLang="en-US" dirty="0"/>
-          </a:p>
-        </p:txBody>
-      </p:sp>
-      <p:sp>
-        <p:nvSpPr>
-          <p:cNvPr id="3" name="文本占位符 2"/>
+          </a:p>
+        </p:txBody>
+      </p:sp>
+      <p:sp>
+        <p:nvSpPr>
+          <p:cNvPr id="1028" name="Rectangle 3"/>
           <p:cNvSpPr>
-            <a:spLocks noGrp="1"/>
+            <a:spLocks noGrp="1" noChangeArrowheads="1"/>
           </p:cNvSpPr>
           <p:nvPr>
             <p:ph type="body" idx="1"/>
           </p:nvPr>
         </p:nvSpPr>
-        <p:spPr>
+        <p:spPr bwMode="auto">
           <a:xfrm>
-            <a:off x="457200" y="1600200"/>
-            <a:ext cx="8229600" cy="4525963"/>
+            <a:off x="481013" y="1438275"/>
+            <a:ext cx="8218487" cy="4741863"/>
           </a:xfrm>
           <a:prstGeom prst="rect">
             <a:avLst/>
           </a:prstGeom>
+          <a:noFill/>
+          <a:ln>
+            <a:noFill/>
+          </a:ln>
+          <a:effectLst/>
+          <a:extLst>
+            <a:ext uri="{909E8E84-426E-40DD-AFC4-6F175D3DCCD1}">
+              <a14:hiddenFill xmlns:a14="http://schemas.microsoft.com/office/drawing/2010/main">
+                <a:solidFill>
+                  <a:schemeClr val="accent1"/>
+                </a:solidFill>
+              </a14:hiddenFill>
+            </a:ext>
+            <a:ext uri="{91240B29-F687-4F45-9708-019B960494DF}">
+              <a14:hiddenLine xmlns:a14="http://schemas.microsoft.com/office/drawing/2010/main" w="9525">
+                <a:solidFill>
+                  <a:schemeClr val="tx1"/>
+                </a:solidFill>
+                <a:miter lim="800000"/>
+                <a:headEnd/>
+                <a:tailEnd/>
+              </a14:hiddenLine>
+            </a:ext>
+            <a:ext uri="{AF507438-7753-43E0-B8FC-AC1667EBCBE1}">
+              <a14:hiddenEffects xmlns:a14="http://schemas.microsoft.com/office/drawing/2010/main">
+                <a:effectLst>
+                  <a:outerShdw dist="35921" dir="2700000" algn="ctr" rotWithShape="0">
+                    <a:schemeClr val="bg2"/>
+                  </a:outerShdw>
+                </a:effectLst>
+              </a14:hiddenEffects>
+            </a:ext>
+          </a:extLst>
         </p:spPr>
         <p:txBody>
-          <a:bodyPr vert="horz" lIns="91440" tIns="45720" rIns="91440" bIns="45720" rtlCol="0">
-            <a:normAutofit/>
+          <a:bodyPr vert="horz" wrap="square" lIns="91440" tIns="45720" rIns="91440" bIns="45720" numCol="1" anchor="t" anchorCtr="0" compatLnSpc="1">
+            <a:prstTxWarp prst="textNoShape">
+              <a:avLst/>
+            </a:prstTxWarp>
           </a:bodyPr>
           <a:lstStyle/>
           <a:p>
             <a:pPr lvl="0"/>
             <a:r>
-              <a:rPr lang="zh-CN" altLang="en-US" smtClean="0"/>
+              <a:rPr lang="zh-CN" altLang="en-US" dirty="0" smtClean="0"/>
               <a:t>单击此处编辑母版文本样式</a:t>
             </a:r>
           </a:p>
           <a:p>
             <a:pPr lvl="1"/>
             <a:r>
-              <a:rPr lang="zh-CN" altLang="en-US" smtClean="0"/>
+              <a:rPr lang="zh-CN" altLang="en-US" dirty="0" smtClean="0"/>
               <a:t>第二级</a:t>
             </a:r>
           </a:p>
-          <a:p>
-            <a:pPr lvl="2"/>
-            <a:r>
-              <a:rPr lang="zh-CN" altLang="en-US" smtClean="0"/>
-              <a:t>第三级</a:t>
-            </a:r>
-          </a:p>
-          <a:p>
-            <a:pPr lvl="3"/>
-            <a:r>
-              <a:rPr lang="zh-CN" altLang="en-US" smtClean="0"/>
-              <a:t>第四级</a:t>
-            </a:r>
-          </a:p>
-          <a:p>
-            <a:pPr lvl="4"/>
-            <a:r>
-              <a:rPr lang="zh-CN" altLang="en-US" smtClean="0"/>
-              <a:t>第五级</a:t>
-            </a:r>
-            <a:endParaRPr lang="zh-CN" altLang="en-US"/>
-          </a:p>
-        </p:txBody>
-      </p:sp>
-      <p:sp>
-        <p:nvSpPr>
-          <p:cNvPr id="4" name="日期占位符 3"/>
+        </p:txBody>
+      </p:sp>
+      <p:sp>
+        <p:nvSpPr>
+          <p:cNvPr id="2" name="Rectangle 4"/>
           <p:cNvSpPr>
-            <a:spLocks noGrp="1"/>
+            <a:spLocks noGrp="1" noChangeArrowheads="1"/>
           </p:cNvSpPr>
           <p:nvPr>
             <p:ph type="dt" sz="half" idx="2"/>
           </p:nvPr>
         </p:nvSpPr>
-        <p:spPr>
+        <p:spPr bwMode="auto">
           <a:xfrm>
-            <a:off x="457200" y="6356350"/>
-            <a:ext cx="2133600" cy="365125"/>
+            <a:off x="457200" y="6245225"/>
+            <a:ext cx="2133600" cy="476250"/>
           </a:xfrm>
           <a:prstGeom prst="rect">
             <a:avLst/>
           </a:prstGeom>
+          <a:noFill/>
+          <a:ln>
+            <a:noFill/>
+          </a:ln>
+          <a:effectLst/>
+          <a:extLst>
+            <a:ext uri="{909E8E84-426E-40DD-AFC4-6F175D3DCCD1}">
+              <a14:hiddenFill xmlns:a14="http://schemas.microsoft.com/office/drawing/2010/main">
+                <a:solidFill>
+                  <a:schemeClr val="accent1"/>
+                </a:solidFill>
+              </a14:hiddenFill>
+            </a:ext>
+            <a:ext uri="{91240B29-F687-4F45-9708-019B960494DF}">
+              <a14:hiddenLine xmlns:a14="http://schemas.microsoft.com/office/drawing/2010/main" w="9525">
+                <a:solidFill>
+                  <a:schemeClr val="tx1"/>
+                </a:solidFill>
+                <a:miter lim="800000"/>
+                <a:headEnd/>
+                <a:tailEnd/>
+              </a14:hiddenLine>
+            </a:ext>
+            <a:ext uri="{AF507438-7753-43E0-B8FC-AC1667EBCBE1}">
+              <a14:hiddenEffects xmlns:a14="http://schemas.microsoft.com/office/drawing/2010/main">
+                <a:effectLst>
+                  <a:outerShdw dist="35921" dir="2700000" algn="ctr" rotWithShape="0">
+                    <a:schemeClr val="bg2"/>
+                  </a:outerShdw>
+                </a:effectLst>
+              </a14:hiddenEffects>
+            </a:ext>
+          </a:extLst>
         </p:spPr>
         <p:txBody>
-          <a:bodyPr vert="horz" lIns="91440" tIns="45720" rIns="91440" bIns="45720" rtlCol="0" anchor="ctr"/>
+          <a:bodyPr vert="horz" wrap="square" lIns="91440" tIns="45720" rIns="91440" bIns="45720" numCol="1" anchor="t" anchorCtr="0" compatLnSpc="1">
+            <a:prstTxWarp prst="textNoShape">
+              <a:avLst/>
+            </a:prstTxWarp>
+          </a:bodyPr>
           <a:lstStyle>
-            <a:lvl1pPr algn="l">
-              <a:defRPr sz="1200">
-                <a:solidFill>
-                  <a:schemeClr val="tx1">
-                    <a:tint val="75000"/>
-                  </a:schemeClr>
-                </a:solidFill>
-              </a:defRPr>
+            <a:lvl1pPr eaLnBrk="1" hangingPunct="1">
+              <a:defRPr sz="1400"/>
             </a:lvl1pPr>
           </a:lstStyle>
           <a:p>
             <a:fld id="{530820CF-B880-4189-942D-D702A7CBA730}" type="datetimeFigureOut">
               <a:rPr lang="zh-CN" altLang="en-US" smtClean="0"/>
-              <a:t>2018/4/25</a:t>
+              <a:t>2018/4/26</a:t>
             </a:fld>
             <a:endParaRPr lang="zh-CN" altLang="en-US"/>
           </a:p>
@@ -2686,34 +3477,65 @@
       </p:sp>
       <p:sp>
         <p:nvSpPr>
-          <p:cNvPr id="5" name="页脚占位符 4"/>
+          <p:cNvPr id="1029" name="Rectangle 5"/>
           <p:cNvSpPr>
-            <a:spLocks noGrp="1"/>
+            <a:spLocks noGrp="1" noChangeArrowheads="1"/>
           </p:cNvSpPr>
           <p:nvPr>
             <p:ph type="ftr" sz="quarter" idx="3"/>
           </p:nvPr>
         </p:nvSpPr>
-        <p:spPr>
+        <p:spPr bwMode="auto">
           <a:xfrm>
-            <a:off x="3124200" y="6356350"/>
-            <a:ext cx="2895600" cy="365125"/>
+            <a:off x="3124200" y="6245225"/>
+            <a:ext cx="2895600" cy="476250"/>
           </a:xfrm>
           <a:prstGeom prst="rect">
             <a:avLst/>
           </a:prstGeom>
+          <a:noFill/>
+          <a:ln>
+            <a:noFill/>
+          </a:ln>
+          <a:effectLst/>
+          <a:extLst>
+            <a:ext uri="{909E8E84-426E-40DD-AFC4-6F175D3DCCD1}">
+              <a14:hiddenFill xmlns:a14="http://schemas.microsoft.com/office/drawing/2010/main">
+                <a:solidFill>
+                  <a:schemeClr val="accent1"/>
+                </a:solidFill>
+              </a14:hiddenFill>
+            </a:ext>
+            <a:ext uri="{91240B29-F687-4F45-9708-019B960494DF}">
+              <a14:hiddenLine xmlns:a14="http://schemas.microsoft.com/office/drawing/2010/main" w="9525">
+                <a:solidFill>
+                  <a:schemeClr val="tx1"/>
+                </a:solidFill>
+                <a:miter lim="800000"/>
+                <a:headEnd/>
+                <a:tailEnd/>
+              </a14:hiddenLine>
+            </a:ext>
+            <a:ext uri="{AF507438-7753-43E0-B8FC-AC1667EBCBE1}">
+              <a14:hiddenEffects xmlns:a14="http://schemas.microsoft.com/office/drawing/2010/main">
+                <a:effectLst>
+                  <a:outerShdw dist="35921" dir="2700000" algn="ctr" rotWithShape="0">
+                    <a:schemeClr val="bg2"/>
+                  </a:outerShdw>
+                </a:effectLst>
+              </a14:hiddenEffects>
+            </a:ext>
+          </a:extLst>
         </p:spPr>
         <p:txBody>
-          <a:bodyPr vert="horz" lIns="91440" tIns="45720" rIns="91440" bIns="45720" rtlCol="0" anchor="ctr"/>
+          <a:bodyPr vert="horz" wrap="square" lIns="91440" tIns="45720" rIns="91440" bIns="45720" numCol="1" anchor="t" anchorCtr="0" compatLnSpc="1">
+            <a:prstTxWarp prst="textNoShape">
+              <a:avLst/>
+            </a:prstTxWarp>
+          </a:bodyPr>
           <a:lstStyle>
-            <a:lvl1pPr algn="ctr">
-              <a:defRPr sz="1200">
-                <a:solidFill>
-                  <a:schemeClr val="tx1">
-                    <a:tint val="75000"/>
-                  </a:schemeClr>
-                </a:solidFill>
-              </a:defRPr>
+            <a:lvl1pPr algn="ctr" eaLnBrk="1" hangingPunct="1">
+              <a:defRPr sz="1400"/>
             </a:lvl1pPr>
           </a:lstStyle>
           <a:p>
@@ -2723,34 +3545,65 @@
       </p:sp>
       <p:sp>
         <p:nvSpPr>
-          <p:cNvPr id="6" name="灯片编号占位符 5"/>
+          <p:cNvPr id="1030" name="Rectangle 6"/>
           <p:cNvSpPr>
-            <a:spLocks noGrp="1"/>
+            <a:spLocks noGrp="1" noChangeArrowheads="1"/>
           </p:cNvSpPr>
           <p:nvPr>
             <p:ph type="sldNum" sz="quarter" idx="4"/>
           </p:nvPr>
         </p:nvSpPr>
-        <p:spPr>
+        <p:spPr bwMode="auto">
           <a:xfrm>
-            <a:off x="6553200" y="6356350"/>
-            <a:ext cx="2133600" cy="365125"/>
+            <a:off x="6553200" y="6245225"/>
+            <a:ext cx="2133600" cy="476250"/>
           </a:xfrm>
           <a:prstGeom prst="rect">
             <a:avLst/>
           </a:prstGeom>
+          <a:noFill/>
+          <a:ln>
+            <a:noFill/>
+          </a:ln>
+          <a:effectLst/>
+          <a:extLst>
+            <a:ext uri="{909E8E84-426E-40DD-AFC4-6F175D3DCCD1}">
+              <a14:hiddenFill xmlns:a14="http://schemas.microsoft.com/office/drawing/2010/main">
+                <a:solidFill>
+                  <a:schemeClr val="accent1"/>
+                </a:solidFill>
+              </a14:hiddenFill>
+            </a:ext>
+            <a:ext uri="{91240B29-F687-4F45-9708-019B960494DF}">
+              <a14:hiddenLine xmlns:a14="http://schemas.microsoft.com/office/drawing/2010/main" w="9525">
+                <a:solidFill>
+                  <a:schemeClr val="tx1"/>
+                </a:solidFill>
+                <a:miter lim="800000"/>
+                <a:headEnd/>
+                <a:tailEnd/>
+              </a14:hiddenLine>
+            </a:ext>
+            <a:ext uri="{AF507438-7753-43E0-B8FC-AC1667EBCBE1}">
+              <a14:hiddenEffects xmlns:a14="http://schemas.microsoft.com/office/drawing/2010/main">
+                <a:effectLst>
+                  <a:outerShdw dist="35921" dir="2700000" algn="ctr" rotWithShape="0">
+                    <a:schemeClr val="bg2"/>
+                  </a:outerShdw>
+                </a:effectLst>
+              </a14:hiddenEffects>
+            </a:ext>
+          </a:extLst>
         </p:spPr>
         <p:txBody>
-          <a:bodyPr vert="horz" lIns="91440" tIns="45720" rIns="91440" bIns="45720" rtlCol="0" anchor="ctr"/>
+          <a:bodyPr vert="horz" wrap="square" lIns="91440" tIns="45720" rIns="91440" bIns="45720" numCol="1" anchor="t" anchorCtr="0" compatLnSpc="1">
+            <a:prstTxWarp prst="textNoShape">
+              <a:avLst/>
+            </a:prstTxWarp>
+          </a:bodyPr>
           <a:lstStyle>
-            <a:lvl1pPr algn="r">
-              <a:defRPr sz="1200">
-                <a:solidFill>
-                  <a:schemeClr val="tx1">
-                    <a:tint val="75000"/>
-                  </a:schemeClr>
-                </a:solidFill>
-              </a:defRPr>
+            <a:lvl1pPr algn="r" eaLnBrk="1" hangingPunct="1">
+              <a:defRPr sz="1400"/>
             </a:lvl1pPr>
           </a:lstStyle>
           <a:p>
@@ -2763,108 +3616,258 @@
         </p:txBody>
       </p:sp>
     </p:spTree>
+    <p:extLst>
+      <p:ext uri="{BB962C8B-B14F-4D97-AF65-F5344CB8AC3E}">
+        <p14:creationId xmlns:p14="http://schemas.microsoft.com/office/powerpoint/2010/main" val="718433982"/>
+      </p:ext>
+    </p:extLst>
   </p:cSld>
   <p:clrMap bg1="lt1" tx1="dk1" bg2="lt2" tx2="dk2" accent1="accent1" accent2="accent2" accent3="accent3" accent4="accent4" accent5="accent5" accent6="accent6" hlink="hlink" folHlink="folHlink"/>
   <p:sldLayoutIdLst>
-    <p:sldLayoutId id="2147483649" r:id="rId1"/>
-    <p:sldLayoutId id="2147483650" r:id="rId2"/>
-    <p:sldLayoutId id="2147483651" r:id="rId3"/>
-    <p:sldLayoutId id="2147483652" r:id="rId4"/>
-    <p:sldLayoutId id="2147483653" r:id="rId5"/>
-    <p:sldLayoutId id="2147483654" r:id="rId6"/>
-    <p:sldLayoutId id="2147483655" r:id="rId7"/>
-    <p:sldLayoutId id="2147483656" r:id="rId8"/>
-    <p:sldLayoutId id="2147483657" r:id="rId9"/>
-    <p:sldLayoutId id="2147483658" r:id="rId10"/>
-    <p:sldLayoutId id="2147483659" r:id="rId11"/>
+    <p:sldLayoutId id="2147483697" r:id="rId1"/>
+    <p:sldLayoutId id="2147483698" r:id="rId2"/>
+    <p:sldLayoutId id="2147483699" r:id="rId3"/>
+    <p:sldLayoutId id="2147483700" r:id="rId4"/>
+    <p:sldLayoutId id="2147483701" r:id="rId5"/>
+    <p:sldLayoutId id="2147483702" r:id="rId6"/>
+    <p:sldLayoutId id="2147483703" r:id="rId7"/>
+    <p:sldLayoutId id="2147483704" r:id="rId8"/>
+    <p:sldLayoutId id="2147483705" r:id="rId9"/>
+    <p:sldLayoutId id="2147483706" r:id="rId10"/>
+    <p:sldLayoutId id="2147483707" r:id="rId11"/>
   </p:sldLayoutIdLst>
   <p:txStyles>
     <p:titleStyle>
-      <a:lvl1pPr algn="l" defTabSz="914400" rtl="0" eaLnBrk="1" latinLnBrk="0" hangingPunct="1">
+      <a:lvl1pPr algn="l" rtl="0" eaLnBrk="1" fontAlgn="base" hangingPunct="1">
         <a:spcBef>
           <a:spcPct val="0"/>
         </a:spcBef>
-        <a:buNone/>
-        <a:defRPr sz="4400" kern="1200">
+        <a:spcAft>
+          <a:spcPct val="0"/>
+        </a:spcAft>
+        <a:defRPr sz="3200" kern="1200">
           <a:solidFill>
-            <a:schemeClr val="tx1"/>
+            <a:schemeClr val="accent1"/>
           </a:solidFill>
           <a:latin typeface="+mj-lt"/>
           <a:ea typeface="+mj-ea"/>
           <a:cs typeface="+mj-cs"/>
         </a:defRPr>
       </a:lvl1pPr>
+      <a:lvl2pPr algn="l" rtl="0" eaLnBrk="1" fontAlgn="base" hangingPunct="1">
+        <a:spcBef>
+          <a:spcPct val="0"/>
+        </a:spcBef>
+        <a:spcAft>
+          <a:spcPct val="0"/>
+        </a:spcAft>
+        <a:defRPr sz="2800">
+          <a:solidFill>
+            <a:schemeClr val="accent1"/>
+          </a:solidFill>
+          <a:latin typeface="Arial" panose="020B0604020202020204" pitchFamily="34" charset="0"/>
+          <a:ea typeface="华文中宋" panose="02010600040101010101" pitchFamily="2" charset="-122"/>
+          <a:cs typeface="宋体" panose="02010600030101010101" pitchFamily="2" charset="-122"/>
+        </a:defRPr>
+      </a:lvl2pPr>
+      <a:lvl3pPr algn="l" rtl="0" eaLnBrk="1" fontAlgn="base" hangingPunct="1">
+        <a:spcBef>
+          <a:spcPct val="0"/>
+        </a:spcBef>
+        <a:spcAft>
+          <a:spcPct val="0"/>
+        </a:spcAft>
+        <a:defRPr sz="2800">
+          <a:solidFill>
+            <a:schemeClr val="accent1"/>
+          </a:solidFill>
+          <a:latin typeface="Arial" panose="020B0604020202020204" pitchFamily="34" charset="0"/>
+          <a:ea typeface="华文中宋" panose="02010600040101010101" pitchFamily="2" charset="-122"/>
+          <a:cs typeface="宋体" panose="02010600030101010101" pitchFamily="2" charset="-122"/>
+        </a:defRPr>
+      </a:lvl3pPr>
+      <a:lvl4pPr algn="l" rtl="0" eaLnBrk="1" fontAlgn="base" hangingPunct="1">
+        <a:spcBef>
+          <a:spcPct val="0"/>
+        </a:spcBef>
+        <a:spcAft>
+          <a:spcPct val="0"/>
+        </a:spcAft>
+        <a:defRPr sz="2800">
+          <a:solidFill>
+            <a:schemeClr val="accent1"/>
+          </a:solidFill>
+          <a:latin typeface="Arial" panose="020B0604020202020204" pitchFamily="34" charset="0"/>
+          <a:ea typeface="华文中宋" panose="02010600040101010101" pitchFamily="2" charset="-122"/>
+          <a:cs typeface="宋体" panose="02010600030101010101" pitchFamily="2" charset="-122"/>
+        </a:defRPr>
+      </a:lvl4pPr>
+      <a:lvl5pPr algn="l" rtl="0" eaLnBrk="1" fontAlgn="base" hangingPunct="1">
+        <a:spcBef>
+          <a:spcPct val="0"/>
+        </a:spcBef>
+        <a:spcAft>
+          <a:spcPct val="0"/>
+        </a:spcAft>
+        <a:defRPr sz="2800">
+          <a:solidFill>
+            <a:schemeClr val="accent1"/>
+          </a:solidFill>
+          <a:latin typeface="Arial" panose="020B0604020202020204" pitchFamily="34" charset="0"/>
+          <a:ea typeface="华文中宋" panose="02010600040101010101" pitchFamily="2" charset="-122"/>
+          <a:cs typeface="宋体" panose="02010600030101010101" pitchFamily="2" charset="-122"/>
+        </a:defRPr>
+      </a:lvl5pPr>
+      <a:lvl6pPr marL="457200" algn="l" rtl="0" eaLnBrk="1" fontAlgn="base" hangingPunct="1">
+        <a:spcBef>
+          <a:spcPct val="0"/>
+        </a:spcBef>
+        <a:spcAft>
+          <a:spcPct val="0"/>
+        </a:spcAft>
+        <a:defRPr sz="2800">
+          <a:solidFill>
+            <a:srgbClr val="FF3300"/>
+          </a:solidFill>
+          <a:latin typeface="Arial" panose="020B0604020202020204" pitchFamily="34" charset="0"/>
+          <a:ea typeface="华文中宋" panose="02010600040101010101" pitchFamily="2" charset="-122"/>
+          <a:cs typeface="宋体" panose="02010600030101010101" pitchFamily="2" charset="-122"/>
+        </a:defRPr>
+      </a:lvl6pPr>
+      <a:lvl7pPr marL="914400" algn="l" rtl="0" eaLnBrk="1" fontAlgn="base" hangingPunct="1">
+        <a:spcBef>
+          <a:spcPct val="0"/>
+        </a:spcBef>
+        <a:spcAft>
+          <a:spcPct val="0"/>
+        </a:spcAft>
+        <a:defRPr sz="2800">
+          <a:solidFill>
+            <a:srgbClr val="FF3300"/>
+          </a:solidFill>
+          <a:latin typeface="Arial" panose="020B0604020202020204" pitchFamily="34" charset="0"/>
+          <a:ea typeface="华文中宋" panose="02010600040101010101" pitchFamily="2" charset="-122"/>
+          <a:cs typeface="宋体" panose="02010600030101010101" pitchFamily="2" charset="-122"/>
+        </a:defRPr>
+      </a:lvl7pPr>
+      <a:lvl8pPr marL="1371600" algn="l" rtl="0" eaLnBrk="1" fontAlgn="base" hangingPunct="1">
+        <a:spcBef>
+          <a:spcPct val="0"/>
+        </a:spcBef>
+        <a:spcAft>
+          <a:spcPct val="0"/>
+        </a:spcAft>
+        <a:defRPr sz="2800">
+          <a:solidFill>
+            <a:srgbClr val="FF3300"/>
+          </a:solidFill>
+          <a:latin typeface="Arial" panose="020B0604020202020204" pitchFamily="34" charset="0"/>
+          <a:ea typeface="华文中宋" panose="02010600040101010101" pitchFamily="2" charset="-122"/>
+          <a:cs typeface="宋体" panose="02010600030101010101" pitchFamily="2" charset="-122"/>
+        </a:defRPr>
+      </a:lvl8pPr>
+      <a:lvl9pPr marL="1828800" algn="l" rtl="0" eaLnBrk="1" fontAlgn="base" hangingPunct="1">
+        <a:spcBef>
+          <a:spcPct val="0"/>
+        </a:spcBef>
+        <a:spcAft>
+          <a:spcPct val="0"/>
+        </a:spcAft>
+        <a:defRPr sz="2800">
+          <a:solidFill>
+            <a:srgbClr val="FF3300"/>
+          </a:solidFill>
+          <a:latin typeface="Arial" panose="020B0604020202020204" pitchFamily="34" charset="0"/>
+          <a:ea typeface="华文中宋" panose="02010600040101010101" pitchFamily="2" charset="-122"/>
+          <a:cs typeface="宋体" panose="02010600030101010101" pitchFamily="2" charset="-122"/>
+        </a:defRPr>
+      </a:lvl9pPr>
     </p:titleStyle>
     <p:bodyStyle>
-      <a:lvl1pPr marL="342900" indent="-342900" algn="l" defTabSz="914400" rtl="0" eaLnBrk="1" latinLnBrk="0" hangingPunct="1">
+      <a:lvl1pPr marL="342900" indent="-257175" algn="l" rtl="0" eaLnBrk="1" fontAlgn="base" hangingPunct="1">
         <a:spcBef>
-          <a:spcPct val="20000"/>
+          <a:spcPts val="1800"/>
         </a:spcBef>
-        <a:buFont typeface="Arial" pitchFamily="34" charset="0"/>
+        <a:spcAft>
+          <a:spcPct val="0"/>
+        </a:spcAft>
+        <a:buClr>
+          <a:schemeClr val="accent1"/>
+        </a:buClr>
         <a:buChar char="•"/>
-        <a:defRPr sz="3200" kern="1200">
+        <a:defRPr sz="2000" kern="1200">
           <a:solidFill>
-            <a:schemeClr val="tx1"/>
+            <a:schemeClr val="accent1"/>
           </a:solidFill>
           <a:latin typeface="+mn-lt"/>
           <a:ea typeface="+mn-ea"/>
           <a:cs typeface="+mn-cs"/>
         </a:defRPr>
       </a:lvl1pPr>
-      <a:lvl2pPr marL="742950" indent="-285750" algn="l" defTabSz="914400" rtl="0" eaLnBrk="1" latinLnBrk="0" hangingPunct="1">
+      <a:lvl2pPr marL="357188" algn="l" rtl="0" eaLnBrk="1" fontAlgn="base" hangingPunct="1">
+        <a:lnSpc>
+          <a:spcPct val="130000"/>
+        </a:lnSpc>
         <a:spcBef>
           <a:spcPct val="20000"/>
         </a:spcBef>
-        <a:buFont typeface="Arial" pitchFamily="34" charset="0"/>
-        <a:buChar char="–"/>
-        <a:defRPr sz="2800" kern="1200">
+        <a:spcAft>
+          <a:spcPct val="0"/>
+        </a:spcAft>
+        <a:defRPr sz="1800" kern="1200">
           <a:solidFill>
-            <a:schemeClr val="tx1"/>
+            <a:schemeClr val="accent2"/>
           </a:solidFill>
           <a:latin typeface="+mn-lt"/>
           <a:ea typeface="+mn-ea"/>
           <a:cs typeface="+mn-cs"/>
         </a:defRPr>
       </a:lvl2pPr>
-      <a:lvl3pPr marL="1143000" indent="-228600" algn="l" defTabSz="914400" rtl="0" eaLnBrk="1" latinLnBrk="0" hangingPunct="1">
+      <a:lvl3pPr marL="1143000" indent="-228600" algn="l" rtl="0" eaLnBrk="1" fontAlgn="base" hangingPunct="1">
         <a:spcBef>
           <a:spcPct val="20000"/>
         </a:spcBef>
-        <a:buFont typeface="Arial" pitchFamily="34" charset="0"/>
+        <a:spcAft>
+          <a:spcPct val="0"/>
+        </a:spcAft>
         <a:buChar char="•"/>
-        <a:defRPr sz="2400" kern="1200">
+        <a:defRPr sz="1400" kern="1200">
           <a:solidFill>
-            <a:schemeClr val="tx1"/>
+            <a:srgbClr val="4D4D4D"/>
           </a:solidFill>
           <a:latin typeface="+mn-lt"/>
           <a:ea typeface="+mn-ea"/>
           <a:cs typeface="+mn-cs"/>
         </a:defRPr>
       </a:lvl3pPr>
-      <a:lvl4pPr marL="1600200" indent="-228600" algn="l" defTabSz="914400" rtl="0" eaLnBrk="1" latinLnBrk="0" hangingPunct="1">
+      <a:lvl4pPr marL="1600200" indent="-228600" algn="l" rtl="0" eaLnBrk="1" fontAlgn="base" hangingPunct="1">
         <a:spcBef>
           <a:spcPct val="20000"/>
         </a:spcBef>
-        <a:buFont typeface="Arial" pitchFamily="34" charset="0"/>
+        <a:spcAft>
+          <a:spcPct val="0"/>
+        </a:spcAft>
         <a:buChar char="–"/>
-        <a:defRPr sz="2000" kern="1200">
+        <a:defRPr sz="1200" kern="1200">
           <a:solidFill>
-            <a:schemeClr val="tx1"/>
+            <a:srgbClr val="4D4D4D"/>
           </a:solidFill>
           <a:latin typeface="+mn-lt"/>
           <a:ea typeface="+mn-ea"/>
           <a:cs typeface="+mn-cs"/>
         </a:defRPr>
       </a:lvl4pPr>
-      <a:lvl5pPr marL="2057400" indent="-228600" algn="l" defTabSz="914400" rtl="0" eaLnBrk="1" latinLnBrk="0" hangingPunct="1">
+      <a:lvl5pPr marL="2057400" indent="-228600" algn="l" rtl="0" eaLnBrk="1" fontAlgn="base" hangingPunct="1">
         <a:spcBef>
           <a:spcPct val="20000"/>
         </a:spcBef>
-        <a:buFont typeface="Arial" pitchFamily="34" charset="0"/>
+        <a:spcAft>
+          <a:spcPct val="0"/>
+        </a:spcAft>
         <a:buChar char="»"/>
-        <a:defRPr sz="2000" kern="1200">
+        <a:defRPr sz="1200" kern="1200">
           <a:solidFill>
-            <a:schemeClr val="tx1"/>
+            <a:srgbClr val="4D4D4D"/>
           </a:solidFill>
           <a:latin typeface="+mn-lt"/>
           <a:ea typeface="+mn-ea"/>
@@ -2872,12 +3875,15 @@
         </a:defRPr>
       </a:lvl5pPr>
       <a:lvl6pPr marL="2514600" indent="-228600" algn="l" defTabSz="914400" rtl="0" eaLnBrk="1" latinLnBrk="0" hangingPunct="1">
+        <a:lnSpc>
+          <a:spcPct val="90000"/>
+        </a:lnSpc>
         <a:spcBef>
-          <a:spcPct val="20000"/>
+          <a:spcPts val="500"/>
         </a:spcBef>
-        <a:buFont typeface="Arial" pitchFamily="34" charset="0"/>
+        <a:buFont typeface="Arial" panose="020B0604020202020204" pitchFamily="34" charset="0"/>
         <a:buChar char="•"/>
-        <a:defRPr sz="2000" kern="1200">
+        <a:defRPr sz="1800" kern="1200">
           <a:solidFill>
             <a:schemeClr val="tx1"/>
           </a:solidFill>
@@ -2887,12 +3893,15 @@
         </a:defRPr>
       </a:lvl6pPr>
       <a:lvl7pPr marL="2971800" indent="-228600" algn="l" defTabSz="914400" rtl="0" eaLnBrk="1" latinLnBrk="0" hangingPunct="1">
+        <a:lnSpc>
+          <a:spcPct val="90000"/>
+        </a:lnSpc>
         <a:spcBef>
-          <a:spcPct val="20000"/>
+          <a:spcPts val="500"/>
         </a:spcBef>
-        <a:buFont typeface="Arial" pitchFamily="34" charset="0"/>
+        <a:buFont typeface="Arial" panose="020B0604020202020204" pitchFamily="34" charset="0"/>
         <a:buChar char="•"/>
-        <a:defRPr sz="2000" kern="1200">
+        <a:defRPr sz="1800" kern="1200">
           <a:solidFill>
             <a:schemeClr val="tx1"/>
           </a:solidFill>
@@ -2902,12 +3911,15 @@
         </a:defRPr>
       </a:lvl7pPr>
       <a:lvl8pPr marL="3429000" indent="-228600" algn="l" defTabSz="914400" rtl="0" eaLnBrk="1" latinLnBrk="0" hangingPunct="1">
+        <a:lnSpc>
+          <a:spcPct val="90000"/>
+        </a:lnSpc>
         <a:spcBef>
-          <a:spcPct val="20000"/>
+          <a:spcPts val="500"/>
         </a:spcBef>
-        <a:buFont typeface="Arial" pitchFamily="34" charset="0"/>
+        <a:buFont typeface="Arial" panose="020B0604020202020204" pitchFamily="34" charset="0"/>
         <a:buChar char="•"/>
-        <a:defRPr sz="2000" kern="1200">
+        <a:defRPr sz="1800" kern="1200">
           <a:solidFill>
             <a:schemeClr val="tx1"/>
           </a:solidFill>
@@ -2917,12 +3929,15 @@
         </a:defRPr>
       </a:lvl8pPr>
       <a:lvl9pPr marL="3886200" indent="-228600" algn="l" defTabSz="914400" rtl="0" eaLnBrk="1" latinLnBrk="0" hangingPunct="1">
+        <a:lnSpc>
+          <a:spcPct val="90000"/>
+        </a:lnSpc>
         <a:spcBef>
-          <a:spcPct val="20000"/>
+          <a:spcPts val="500"/>
         </a:spcBef>
-        <a:buFont typeface="Arial" pitchFamily="34" charset="0"/>
+        <a:buFont typeface="Arial" panose="020B0604020202020204" pitchFamily="34" charset="0"/>
         <a:buChar char="•"/>
-        <a:defRPr sz="2000" kern="1200">
+        <a:defRPr sz="1800" kern="1200">
           <a:solidFill>
             <a:schemeClr val="tx1"/>
           </a:solidFill>
@@ -3028,6 +4043,11 @@
       </a:lvl9pPr>
     </p:otherStyle>
   </p:txStyles>
+  <p:extLst mod="1">
+    <p:ext uri="{27BBF7A9-308A-43DC-89C8-2F10F3537804}">
+      <p15:sldGuideLst xmlns:p15="http://schemas.microsoft.com/office/powerpoint/2012/main"/>
+    </p:ext>
+  </p:extLst>
 </p:sldMaster>
 </file>
 
@@ -3058,7 +4078,12 @@
             <p:ph type="ctrTitle"/>
           </p:nvPr>
         </p:nvSpPr>
-        <p:spPr/>
+        <p:spPr>
+          <a:xfrm>
+            <a:off x="2803630" y="2281704"/>
+            <a:ext cx="4504674" cy="1082615"/>
+          </a:xfrm>
+        </p:spPr>
         <p:txBody>
           <a:bodyPr/>
           <a:lstStyle/>
@@ -3085,28 +4110,35 @@
             <p:ph type="subTitle" idx="1"/>
           </p:nvPr>
         </p:nvSpPr>
-        <p:spPr/>
-        <p:txBody>
-          <a:bodyPr/>
+        <p:spPr>
+          <a:xfrm>
+            <a:off x="3219763" y="3573016"/>
+            <a:ext cx="3672408" cy="431800"/>
+          </a:xfrm>
+        </p:spPr>
+        <p:txBody>
+          <a:bodyPr>
+            <a:normAutofit fontScale="25000" lnSpcReduction="20000"/>
+          </a:bodyPr>
           <a:lstStyle/>
           <a:p>
             <a:r>
-              <a:rPr lang="zh-CN" altLang="en-US" dirty="0" smtClean="0"/>
+              <a:rPr lang="zh-CN" altLang="en-US" sz="8000" dirty="0" smtClean="0"/>
               <a:t>信息技术部</a:t>
             </a:r>
-            <a:endParaRPr lang="en-US" altLang="zh-CN" dirty="0" smtClean="0"/>
+            <a:endParaRPr lang="en-US" altLang="zh-CN" sz="8000" dirty="0" smtClean="0"/>
           </a:p>
           <a:p>
             <a:pPr algn="r"/>
             <a:r>
-              <a:rPr lang="en-US" altLang="zh-CN" sz="2000" dirty="0" smtClean="0"/>
+              <a:rPr lang="en-US" altLang="zh-CN" sz="4000" dirty="0" smtClean="0"/>
               <a:t>——</a:t>
             </a:r>
             <a:r>
-              <a:rPr lang="zh-CN" altLang="en-US" sz="2000" dirty="0" smtClean="0"/>
+              <a:rPr lang="zh-CN" altLang="en-US" sz="4000" dirty="0" smtClean="0"/>
               <a:t>新人入职指引</a:t>
             </a:r>
-            <a:endParaRPr lang="zh-CN" altLang="en-US" sz="2000" dirty="0"/>
+            <a:endParaRPr lang="zh-CN" altLang="en-US" sz="4000" dirty="0"/>
           </a:p>
         </p:txBody>
       </p:sp>
@@ -3156,8 +4188,8 @@
           <a:lstStyle/>
           <a:p>
             <a:r>
-              <a:rPr lang="zh-CN" altLang="en-US" dirty="0"/>
-              <a:t>基本原则</a:t>
+              <a:rPr lang="zh-CN" altLang="en-US" dirty="0" smtClean="0"/>
+              <a:t>版本管理</a:t>
             </a:r>
             <a:endParaRPr lang="zh-CN" altLang="en-US" dirty="0"/>
           </a:p>
@@ -3178,10 +4210,1383 @@
           <a:bodyPr/>
           <a:lstStyle/>
           <a:p>
+            <a:r>
+              <a:rPr lang="zh-CN" altLang="en-US" dirty="0" smtClean="0"/>
+              <a:t>版本号规定</a:t>
+            </a:r>
+            <a:endParaRPr lang="en-US" altLang="zh-CN" dirty="0" smtClean="0"/>
+          </a:p>
+          <a:p>
+            <a:r>
+              <a:rPr lang="zh-CN" altLang="en-US" dirty="0"/>
+              <a:t>发</a:t>
+            </a:r>
+            <a:r>
+              <a:rPr lang="zh-CN" altLang="en-US" dirty="0" smtClean="0"/>
+              <a:t>布周期</a:t>
+            </a:r>
+            <a:endParaRPr lang="en-US" altLang="zh-CN" dirty="0" smtClean="0"/>
+          </a:p>
+          <a:p>
+            <a:r>
+              <a:rPr lang="zh-CN" altLang="en-US" dirty="0" smtClean="0"/>
+              <a:t>版</a:t>
+            </a:r>
+            <a:r>
+              <a:rPr lang="zh-CN" altLang="en-US" dirty="0" smtClean="0"/>
+              <a:t>本发</a:t>
+            </a:r>
+            <a:r>
+              <a:rPr lang="zh-CN" altLang="en-US" dirty="0" smtClean="0"/>
+              <a:t>布过程</a:t>
+            </a:r>
+            <a:endParaRPr lang="en-US" altLang="zh-CN" dirty="0" smtClean="0"/>
+          </a:p>
+          <a:p>
+            <a:r>
+              <a:rPr lang="zh-CN" altLang="en-US" dirty="0"/>
+              <a:t>版</a:t>
+            </a:r>
+            <a:r>
+              <a:rPr lang="zh-CN" altLang="en-US" dirty="0" smtClean="0"/>
+              <a:t>本发布</a:t>
+            </a:r>
+            <a:r>
+              <a:rPr lang="en-US" altLang="zh-CN" dirty="0" smtClean="0"/>
+              <a:t>Checklist</a:t>
+            </a:r>
+          </a:p>
+          <a:p>
+            <a:r>
+              <a:rPr lang="zh-CN" altLang="en-US" dirty="0"/>
+              <a:t>版本发布通知</a:t>
+            </a:r>
+            <a:endParaRPr lang="en-US" altLang="zh-CN" dirty="0" smtClean="0"/>
+          </a:p>
+          <a:p>
             <a:endParaRPr lang="zh-CN" altLang="en-US" dirty="0"/>
           </a:p>
         </p:txBody>
       </p:sp>
+    </p:spTree>
+    <p:extLst>
+      <p:ext uri="{BB962C8B-B14F-4D97-AF65-F5344CB8AC3E}">
+        <p14:creationId xmlns:p14="http://schemas.microsoft.com/office/powerpoint/2010/main" val="2028838604"/>
+      </p:ext>
+    </p:extLst>
+  </p:cSld>
+  <p:clrMapOvr>
+    <a:masterClrMapping/>
+  </p:clrMapOvr>
+</p:sld>
+</file>
+
+<file path=ppt/slides/slide11.xml><?xml version="1.0" encoding="utf-8"?>
+<p:sld xmlns:a="http://schemas.openxmlformats.org/drawingml/2006/main" xmlns:r="http://schemas.openxmlformats.org/officeDocument/2006/relationships" xmlns:p="http://schemas.openxmlformats.org/presentationml/2006/main">
+  <p:cSld>
+    <p:spTree>
+      <p:nvGrpSpPr>
+        <p:cNvPr id="1" name=""/>
+        <p:cNvGrpSpPr/>
+        <p:nvPr/>
+      </p:nvGrpSpPr>
+      <p:grpSpPr>
+        <a:xfrm>
+          <a:off x="0" y="0"/>
+          <a:ext cx="0" cy="0"/>
+          <a:chOff x="0" y="0"/>
+          <a:chExt cx="0" cy="0"/>
+        </a:xfrm>
+      </p:grpSpPr>
+      <p:sp>
+        <p:nvSpPr>
+          <p:cNvPr id="2" name="标题 1"/>
+          <p:cNvSpPr>
+            <a:spLocks noGrp="1"/>
+          </p:cNvSpPr>
+          <p:nvPr>
+            <p:ph type="title"/>
+          </p:nvPr>
+        </p:nvSpPr>
+        <p:spPr/>
+        <p:txBody>
+          <a:bodyPr/>
+          <a:lstStyle/>
+          <a:p>
+            <a:r>
+              <a:rPr lang="zh-CN" altLang="en-US" dirty="0" smtClean="0"/>
+              <a:t>过程管理</a:t>
+            </a:r>
+            <a:endParaRPr lang="zh-CN" altLang="en-US" dirty="0"/>
+          </a:p>
+        </p:txBody>
+      </p:sp>
+      <p:sp>
+        <p:nvSpPr>
+          <p:cNvPr id="3" name="内容占位符 2"/>
+          <p:cNvSpPr>
+            <a:spLocks noGrp="1"/>
+          </p:cNvSpPr>
+          <p:nvPr>
+            <p:ph idx="1"/>
+          </p:nvPr>
+        </p:nvSpPr>
+        <p:spPr/>
+        <p:txBody>
+          <a:bodyPr/>
+          <a:lstStyle/>
+          <a:p>
+            <a:r>
+              <a:rPr lang="zh-CN" altLang="en-US" dirty="0" smtClean="0"/>
+              <a:t>配置管理计</a:t>
+            </a:r>
+            <a:r>
+              <a:rPr lang="zh-CN" altLang="en-US" dirty="0" smtClean="0"/>
+              <a:t>划</a:t>
+            </a:r>
+            <a:endParaRPr lang="en-US" altLang="zh-CN" dirty="0" smtClean="0"/>
+          </a:p>
+          <a:p>
+            <a:r>
+              <a:rPr lang="zh-CN" altLang="en-US" dirty="0"/>
+              <a:t>项</a:t>
+            </a:r>
+            <a:r>
+              <a:rPr lang="zh-CN" altLang="en-US" dirty="0" smtClean="0"/>
+              <a:t>目立项制定</a:t>
+            </a:r>
+            <a:endParaRPr lang="en-US" altLang="zh-CN" dirty="0" smtClean="0"/>
+          </a:p>
+          <a:p>
+            <a:r>
+              <a:rPr lang="zh-CN" altLang="en-US" dirty="0"/>
+              <a:t>贯</a:t>
+            </a:r>
+            <a:r>
+              <a:rPr lang="zh-CN" altLang="en-US" dirty="0" smtClean="0"/>
+              <a:t>穿整个项目生命周期</a:t>
+            </a:r>
+            <a:endParaRPr lang="zh-CN" altLang="en-US" dirty="0"/>
+          </a:p>
+        </p:txBody>
+      </p:sp>
+    </p:spTree>
+    <p:extLst>
+      <p:ext uri="{BB962C8B-B14F-4D97-AF65-F5344CB8AC3E}">
+        <p14:creationId xmlns:p14="http://schemas.microsoft.com/office/powerpoint/2010/main" val="1966259585"/>
+      </p:ext>
+    </p:extLst>
+  </p:cSld>
+  <p:clrMapOvr>
+    <a:masterClrMapping/>
+  </p:clrMapOvr>
+</p:sld>
+</file>
+
+<file path=ppt/slides/slide12.xml><?xml version="1.0" encoding="utf-8"?>
+<p:sld xmlns:a="http://schemas.openxmlformats.org/drawingml/2006/main" xmlns:r="http://schemas.openxmlformats.org/officeDocument/2006/relationships" xmlns:p="http://schemas.openxmlformats.org/presentationml/2006/main">
+  <p:cSld>
+    <p:spTree>
+      <p:nvGrpSpPr>
+        <p:cNvPr id="1" name=""/>
+        <p:cNvGrpSpPr/>
+        <p:nvPr/>
+      </p:nvGrpSpPr>
+      <p:grpSpPr>
+        <a:xfrm>
+          <a:off x="0" y="0"/>
+          <a:ext cx="0" cy="0"/>
+          <a:chOff x="0" y="0"/>
+          <a:chExt cx="0" cy="0"/>
+        </a:xfrm>
+      </p:grpSpPr>
+      <p:sp>
+        <p:nvSpPr>
+          <p:cNvPr id="2" name="标题 1"/>
+          <p:cNvSpPr>
+            <a:spLocks noGrp="1"/>
+          </p:cNvSpPr>
+          <p:nvPr>
+            <p:ph type="title"/>
+          </p:nvPr>
+        </p:nvSpPr>
+        <p:spPr/>
+        <p:txBody>
+          <a:bodyPr/>
+          <a:lstStyle/>
+          <a:p>
+            <a:r>
+              <a:rPr lang="zh-CN" altLang="en-US" dirty="0" smtClean="0"/>
+              <a:t>状态报告</a:t>
+            </a:r>
+            <a:endParaRPr lang="zh-CN" altLang="en-US" dirty="0"/>
+          </a:p>
+        </p:txBody>
+      </p:sp>
+      <p:sp>
+        <p:nvSpPr>
+          <p:cNvPr id="3" name="内容占位符 2"/>
+          <p:cNvSpPr>
+            <a:spLocks noGrp="1"/>
+          </p:cNvSpPr>
+          <p:nvPr>
+            <p:ph idx="1"/>
+          </p:nvPr>
+        </p:nvSpPr>
+        <p:spPr/>
+        <p:txBody>
+          <a:bodyPr/>
+          <a:lstStyle/>
+          <a:p>
+            <a:r>
+              <a:rPr lang="zh-CN" altLang="en-US" dirty="0" smtClean="0"/>
+              <a:t>配置状态报</a:t>
+            </a:r>
+            <a:r>
+              <a:rPr lang="zh-CN" altLang="en-US" dirty="0" smtClean="0"/>
+              <a:t>告</a:t>
+            </a:r>
+            <a:endParaRPr lang="en-US" altLang="zh-CN" dirty="0" smtClean="0"/>
+          </a:p>
+          <a:p>
+            <a:r>
+              <a:rPr lang="zh-CN" altLang="en-US" dirty="0"/>
+              <a:t>实</a:t>
+            </a:r>
+            <a:r>
+              <a:rPr lang="zh-CN" altLang="en-US" dirty="0" smtClean="0"/>
+              <a:t>时更新</a:t>
+            </a:r>
+            <a:endParaRPr lang="en-US" altLang="zh-CN" dirty="0" smtClean="0"/>
+          </a:p>
+          <a:p>
+            <a:r>
+              <a:rPr lang="zh-CN" altLang="en-US" dirty="0" smtClean="0"/>
+              <a:t>项目状态</a:t>
+            </a:r>
+            <a:endParaRPr lang="zh-CN" altLang="en-US" dirty="0"/>
+          </a:p>
+        </p:txBody>
+      </p:sp>
+    </p:spTree>
+    <p:extLst>
+      <p:ext uri="{BB962C8B-B14F-4D97-AF65-F5344CB8AC3E}">
+        <p14:creationId xmlns:p14="http://schemas.microsoft.com/office/powerpoint/2010/main" val="1894221652"/>
+      </p:ext>
+    </p:extLst>
+  </p:cSld>
+  <p:clrMapOvr>
+    <a:masterClrMapping/>
+  </p:clrMapOvr>
+</p:sld>
+</file>
+
+<file path=ppt/slides/slide13.xml><?xml version="1.0" encoding="utf-8"?>
+<p:sld xmlns:a="http://schemas.openxmlformats.org/drawingml/2006/main" xmlns:r="http://schemas.openxmlformats.org/officeDocument/2006/relationships" xmlns:p="http://schemas.openxmlformats.org/presentationml/2006/main">
+  <p:cSld>
+    <p:spTree>
+      <p:nvGrpSpPr>
+        <p:cNvPr id="1" name=""/>
+        <p:cNvGrpSpPr/>
+        <p:nvPr/>
+      </p:nvGrpSpPr>
+      <p:grpSpPr>
+        <a:xfrm>
+          <a:off x="0" y="0"/>
+          <a:ext cx="0" cy="0"/>
+          <a:chOff x="0" y="0"/>
+          <a:chExt cx="0" cy="0"/>
+        </a:xfrm>
+      </p:grpSpPr>
+      <p:sp>
+        <p:nvSpPr>
+          <p:cNvPr id="2" name="标题 1"/>
+          <p:cNvSpPr>
+            <a:spLocks noGrp="1"/>
+          </p:cNvSpPr>
+          <p:nvPr>
+            <p:ph type="title"/>
+          </p:nvPr>
+        </p:nvSpPr>
+        <p:spPr/>
+        <p:txBody>
+          <a:bodyPr/>
+          <a:lstStyle/>
+          <a:p>
+            <a:r>
+              <a:rPr lang="zh-CN" altLang="en-US" dirty="0"/>
+              <a:t>基本原则</a:t>
+            </a:r>
+          </a:p>
+        </p:txBody>
+      </p:sp>
+      <p:graphicFrame>
+        <p:nvGraphicFramePr>
+          <p:cNvPr id="4" name="内容占位符 3"/>
+          <p:cNvGraphicFramePr>
+            <a:graphicFrameLocks noGrp="1"/>
+          </p:cNvGraphicFramePr>
+          <p:nvPr>
+            <p:ph idx="1"/>
+          </p:nvPr>
+        </p:nvGraphicFramePr>
+        <p:xfrm>
+          <a:off x="1510507" y="2357596"/>
+          <a:ext cx="6159499" cy="2736152"/>
+        </p:xfrm>
+        <a:graphic>
+          <a:graphicData uri="http://schemas.openxmlformats.org/drawingml/2006/table">
+            <a:tbl>
+              <a:tblPr firstRow="1" firstCol="1" bandRow="1">
+                <a:tableStyleId>{5C22544A-7EE6-4342-B048-85BDC9FD1C3A}</a:tableStyleId>
+              </a:tblPr>
+              <a:tblGrid>
+                <a:gridCol w="2054096">
+                  <a:extLst>
+                    <a:ext uri="{9D8B030D-6E8A-4147-A177-3AD203B41FA5}">
+                      <a16:colId xmlns:a16="http://schemas.microsoft.com/office/drawing/2014/main" val="2758733721"/>
+                    </a:ext>
+                  </a:extLst>
+                </a:gridCol>
+                <a:gridCol w="666419">
+                  <a:extLst>
+                    <a:ext uri="{9D8B030D-6E8A-4147-A177-3AD203B41FA5}">
+                      <a16:colId xmlns:a16="http://schemas.microsoft.com/office/drawing/2014/main" val="4105697828"/>
+                    </a:ext>
+                  </a:extLst>
+                </a:gridCol>
+                <a:gridCol w="2054096">
+                  <a:extLst>
+                    <a:ext uri="{9D8B030D-6E8A-4147-A177-3AD203B41FA5}">
+                      <a16:colId xmlns:a16="http://schemas.microsoft.com/office/drawing/2014/main" val="488818767"/>
+                    </a:ext>
+                  </a:extLst>
+                </a:gridCol>
+                <a:gridCol w="1384888">
+                  <a:extLst>
+                    <a:ext uri="{9D8B030D-6E8A-4147-A177-3AD203B41FA5}">
+                      <a16:colId xmlns:a16="http://schemas.microsoft.com/office/drawing/2014/main" val="1082948479"/>
+                    </a:ext>
+                  </a:extLst>
+                </a:gridCol>
+              </a:tblGrid>
+              <a:tr h="152400">
+                <a:tc>
+                  <a:txBody>
+                    <a:bodyPr/>
+                    <a:lstStyle/>
+                    <a:p>
+                      <a:pPr algn="ctr">
+                        <a:lnSpc>
+                          <a:spcPct val="150000"/>
+                        </a:lnSpc>
+                        <a:spcAft>
+                          <a:spcPts val="0"/>
+                        </a:spcAft>
+                      </a:pPr>
+                      <a:r>
+                        <a:rPr lang="zh-CN" sz="1000" kern="0">
+                          <a:effectLst/>
+                        </a:rPr>
+                        <a:t>序号</a:t>
+                      </a:r>
+                      <a:endParaRPr lang="zh-CN" sz="1050" kern="100">
+                        <a:effectLst/>
+                        <a:latin typeface="Calibri" panose="020F0502020204030204" pitchFamily="34" charset="0"/>
+                        <a:ea typeface="宋体" panose="02010600030101010101" pitchFamily="2" charset="-122"/>
+                        <a:cs typeface="Times New Roman" panose="02020603050405020304" pitchFamily="18" charset="0"/>
+                      </a:endParaRPr>
+                    </a:p>
+                  </a:txBody>
+                  <a:tcPr marL="68580" marR="68580" marT="0" marB="0" anchor="ctr"/>
+                </a:tc>
+                <a:tc>
+                  <a:txBody>
+                    <a:bodyPr/>
+                    <a:lstStyle/>
+                    <a:p>
+                      <a:pPr algn="ctr">
+                        <a:lnSpc>
+                          <a:spcPct val="150000"/>
+                        </a:lnSpc>
+                        <a:spcAft>
+                          <a:spcPts val="0"/>
+                        </a:spcAft>
+                      </a:pPr>
+                      <a:r>
+                        <a:rPr lang="zh-CN" sz="1000" kern="0">
+                          <a:effectLst/>
+                        </a:rPr>
+                        <a:t>基本原则</a:t>
+                      </a:r>
+                      <a:endParaRPr lang="zh-CN" sz="1050" kern="100">
+                        <a:effectLst/>
+                        <a:latin typeface="Calibri" panose="020F0502020204030204" pitchFamily="34" charset="0"/>
+                        <a:ea typeface="宋体" panose="02010600030101010101" pitchFamily="2" charset="-122"/>
+                        <a:cs typeface="Times New Roman" panose="02020603050405020304" pitchFamily="18" charset="0"/>
+                      </a:endParaRPr>
+                    </a:p>
+                  </a:txBody>
+                  <a:tcPr marL="68580" marR="68580" marT="0" marB="0" anchor="ctr"/>
+                </a:tc>
+                <a:tc>
+                  <a:txBody>
+                    <a:bodyPr/>
+                    <a:lstStyle/>
+                    <a:p>
+                      <a:pPr algn="ctr">
+                        <a:lnSpc>
+                          <a:spcPct val="150000"/>
+                        </a:lnSpc>
+                        <a:spcAft>
+                          <a:spcPts val="0"/>
+                        </a:spcAft>
+                      </a:pPr>
+                      <a:r>
+                        <a:rPr lang="zh-CN" sz="1000" kern="0">
+                          <a:effectLst/>
+                        </a:rPr>
+                        <a:t>原则说明</a:t>
+                      </a:r>
+                      <a:endParaRPr lang="zh-CN" sz="1050" kern="100">
+                        <a:effectLst/>
+                        <a:latin typeface="Calibri" panose="020F0502020204030204" pitchFamily="34" charset="0"/>
+                        <a:ea typeface="宋体" panose="02010600030101010101" pitchFamily="2" charset="-122"/>
+                        <a:cs typeface="Times New Roman" panose="02020603050405020304" pitchFamily="18" charset="0"/>
+                      </a:endParaRPr>
+                    </a:p>
+                  </a:txBody>
+                  <a:tcPr marL="68580" marR="68580" marT="0" marB="0" anchor="ctr"/>
+                </a:tc>
+                <a:tc>
+                  <a:txBody>
+                    <a:bodyPr/>
+                    <a:lstStyle/>
+                    <a:p>
+                      <a:pPr algn="ctr">
+                        <a:lnSpc>
+                          <a:spcPct val="150000"/>
+                        </a:lnSpc>
+                        <a:spcAft>
+                          <a:spcPts val="0"/>
+                        </a:spcAft>
+                      </a:pPr>
+                      <a:r>
+                        <a:rPr lang="zh-CN" sz="1000" kern="0">
+                          <a:effectLst/>
+                        </a:rPr>
+                        <a:t>备注</a:t>
+                      </a:r>
+                      <a:endParaRPr lang="zh-CN" sz="1050" kern="100">
+                        <a:effectLst/>
+                        <a:latin typeface="Calibri" panose="020F0502020204030204" pitchFamily="34" charset="0"/>
+                        <a:ea typeface="宋体" panose="02010600030101010101" pitchFamily="2" charset="-122"/>
+                        <a:cs typeface="Times New Roman" panose="02020603050405020304" pitchFamily="18" charset="0"/>
+                      </a:endParaRPr>
+                    </a:p>
+                  </a:txBody>
+                  <a:tcPr marL="68580" marR="68580" marT="0" marB="0" anchor="ctr"/>
+                </a:tc>
+                <a:extLst>
+                  <a:ext uri="{0D108BD9-81ED-4DB2-BD59-A6C34878D82A}">
+                    <a16:rowId xmlns:a16="http://schemas.microsoft.com/office/drawing/2014/main" val="4018472438"/>
+                  </a:ext>
+                </a:extLst>
+              </a:tr>
+              <a:tr h="171450">
+                <a:tc rowSpan="2">
+                  <a:txBody>
+                    <a:bodyPr/>
+                    <a:lstStyle/>
+                    <a:p>
+                      <a:pPr algn="ctr">
+                        <a:lnSpc>
+                          <a:spcPct val="150000"/>
+                        </a:lnSpc>
+                        <a:spcAft>
+                          <a:spcPts val="0"/>
+                        </a:spcAft>
+                      </a:pPr>
+                      <a:r>
+                        <a:rPr lang="en-US" sz="900" kern="0">
+                          <a:effectLst/>
+                        </a:rPr>
+                        <a:t>1</a:t>
+                      </a:r>
+                      <a:endParaRPr lang="zh-CN" sz="1050" kern="100">
+                        <a:effectLst/>
+                        <a:latin typeface="Calibri" panose="020F0502020204030204" pitchFamily="34" charset="0"/>
+                        <a:ea typeface="宋体" panose="02010600030101010101" pitchFamily="2" charset="-122"/>
+                        <a:cs typeface="Times New Roman" panose="02020603050405020304" pitchFamily="18" charset="0"/>
+                      </a:endParaRPr>
+                    </a:p>
+                  </a:txBody>
+                  <a:tcPr marL="68580" marR="68580" marT="0" marB="0" anchor="ctr"/>
+                </a:tc>
+                <a:tc rowSpan="2">
+                  <a:txBody>
+                    <a:bodyPr/>
+                    <a:lstStyle/>
+                    <a:p>
+                      <a:pPr algn="just">
+                        <a:lnSpc>
+                          <a:spcPct val="150000"/>
+                        </a:lnSpc>
+                        <a:spcAft>
+                          <a:spcPts val="0"/>
+                        </a:spcAft>
+                      </a:pPr>
+                      <a:r>
+                        <a:rPr lang="zh-CN" sz="900" kern="0">
+                          <a:effectLst/>
+                        </a:rPr>
+                        <a:t>版本冲突合并原则</a:t>
+                      </a:r>
+                      <a:endParaRPr lang="zh-CN" sz="1050" kern="100">
+                        <a:effectLst/>
+                        <a:latin typeface="Calibri" panose="020F0502020204030204" pitchFamily="34" charset="0"/>
+                        <a:ea typeface="宋体" panose="02010600030101010101" pitchFamily="2" charset="-122"/>
+                        <a:cs typeface="Times New Roman" panose="02020603050405020304" pitchFamily="18" charset="0"/>
+                      </a:endParaRPr>
+                    </a:p>
+                  </a:txBody>
+                  <a:tcPr marL="68580" marR="68580" marT="0" marB="0" anchor="ctr"/>
+                </a:tc>
+                <a:tc>
+                  <a:txBody>
+                    <a:bodyPr/>
+                    <a:lstStyle/>
+                    <a:p>
+                      <a:pPr algn="just">
+                        <a:lnSpc>
+                          <a:spcPct val="150000"/>
+                        </a:lnSpc>
+                        <a:spcAft>
+                          <a:spcPts val="0"/>
+                        </a:spcAft>
+                      </a:pPr>
+                      <a:r>
+                        <a:rPr lang="en-US" sz="900" kern="0">
+                          <a:effectLst/>
+                        </a:rPr>
+                        <a:t>1)</a:t>
+                      </a:r>
+                      <a:r>
+                        <a:rPr lang="zh-CN" sz="900" kern="0">
+                          <a:effectLst/>
+                        </a:rPr>
+                        <a:t>分支向主干合并</a:t>
+                      </a:r>
+                      <a:endParaRPr lang="zh-CN" sz="1050" kern="100">
+                        <a:effectLst/>
+                        <a:latin typeface="Calibri" panose="020F0502020204030204" pitchFamily="34" charset="0"/>
+                        <a:ea typeface="宋体" panose="02010600030101010101" pitchFamily="2" charset="-122"/>
+                        <a:cs typeface="Times New Roman" panose="02020603050405020304" pitchFamily="18" charset="0"/>
+                      </a:endParaRPr>
+                    </a:p>
+                  </a:txBody>
+                  <a:tcPr marL="68580" marR="68580" marT="0" marB="0" anchor="ctr"/>
+                </a:tc>
+                <a:tc rowSpan="2">
+                  <a:txBody>
+                    <a:bodyPr/>
+                    <a:lstStyle/>
+                    <a:p>
+                      <a:pPr algn="just">
+                        <a:lnSpc>
+                          <a:spcPct val="150000"/>
+                        </a:lnSpc>
+                        <a:spcAft>
+                          <a:spcPts val="0"/>
+                        </a:spcAft>
+                      </a:pPr>
+                      <a:r>
+                        <a:rPr lang="zh-CN" sz="900" kern="0">
+                          <a:effectLst/>
+                        </a:rPr>
+                        <a:t>由项目组自行安排人员进行合并操作</a:t>
+                      </a:r>
+                      <a:endParaRPr lang="zh-CN" sz="1050" kern="100">
+                        <a:effectLst/>
+                        <a:latin typeface="Calibri" panose="020F0502020204030204" pitchFamily="34" charset="0"/>
+                        <a:ea typeface="宋体" panose="02010600030101010101" pitchFamily="2" charset="-122"/>
+                        <a:cs typeface="Times New Roman" panose="02020603050405020304" pitchFamily="18" charset="0"/>
+                      </a:endParaRPr>
+                    </a:p>
+                  </a:txBody>
+                  <a:tcPr marL="68580" marR="68580" marT="0" marB="0" anchor="ctr"/>
+                </a:tc>
+                <a:extLst>
+                  <a:ext uri="{0D108BD9-81ED-4DB2-BD59-A6C34878D82A}">
+                    <a16:rowId xmlns:a16="http://schemas.microsoft.com/office/drawing/2014/main" val="3769374255"/>
+                  </a:ext>
+                </a:extLst>
+              </a:tr>
+              <a:tr h="171450">
+                <a:tc vMerge="1">
+                  <a:txBody>
+                    <a:bodyPr/>
+                    <a:lstStyle/>
+                    <a:p>
+                      <a:endParaRPr lang="zh-CN" altLang="en-US"/>
+                    </a:p>
+                  </a:txBody>
+                  <a:tcPr/>
+                </a:tc>
+                <a:tc vMerge="1">
+                  <a:txBody>
+                    <a:bodyPr/>
+                    <a:lstStyle/>
+                    <a:p>
+                      <a:endParaRPr lang="zh-CN" altLang="en-US"/>
+                    </a:p>
+                  </a:txBody>
+                  <a:tcPr/>
+                </a:tc>
+                <a:tc>
+                  <a:txBody>
+                    <a:bodyPr/>
+                    <a:lstStyle/>
+                    <a:p>
+                      <a:pPr algn="just">
+                        <a:lnSpc>
+                          <a:spcPct val="150000"/>
+                        </a:lnSpc>
+                        <a:spcAft>
+                          <a:spcPts val="0"/>
+                        </a:spcAft>
+                      </a:pPr>
+                      <a:r>
+                        <a:rPr lang="en-US" sz="900" kern="0">
+                          <a:effectLst/>
+                        </a:rPr>
+                        <a:t>2)</a:t>
+                      </a:r>
+                      <a:r>
+                        <a:rPr lang="zh-CN" sz="900" kern="0">
+                          <a:effectLst/>
+                        </a:rPr>
+                        <a:t>低版本向高版本合并</a:t>
+                      </a:r>
+                      <a:endParaRPr lang="zh-CN" sz="1050" kern="100">
+                        <a:effectLst/>
+                        <a:latin typeface="Calibri" panose="020F0502020204030204" pitchFamily="34" charset="0"/>
+                        <a:ea typeface="宋体" panose="02010600030101010101" pitchFamily="2" charset="-122"/>
+                        <a:cs typeface="Times New Roman" panose="02020603050405020304" pitchFamily="18" charset="0"/>
+                      </a:endParaRPr>
+                    </a:p>
+                  </a:txBody>
+                  <a:tcPr marL="68580" marR="68580" marT="0" marB="0" anchor="ctr"/>
+                </a:tc>
+                <a:tc vMerge="1">
+                  <a:txBody>
+                    <a:bodyPr/>
+                    <a:lstStyle/>
+                    <a:p>
+                      <a:endParaRPr lang="zh-CN" altLang="en-US"/>
+                    </a:p>
+                  </a:txBody>
+                  <a:tcPr/>
+                </a:tc>
+                <a:extLst>
+                  <a:ext uri="{0D108BD9-81ED-4DB2-BD59-A6C34878D82A}">
+                    <a16:rowId xmlns:a16="http://schemas.microsoft.com/office/drawing/2014/main" val="3931800976"/>
+                  </a:ext>
+                </a:extLst>
+              </a:tr>
+              <a:tr h="171450">
+                <a:tc rowSpan="2">
+                  <a:txBody>
+                    <a:bodyPr/>
+                    <a:lstStyle/>
+                    <a:p>
+                      <a:pPr algn="ctr">
+                        <a:lnSpc>
+                          <a:spcPct val="150000"/>
+                        </a:lnSpc>
+                        <a:spcAft>
+                          <a:spcPts val="0"/>
+                        </a:spcAft>
+                      </a:pPr>
+                      <a:r>
+                        <a:rPr lang="en-US" sz="900" kern="0">
+                          <a:effectLst/>
+                        </a:rPr>
+                        <a:t>2</a:t>
+                      </a:r>
+                      <a:endParaRPr lang="zh-CN" sz="1050" kern="100">
+                        <a:effectLst/>
+                        <a:latin typeface="Calibri" panose="020F0502020204030204" pitchFamily="34" charset="0"/>
+                        <a:ea typeface="宋体" panose="02010600030101010101" pitchFamily="2" charset="-122"/>
+                        <a:cs typeface="Times New Roman" panose="02020603050405020304" pitchFamily="18" charset="0"/>
+                      </a:endParaRPr>
+                    </a:p>
+                  </a:txBody>
+                  <a:tcPr marL="68580" marR="68580" marT="0" marB="0" anchor="ctr"/>
+                </a:tc>
+                <a:tc rowSpan="2">
+                  <a:txBody>
+                    <a:bodyPr/>
+                    <a:lstStyle/>
+                    <a:p>
+                      <a:pPr algn="just">
+                        <a:lnSpc>
+                          <a:spcPct val="150000"/>
+                        </a:lnSpc>
+                        <a:spcAft>
+                          <a:spcPts val="0"/>
+                        </a:spcAft>
+                      </a:pPr>
+                      <a:r>
+                        <a:rPr lang="en-US" sz="900" kern="0">
+                          <a:effectLst/>
+                        </a:rPr>
+                        <a:t>Tag</a:t>
+                      </a:r>
+                      <a:r>
+                        <a:rPr lang="zh-CN" sz="900" kern="0">
+                          <a:effectLst/>
+                        </a:rPr>
+                        <a:t>生成时机原则</a:t>
+                      </a:r>
+                      <a:endParaRPr lang="zh-CN" sz="1050" kern="100">
+                        <a:effectLst/>
+                        <a:latin typeface="Calibri" panose="020F0502020204030204" pitchFamily="34" charset="0"/>
+                        <a:ea typeface="宋体" panose="02010600030101010101" pitchFamily="2" charset="-122"/>
+                        <a:cs typeface="Times New Roman" panose="02020603050405020304" pitchFamily="18" charset="0"/>
+                      </a:endParaRPr>
+                    </a:p>
+                  </a:txBody>
+                  <a:tcPr marL="68580" marR="68580" marT="0" marB="0" anchor="ctr"/>
+                </a:tc>
+                <a:tc>
+                  <a:txBody>
+                    <a:bodyPr/>
+                    <a:lstStyle/>
+                    <a:p>
+                      <a:pPr algn="just">
+                        <a:lnSpc>
+                          <a:spcPct val="150000"/>
+                        </a:lnSpc>
+                        <a:spcAft>
+                          <a:spcPts val="0"/>
+                        </a:spcAft>
+                      </a:pPr>
+                      <a:r>
+                        <a:rPr lang="en-US" sz="900" kern="0">
+                          <a:effectLst/>
+                        </a:rPr>
+                        <a:t>1)</a:t>
+                      </a:r>
+                      <a:r>
+                        <a:rPr lang="zh-CN" sz="900" kern="0">
+                          <a:effectLst/>
+                        </a:rPr>
+                        <a:t>项目上线时生成</a:t>
+                      </a:r>
+                      <a:endParaRPr lang="zh-CN" sz="1050" kern="100">
+                        <a:effectLst/>
+                        <a:latin typeface="Calibri" panose="020F0502020204030204" pitchFamily="34" charset="0"/>
+                        <a:ea typeface="宋体" panose="02010600030101010101" pitchFamily="2" charset="-122"/>
+                        <a:cs typeface="Times New Roman" panose="02020603050405020304" pitchFamily="18" charset="0"/>
+                      </a:endParaRPr>
+                    </a:p>
+                  </a:txBody>
+                  <a:tcPr marL="68580" marR="68580" marT="0" marB="0" anchor="ctr"/>
+                </a:tc>
+                <a:tc rowSpan="2">
+                  <a:txBody>
+                    <a:bodyPr/>
+                    <a:lstStyle/>
+                    <a:p>
+                      <a:pPr algn="just">
+                        <a:lnSpc>
+                          <a:spcPct val="150000"/>
+                        </a:lnSpc>
+                        <a:spcAft>
+                          <a:spcPts val="0"/>
+                        </a:spcAft>
+                      </a:pPr>
+                      <a:r>
+                        <a:rPr lang="zh-CN" sz="900" kern="0">
+                          <a:effectLst/>
+                        </a:rPr>
+                        <a:t>在生成</a:t>
+                      </a:r>
+                      <a:r>
+                        <a:rPr lang="en-US" sz="900" kern="0">
+                          <a:effectLst/>
+                        </a:rPr>
+                        <a:t>Tag</a:t>
+                      </a:r>
+                      <a:r>
+                        <a:rPr lang="zh-CN" sz="900" kern="0">
+                          <a:effectLst/>
+                        </a:rPr>
+                        <a:t>时，确保所有代码已提交</a:t>
+                      </a:r>
+                      <a:r>
+                        <a:rPr lang="en-US" sz="900" kern="0">
+                          <a:effectLst/>
+                        </a:rPr>
+                        <a:t/>
+                      </a:r>
+                      <a:br>
+                        <a:rPr lang="en-US" sz="900" kern="0">
+                          <a:effectLst/>
+                        </a:rPr>
+                      </a:br>
+                      <a:r>
+                        <a:rPr lang="zh-CN" sz="900" kern="0">
+                          <a:effectLst/>
+                        </a:rPr>
+                        <a:t>生成</a:t>
+                      </a:r>
+                      <a:r>
+                        <a:rPr lang="en-US" sz="900" kern="0">
+                          <a:effectLst/>
+                        </a:rPr>
+                        <a:t>Tag</a:t>
+                      </a:r>
+                      <a:r>
+                        <a:rPr lang="zh-CN" sz="900" kern="0">
+                          <a:effectLst/>
+                        </a:rPr>
+                        <a:t>操作由</a:t>
+                      </a:r>
+                      <a:r>
+                        <a:rPr lang="en-US" sz="900" kern="0">
+                          <a:effectLst/>
+                        </a:rPr>
+                        <a:t>CM</a:t>
+                      </a:r>
+                      <a:r>
+                        <a:rPr lang="zh-CN" sz="900" kern="0">
+                          <a:effectLst/>
+                        </a:rPr>
+                        <a:t>进行</a:t>
+                      </a:r>
+                      <a:endParaRPr lang="zh-CN" sz="1050" kern="100">
+                        <a:effectLst/>
+                        <a:latin typeface="Calibri" panose="020F0502020204030204" pitchFamily="34" charset="0"/>
+                        <a:ea typeface="宋体" panose="02010600030101010101" pitchFamily="2" charset="-122"/>
+                        <a:cs typeface="Times New Roman" panose="02020603050405020304" pitchFamily="18" charset="0"/>
+                      </a:endParaRPr>
+                    </a:p>
+                  </a:txBody>
+                  <a:tcPr marL="68580" marR="68580" marT="0" marB="0" anchor="ctr"/>
+                </a:tc>
+                <a:extLst>
+                  <a:ext uri="{0D108BD9-81ED-4DB2-BD59-A6C34878D82A}">
+                    <a16:rowId xmlns:a16="http://schemas.microsoft.com/office/drawing/2014/main" val="3523164579"/>
+                  </a:ext>
+                </a:extLst>
+              </a:tr>
+              <a:tr h="171450">
+                <a:tc vMerge="1">
+                  <a:txBody>
+                    <a:bodyPr/>
+                    <a:lstStyle/>
+                    <a:p>
+                      <a:endParaRPr lang="zh-CN" altLang="en-US"/>
+                    </a:p>
+                  </a:txBody>
+                  <a:tcPr/>
+                </a:tc>
+                <a:tc vMerge="1">
+                  <a:txBody>
+                    <a:bodyPr/>
+                    <a:lstStyle/>
+                    <a:p>
+                      <a:endParaRPr lang="zh-CN" altLang="en-US"/>
+                    </a:p>
+                  </a:txBody>
+                  <a:tcPr/>
+                </a:tc>
+                <a:tc>
+                  <a:txBody>
+                    <a:bodyPr/>
+                    <a:lstStyle/>
+                    <a:p>
+                      <a:pPr algn="just">
+                        <a:lnSpc>
+                          <a:spcPct val="150000"/>
+                        </a:lnSpc>
+                        <a:spcAft>
+                          <a:spcPts val="0"/>
+                        </a:spcAft>
+                      </a:pPr>
+                      <a:r>
+                        <a:rPr lang="en-US" sz="900" kern="0">
+                          <a:effectLst/>
+                        </a:rPr>
+                        <a:t>2)</a:t>
+                      </a:r>
+                      <a:r>
+                        <a:rPr lang="zh-CN" sz="900" kern="0">
+                          <a:effectLst/>
+                        </a:rPr>
+                        <a:t>使用主干代码作为打分支的源代码</a:t>
+                      </a:r>
+                      <a:endParaRPr lang="zh-CN" sz="1050" kern="100">
+                        <a:effectLst/>
+                        <a:latin typeface="Calibri" panose="020F0502020204030204" pitchFamily="34" charset="0"/>
+                        <a:ea typeface="宋体" panose="02010600030101010101" pitchFamily="2" charset="-122"/>
+                        <a:cs typeface="Times New Roman" panose="02020603050405020304" pitchFamily="18" charset="0"/>
+                      </a:endParaRPr>
+                    </a:p>
+                  </a:txBody>
+                  <a:tcPr marL="68580" marR="68580" marT="0" marB="0" anchor="ctr"/>
+                </a:tc>
+                <a:tc vMerge="1">
+                  <a:txBody>
+                    <a:bodyPr/>
+                    <a:lstStyle/>
+                    <a:p>
+                      <a:endParaRPr lang="zh-CN" altLang="en-US"/>
+                    </a:p>
+                  </a:txBody>
+                  <a:tcPr/>
+                </a:tc>
+                <a:extLst>
+                  <a:ext uri="{0D108BD9-81ED-4DB2-BD59-A6C34878D82A}">
+                    <a16:rowId xmlns:a16="http://schemas.microsoft.com/office/drawing/2014/main" val="3700353912"/>
+                  </a:ext>
+                </a:extLst>
+              </a:tr>
+              <a:tr h="171450">
+                <a:tc rowSpan="2">
+                  <a:txBody>
+                    <a:bodyPr/>
+                    <a:lstStyle/>
+                    <a:p>
+                      <a:pPr algn="ctr">
+                        <a:lnSpc>
+                          <a:spcPct val="150000"/>
+                        </a:lnSpc>
+                        <a:spcAft>
+                          <a:spcPts val="0"/>
+                        </a:spcAft>
+                      </a:pPr>
+                      <a:r>
+                        <a:rPr lang="en-US" sz="900" kern="0">
+                          <a:effectLst/>
+                        </a:rPr>
+                        <a:t>3</a:t>
+                      </a:r>
+                      <a:endParaRPr lang="zh-CN" sz="1050" kern="100">
+                        <a:effectLst/>
+                        <a:latin typeface="Calibri" panose="020F0502020204030204" pitchFamily="34" charset="0"/>
+                        <a:ea typeface="宋体" panose="02010600030101010101" pitchFamily="2" charset="-122"/>
+                        <a:cs typeface="Times New Roman" panose="02020603050405020304" pitchFamily="18" charset="0"/>
+                      </a:endParaRPr>
+                    </a:p>
+                  </a:txBody>
+                  <a:tcPr marL="68580" marR="68580" marT="0" marB="0" anchor="ctr"/>
+                </a:tc>
+                <a:tc rowSpan="2">
+                  <a:txBody>
+                    <a:bodyPr/>
+                    <a:lstStyle/>
+                    <a:p>
+                      <a:pPr algn="just">
+                        <a:lnSpc>
+                          <a:spcPct val="150000"/>
+                        </a:lnSpc>
+                        <a:spcAft>
+                          <a:spcPts val="0"/>
+                        </a:spcAft>
+                      </a:pPr>
+                      <a:r>
+                        <a:rPr lang="en-US" sz="900" kern="0">
+                          <a:effectLst/>
+                        </a:rPr>
+                        <a:t>Branch</a:t>
+                      </a:r>
+                      <a:r>
+                        <a:rPr lang="zh-CN" sz="900" kern="0">
+                          <a:effectLst/>
+                        </a:rPr>
+                        <a:t>拉取时机原则</a:t>
+                      </a:r>
+                      <a:endParaRPr lang="zh-CN" sz="1050" kern="100">
+                        <a:effectLst/>
+                        <a:latin typeface="Calibri" panose="020F0502020204030204" pitchFamily="34" charset="0"/>
+                        <a:ea typeface="宋体" panose="02010600030101010101" pitchFamily="2" charset="-122"/>
+                        <a:cs typeface="Times New Roman" panose="02020603050405020304" pitchFamily="18" charset="0"/>
+                      </a:endParaRPr>
+                    </a:p>
+                  </a:txBody>
+                  <a:tcPr marL="68580" marR="68580" marT="0" marB="0" anchor="ctr"/>
+                </a:tc>
+                <a:tc>
+                  <a:txBody>
+                    <a:bodyPr/>
+                    <a:lstStyle/>
+                    <a:p>
+                      <a:pPr algn="just">
+                        <a:lnSpc>
+                          <a:spcPct val="150000"/>
+                        </a:lnSpc>
+                        <a:spcAft>
+                          <a:spcPts val="0"/>
+                        </a:spcAft>
+                      </a:pPr>
+                      <a:r>
+                        <a:rPr lang="en-US" sz="900" kern="0">
+                          <a:effectLst/>
+                        </a:rPr>
+                        <a:t>1)</a:t>
+                      </a:r>
+                      <a:r>
+                        <a:rPr lang="zh-CN" sz="900" kern="0">
+                          <a:effectLst/>
+                        </a:rPr>
+                        <a:t>项目上线后，需要修改线上</a:t>
+                      </a:r>
+                      <a:r>
+                        <a:rPr lang="en-US" sz="900" kern="0">
+                          <a:effectLst/>
+                        </a:rPr>
+                        <a:t>BUG</a:t>
+                      </a:r>
+                      <a:r>
+                        <a:rPr lang="zh-CN" sz="900" kern="0">
+                          <a:effectLst/>
+                        </a:rPr>
+                        <a:t>时拉取</a:t>
+                      </a:r>
+                      <a:endParaRPr lang="zh-CN" sz="1050" kern="100">
+                        <a:effectLst/>
+                        <a:latin typeface="Calibri" panose="020F0502020204030204" pitchFamily="34" charset="0"/>
+                        <a:ea typeface="宋体" panose="02010600030101010101" pitchFamily="2" charset="-122"/>
+                        <a:cs typeface="Times New Roman" panose="02020603050405020304" pitchFamily="18" charset="0"/>
+                      </a:endParaRPr>
+                    </a:p>
+                  </a:txBody>
+                  <a:tcPr marL="68580" marR="68580" marT="0" marB="0" anchor="ctr"/>
+                </a:tc>
+                <a:tc rowSpan="2">
+                  <a:txBody>
+                    <a:bodyPr/>
+                    <a:lstStyle/>
+                    <a:p>
+                      <a:pPr algn="just">
+                        <a:lnSpc>
+                          <a:spcPct val="150000"/>
+                        </a:lnSpc>
+                        <a:spcAft>
+                          <a:spcPts val="0"/>
+                        </a:spcAft>
+                      </a:pPr>
+                      <a:r>
+                        <a:rPr lang="zh-CN" sz="900" kern="0">
+                          <a:effectLst/>
+                        </a:rPr>
+                        <a:t>拉取分支时，不要从</a:t>
+                      </a:r>
+                      <a:r>
+                        <a:rPr lang="en-US" sz="900" kern="0">
+                          <a:effectLst/>
+                        </a:rPr>
+                        <a:t>trunk</a:t>
+                      </a:r>
+                      <a:r>
+                        <a:rPr lang="zh-CN" sz="900" kern="0">
+                          <a:effectLst/>
+                        </a:rPr>
+                        <a:t>中拉取，要从</a:t>
+                      </a:r>
+                      <a:r>
+                        <a:rPr lang="en-US" sz="900" kern="0">
+                          <a:effectLst/>
+                        </a:rPr>
+                        <a:t>tag</a:t>
+                      </a:r>
+                      <a:r>
+                        <a:rPr lang="zh-CN" sz="900" kern="0">
+                          <a:effectLst/>
+                        </a:rPr>
+                        <a:t>中拉取</a:t>
+                      </a:r>
+                      <a:endParaRPr lang="zh-CN" sz="1050" kern="100">
+                        <a:effectLst/>
+                        <a:latin typeface="Calibri" panose="020F0502020204030204" pitchFamily="34" charset="0"/>
+                        <a:ea typeface="宋体" panose="02010600030101010101" pitchFamily="2" charset="-122"/>
+                        <a:cs typeface="Times New Roman" panose="02020603050405020304" pitchFamily="18" charset="0"/>
+                      </a:endParaRPr>
+                    </a:p>
+                  </a:txBody>
+                  <a:tcPr marL="68580" marR="68580" marT="0" marB="0" anchor="ctr"/>
+                </a:tc>
+                <a:extLst>
+                  <a:ext uri="{0D108BD9-81ED-4DB2-BD59-A6C34878D82A}">
+                    <a16:rowId xmlns:a16="http://schemas.microsoft.com/office/drawing/2014/main" val="3945298882"/>
+                  </a:ext>
+                </a:extLst>
+              </a:tr>
+              <a:tr h="171450">
+                <a:tc vMerge="1">
+                  <a:txBody>
+                    <a:bodyPr/>
+                    <a:lstStyle/>
+                    <a:p>
+                      <a:endParaRPr lang="zh-CN" altLang="en-US"/>
+                    </a:p>
+                  </a:txBody>
+                  <a:tcPr/>
+                </a:tc>
+                <a:tc vMerge="1">
+                  <a:txBody>
+                    <a:bodyPr/>
+                    <a:lstStyle/>
+                    <a:p>
+                      <a:endParaRPr lang="zh-CN" altLang="en-US"/>
+                    </a:p>
+                  </a:txBody>
+                  <a:tcPr/>
+                </a:tc>
+                <a:tc>
+                  <a:txBody>
+                    <a:bodyPr/>
+                    <a:lstStyle/>
+                    <a:p>
+                      <a:pPr algn="just">
+                        <a:lnSpc>
+                          <a:spcPct val="150000"/>
+                        </a:lnSpc>
+                        <a:spcAft>
+                          <a:spcPts val="0"/>
+                        </a:spcAft>
+                      </a:pPr>
+                      <a:r>
+                        <a:rPr lang="en-US" sz="900" kern="0">
+                          <a:effectLst/>
+                        </a:rPr>
+                        <a:t>2)</a:t>
+                      </a:r>
+                      <a:r>
+                        <a:rPr lang="zh-CN" sz="900" kern="0">
+                          <a:effectLst/>
+                        </a:rPr>
+                        <a:t>项目上线后，需要开发计划外的新需求时拉取</a:t>
+                      </a:r>
+                      <a:endParaRPr lang="zh-CN" sz="1050" kern="100">
+                        <a:effectLst/>
+                        <a:latin typeface="Calibri" panose="020F0502020204030204" pitchFamily="34" charset="0"/>
+                        <a:ea typeface="宋体" panose="02010600030101010101" pitchFamily="2" charset="-122"/>
+                        <a:cs typeface="Times New Roman" panose="02020603050405020304" pitchFamily="18" charset="0"/>
+                      </a:endParaRPr>
+                    </a:p>
+                  </a:txBody>
+                  <a:tcPr marL="68580" marR="68580" marT="0" marB="0" anchor="ctr"/>
+                </a:tc>
+                <a:tc vMerge="1">
+                  <a:txBody>
+                    <a:bodyPr/>
+                    <a:lstStyle/>
+                    <a:p>
+                      <a:endParaRPr lang="zh-CN" altLang="en-US"/>
+                    </a:p>
+                  </a:txBody>
+                  <a:tcPr/>
+                </a:tc>
+                <a:extLst>
+                  <a:ext uri="{0D108BD9-81ED-4DB2-BD59-A6C34878D82A}">
+                    <a16:rowId xmlns:a16="http://schemas.microsoft.com/office/drawing/2014/main" val="1585322080"/>
+                  </a:ext>
+                </a:extLst>
+              </a:tr>
+              <a:tr h="171450">
+                <a:tc rowSpan="2">
+                  <a:txBody>
+                    <a:bodyPr/>
+                    <a:lstStyle/>
+                    <a:p>
+                      <a:pPr algn="ctr">
+                        <a:lnSpc>
+                          <a:spcPct val="150000"/>
+                        </a:lnSpc>
+                        <a:spcAft>
+                          <a:spcPts val="0"/>
+                        </a:spcAft>
+                      </a:pPr>
+                      <a:r>
+                        <a:rPr lang="en-US" sz="900" kern="0">
+                          <a:effectLst/>
+                        </a:rPr>
+                        <a:t>4</a:t>
+                      </a:r>
+                      <a:endParaRPr lang="zh-CN" sz="1050" kern="100">
+                        <a:effectLst/>
+                        <a:latin typeface="Calibri" panose="020F0502020204030204" pitchFamily="34" charset="0"/>
+                        <a:ea typeface="宋体" panose="02010600030101010101" pitchFamily="2" charset="-122"/>
+                        <a:cs typeface="Times New Roman" panose="02020603050405020304" pitchFamily="18" charset="0"/>
+                      </a:endParaRPr>
+                    </a:p>
+                  </a:txBody>
+                  <a:tcPr marL="68580" marR="68580" marT="0" marB="0" anchor="ctr"/>
+                </a:tc>
+                <a:tc rowSpan="2">
+                  <a:txBody>
+                    <a:bodyPr/>
+                    <a:lstStyle/>
+                    <a:p>
+                      <a:pPr algn="just">
+                        <a:lnSpc>
+                          <a:spcPct val="150000"/>
+                        </a:lnSpc>
+                        <a:spcAft>
+                          <a:spcPts val="0"/>
+                        </a:spcAft>
+                      </a:pPr>
+                      <a:r>
+                        <a:rPr lang="zh-CN" sz="900" kern="0">
+                          <a:effectLst/>
+                        </a:rPr>
+                        <a:t>版本发布通知原则</a:t>
+                      </a:r>
+                      <a:endParaRPr lang="zh-CN" sz="1050" kern="100">
+                        <a:effectLst/>
+                        <a:latin typeface="Calibri" panose="020F0502020204030204" pitchFamily="34" charset="0"/>
+                        <a:ea typeface="宋体" panose="02010600030101010101" pitchFamily="2" charset="-122"/>
+                        <a:cs typeface="Times New Roman" panose="02020603050405020304" pitchFamily="18" charset="0"/>
+                      </a:endParaRPr>
+                    </a:p>
+                  </a:txBody>
+                  <a:tcPr marL="68580" marR="68580" marT="0" marB="0" anchor="ctr"/>
+                </a:tc>
+                <a:tc>
+                  <a:txBody>
+                    <a:bodyPr/>
+                    <a:lstStyle/>
+                    <a:p>
+                      <a:pPr algn="just">
+                        <a:lnSpc>
+                          <a:spcPct val="150000"/>
+                        </a:lnSpc>
+                        <a:spcAft>
+                          <a:spcPts val="0"/>
+                        </a:spcAft>
+                      </a:pPr>
+                      <a:r>
+                        <a:rPr lang="en-US" sz="900" kern="0">
+                          <a:effectLst/>
+                        </a:rPr>
+                        <a:t>1)</a:t>
+                      </a:r>
+                      <a:r>
+                        <a:rPr lang="zh-CN" sz="900" kern="0">
+                          <a:effectLst/>
+                        </a:rPr>
+                        <a:t>版本发布前，要通知项目相关人员本次版本发布内容</a:t>
+                      </a:r>
+                      <a:endParaRPr lang="zh-CN" sz="1050" kern="100">
+                        <a:effectLst/>
+                        <a:latin typeface="Calibri" panose="020F0502020204030204" pitchFamily="34" charset="0"/>
+                        <a:ea typeface="宋体" panose="02010600030101010101" pitchFamily="2" charset="-122"/>
+                        <a:cs typeface="Times New Roman" panose="02020603050405020304" pitchFamily="18" charset="0"/>
+                      </a:endParaRPr>
+                    </a:p>
+                  </a:txBody>
+                  <a:tcPr marL="68580" marR="68580" marT="0" marB="0" anchor="ctr"/>
+                </a:tc>
+                <a:tc rowSpan="2">
+                  <a:txBody>
+                    <a:bodyPr/>
+                    <a:lstStyle/>
+                    <a:p>
+                      <a:endParaRPr lang="zh-CN" sz="1050" kern="100">
+                        <a:effectLst/>
+                        <a:latin typeface="Calibri" panose="020F0502020204030204" pitchFamily="34" charset="0"/>
+                        <a:cs typeface="Times New Roman" panose="02020603050405020304" pitchFamily="18" charset="0"/>
+                      </a:endParaRPr>
+                    </a:p>
+                  </a:txBody>
+                  <a:tcPr marL="68580" marR="68580" marT="0" marB="0" anchor="ctr"/>
+                </a:tc>
+                <a:extLst>
+                  <a:ext uri="{0D108BD9-81ED-4DB2-BD59-A6C34878D82A}">
+                    <a16:rowId xmlns:a16="http://schemas.microsoft.com/office/drawing/2014/main" val="4206070772"/>
+                  </a:ext>
+                </a:extLst>
+              </a:tr>
+              <a:tr h="171450">
+                <a:tc vMerge="1">
+                  <a:txBody>
+                    <a:bodyPr/>
+                    <a:lstStyle/>
+                    <a:p>
+                      <a:endParaRPr lang="zh-CN" altLang="en-US"/>
+                    </a:p>
+                  </a:txBody>
+                  <a:tcPr/>
+                </a:tc>
+                <a:tc vMerge="1">
+                  <a:txBody>
+                    <a:bodyPr/>
+                    <a:lstStyle/>
+                    <a:p>
+                      <a:endParaRPr lang="zh-CN" altLang="en-US"/>
+                    </a:p>
+                  </a:txBody>
+                  <a:tcPr/>
+                </a:tc>
+                <a:tc>
+                  <a:txBody>
+                    <a:bodyPr/>
+                    <a:lstStyle/>
+                    <a:p>
+                      <a:pPr algn="just">
+                        <a:lnSpc>
+                          <a:spcPct val="150000"/>
+                        </a:lnSpc>
+                        <a:spcAft>
+                          <a:spcPts val="0"/>
+                        </a:spcAft>
+                      </a:pPr>
+                      <a:r>
+                        <a:rPr lang="en-US" sz="900" kern="0" dirty="0">
+                          <a:effectLst/>
+                        </a:rPr>
+                        <a:t>2)</a:t>
+                      </a:r>
+                      <a:r>
+                        <a:rPr lang="zh-CN" sz="900" kern="0" dirty="0">
+                          <a:effectLst/>
+                        </a:rPr>
+                        <a:t>版本发布后，需通知项目相关人员本次版本发布结果</a:t>
+                      </a:r>
+                      <a:endParaRPr lang="zh-CN" sz="1050" kern="100" dirty="0">
+                        <a:effectLst/>
+                        <a:latin typeface="Calibri" panose="020F0502020204030204" pitchFamily="34" charset="0"/>
+                        <a:ea typeface="宋体" panose="02010600030101010101" pitchFamily="2" charset="-122"/>
+                        <a:cs typeface="Times New Roman" panose="02020603050405020304" pitchFamily="18" charset="0"/>
+                      </a:endParaRPr>
+                    </a:p>
+                  </a:txBody>
+                  <a:tcPr marL="68580" marR="68580" marT="0" marB="0" anchor="ctr"/>
+                </a:tc>
+                <a:tc vMerge="1">
+                  <a:txBody>
+                    <a:bodyPr/>
+                    <a:lstStyle/>
+                    <a:p>
+                      <a:endParaRPr lang="zh-CN" altLang="en-US"/>
+                    </a:p>
+                  </a:txBody>
+                  <a:tcPr/>
+                </a:tc>
+                <a:extLst>
+                  <a:ext uri="{0D108BD9-81ED-4DB2-BD59-A6C34878D82A}">
+                    <a16:rowId xmlns:a16="http://schemas.microsoft.com/office/drawing/2014/main" val="3472339736"/>
+                  </a:ext>
+                </a:extLst>
+              </a:tr>
+            </a:tbl>
+          </a:graphicData>
+        </a:graphic>
+      </p:graphicFrame>
     </p:spTree>
     <p:extLst>
       <p:ext uri="{BB962C8B-B14F-4D97-AF65-F5344CB8AC3E}">
@@ -3192,6 +5597,467 @@
   <p:clrMapOvr>
     <a:masterClrMapping/>
   </p:clrMapOvr>
+</p:sld>
+</file>
+
+<file path=ppt/slides/slide14.xml><?xml version="1.0" encoding="utf-8"?>
+<p:sld xmlns:a="http://schemas.openxmlformats.org/drawingml/2006/main" xmlns:r="http://schemas.openxmlformats.org/officeDocument/2006/relationships" xmlns:p="http://schemas.openxmlformats.org/presentationml/2006/main">
+  <p:cSld>
+    <p:bg>
+      <p:bgPr>
+        <a:solidFill>
+          <a:schemeClr val="bg1"/>
+        </a:solidFill>
+        <a:effectLst/>
+      </p:bgPr>
+    </p:bg>
+    <p:spTree>
+      <p:nvGrpSpPr>
+        <p:cNvPr id="1" name=""/>
+        <p:cNvGrpSpPr/>
+        <p:nvPr/>
+      </p:nvGrpSpPr>
+      <p:grpSpPr>
+        <a:xfrm>
+          <a:off x="0" y="0"/>
+          <a:ext cx="0" cy="0"/>
+          <a:chOff x="0" y="0"/>
+          <a:chExt cx="0" cy="0"/>
+        </a:xfrm>
+      </p:grpSpPr>
+      <p:sp>
+        <p:nvSpPr>
+          <p:cNvPr id="2" name="TextBox 1"/>
+          <p:cNvSpPr txBox="1">
+            <a:spLocks noChangeArrowheads="1"/>
+          </p:cNvSpPr>
+          <p:nvPr>
+            <p:custDataLst>
+              <p:tags r:id="rId2"/>
+            </p:custDataLst>
+          </p:nvPr>
+        </p:nvSpPr>
+        <p:spPr bwMode="auto">
+          <a:xfrm>
+            <a:off x="2743200" y="2816225"/>
+            <a:ext cx="3321050" cy="1016000"/>
+          </a:xfrm>
+          <a:prstGeom prst="rect">
+            <a:avLst/>
+          </a:prstGeom>
+          <a:noFill/>
+          <a:ln>
+            <a:noFill/>
+          </a:ln>
+          <a:extLst>
+            <a:ext uri="{909E8E84-426E-40DD-AFC4-6F175D3DCCD1}">
+              <a14:hiddenFill xmlns:a14="http://schemas.microsoft.com/office/drawing/2010/main">
+                <a:solidFill>
+                  <a:srgbClr val="FFFFFF"/>
+                </a:solidFill>
+              </a14:hiddenFill>
+            </a:ext>
+            <a:ext uri="{91240B29-F687-4F45-9708-019B960494DF}">
+              <a14:hiddenLine xmlns:a14="http://schemas.microsoft.com/office/drawing/2010/main" w="9525">
+                <a:solidFill>
+                  <a:srgbClr val="000000"/>
+                </a:solidFill>
+                <a:miter lim="800000"/>
+                <a:headEnd/>
+                <a:tailEnd/>
+              </a14:hiddenLine>
+            </a:ext>
+          </a:extLst>
+        </p:spPr>
+        <p:txBody>
+          <a:bodyPr wrap="none">
+            <a:spAutoFit/>
+          </a:bodyPr>
+          <a:lstStyle>
+            <a:lvl1pPr>
+              <a:defRPr>
+                <a:solidFill>
+                  <a:schemeClr val="tx1"/>
+                </a:solidFill>
+                <a:latin typeface="Calibri" panose="020F0502020204030204" pitchFamily="34" charset="0"/>
+                <a:ea typeface="宋体" panose="02010600030101010101" pitchFamily="2" charset="-122"/>
+              </a:defRPr>
+            </a:lvl1pPr>
+            <a:lvl2pPr marL="742950" indent="-285750">
+              <a:defRPr>
+                <a:solidFill>
+                  <a:schemeClr val="tx1"/>
+                </a:solidFill>
+                <a:latin typeface="Calibri" panose="020F0502020204030204" pitchFamily="34" charset="0"/>
+                <a:ea typeface="宋体" panose="02010600030101010101" pitchFamily="2" charset="-122"/>
+              </a:defRPr>
+            </a:lvl2pPr>
+            <a:lvl3pPr marL="1143000" indent="-228600">
+              <a:defRPr>
+                <a:solidFill>
+                  <a:schemeClr val="tx1"/>
+                </a:solidFill>
+                <a:latin typeface="Calibri" panose="020F0502020204030204" pitchFamily="34" charset="0"/>
+                <a:ea typeface="宋体" panose="02010600030101010101" pitchFamily="2" charset="-122"/>
+              </a:defRPr>
+            </a:lvl3pPr>
+            <a:lvl4pPr marL="1600200" indent="-228600">
+              <a:defRPr>
+                <a:solidFill>
+                  <a:schemeClr val="tx1"/>
+                </a:solidFill>
+                <a:latin typeface="Calibri" panose="020F0502020204030204" pitchFamily="34" charset="0"/>
+                <a:ea typeface="宋体" panose="02010600030101010101" pitchFamily="2" charset="-122"/>
+              </a:defRPr>
+            </a:lvl4pPr>
+            <a:lvl5pPr marL="2057400" indent="-228600">
+              <a:defRPr>
+                <a:solidFill>
+                  <a:schemeClr val="tx1"/>
+                </a:solidFill>
+                <a:latin typeface="Calibri" panose="020F0502020204030204" pitchFamily="34" charset="0"/>
+                <a:ea typeface="宋体" panose="02010600030101010101" pitchFamily="2" charset="-122"/>
+              </a:defRPr>
+            </a:lvl5pPr>
+            <a:lvl6pPr marL="2514600" indent="-228600" eaLnBrk="0" fontAlgn="base" hangingPunct="0">
+              <a:spcBef>
+                <a:spcPct val="0"/>
+              </a:spcBef>
+              <a:spcAft>
+                <a:spcPct val="0"/>
+              </a:spcAft>
+              <a:defRPr>
+                <a:solidFill>
+                  <a:schemeClr val="tx1"/>
+                </a:solidFill>
+                <a:latin typeface="Calibri" panose="020F0502020204030204" pitchFamily="34" charset="0"/>
+                <a:ea typeface="宋体" panose="02010600030101010101" pitchFamily="2" charset="-122"/>
+              </a:defRPr>
+            </a:lvl6pPr>
+            <a:lvl7pPr marL="2971800" indent="-228600" eaLnBrk="0" fontAlgn="base" hangingPunct="0">
+              <a:spcBef>
+                <a:spcPct val="0"/>
+              </a:spcBef>
+              <a:spcAft>
+                <a:spcPct val="0"/>
+              </a:spcAft>
+              <a:defRPr>
+                <a:solidFill>
+                  <a:schemeClr val="tx1"/>
+                </a:solidFill>
+                <a:latin typeface="Calibri" panose="020F0502020204030204" pitchFamily="34" charset="0"/>
+                <a:ea typeface="宋体" panose="02010600030101010101" pitchFamily="2" charset="-122"/>
+              </a:defRPr>
+            </a:lvl7pPr>
+            <a:lvl8pPr marL="3429000" indent="-228600" eaLnBrk="0" fontAlgn="base" hangingPunct="0">
+              <a:spcBef>
+                <a:spcPct val="0"/>
+              </a:spcBef>
+              <a:spcAft>
+                <a:spcPct val="0"/>
+              </a:spcAft>
+              <a:defRPr>
+                <a:solidFill>
+                  <a:schemeClr val="tx1"/>
+                </a:solidFill>
+                <a:latin typeface="Calibri" panose="020F0502020204030204" pitchFamily="34" charset="0"/>
+                <a:ea typeface="宋体" panose="02010600030101010101" pitchFamily="2" charset="-122"/>
+              </a:defRPr>
+            </a:lvl8pPr>
+            <a:lvl9pPr marL="3886200" indent="-228600" eaLnBrk="0" fontAlgn="base" hangingPunct="0">
+              <a:spcBef>
+                <a:spcPct val="0"/>
+              </a:spcBef>
+              <a:spcAft>
+                <a:spcPct val="0"/>
+              </a:spcAft>
+              <a:defRPr>
+                <a:solidFill>
+                  <a:schemeClr val="tx1"/>
+                </a:solidFill>
+                <a:latin typeface="Calibri" panose="020F0502020204030204" pitchFamily="34" charset="0"/>
+                <a:ea typeface="宋体" panose="02010600030101010101" pitchFamily="2" charset="-122"/>
+              </a:defRPr>
+            </a:lvl9pPr>
+          </a:lstStyle>
+          <a:p>
+            <a:pPr eaLnBrk="1" fontAlgn="auto" hangingPunct="1">
+              <a:spcBef>
+                <a:spcPts val="0"/>
+              </a:spcBef>
+              <a:spcAft>
+                <a:spcPts val="0"/>
+              </a:spcAft>
+              <a:defRPr/>
+            </a:pPr>
+            <a:r>
+              <a:rPr lang="en-US" altLang="zh-CN" sz="6000" dirty="0">
+                <a:solidFill>
+                  <a:schemeClr val="accent1"/>
+                </a:solidFill>
+                <a:latin typeface="+mj-lt"/>
+                <a:ea typeface="微软雅黑" panose="020B0503020204020204" pitchFamily="34" charset="-122"/>
+              </a:rPr>
+              <a:t>THANKS</a:t>
+            </a:r>
+          </a:p>
+        </p:txBody>
+      </p:sp>
+      <p:sp>
+        <p:nvSpPr>
+          <p:cNvPr id="3" name="空心弧 2"/>
+          <p:cNvSpPr/>
+          <p:nvPr>
+            <p:custDataLst>
+              <p:tags r:id="rId3"/>
+            </p:custDataLst>
+          </p:nvPr>
+        </p:nvSpPr>
+        <p:spPr bwMode="auto">
+          <a:xfrm rot="7086271">
+            <a:off x="5027613" y="2576513"/>
+            <a:ext cx="1482725" cy="1482725"/>
+          </a:xfrm>
+          <a:prstGeom prst="blockArc">
+            <a:avLst>
+              <a:gd name="adj1" fmla="val 5502533"/>
+              <a:gd name="adj2" fmla="val 1980318"/>
+              <a:gd name="adj3" fmla="val 1053"/>
+            </a:avLst>
+          </a:prstGeom>
+          <a:solidFill>
+            <a:schemeClr val="accent1"/>
+          </a:solidFill>
+          <a:ln w="3175">
+            <a:solidFill>
+              <a:schemeClr val="accent1"/>
+            </a:solidFill>
+          </a:ln>
+        </p:spPr>
+        <p:style>
+          <a:lnRef idx="2">
+            <a:schemeClr val="accent1">
+              <a:shade val="50000"/>
+            </a:schemeClr>
+          </a:lnRef>
+          <a:fillRef idx="1">
+            <a:schemeClr val="accent1"/>
+          </a:fillRef>
+          <a:effectRef idx="0">
+            <a:schemeClr val="accent1"/>
+          </a:effectRef>
+          <a:fontRef idx="minor">
+            <a:schemeClr val="lt1"/>
+          </a:fontRef>
+        </p:style>
+        <p:txBody>
+          <a:bodyPr anchor="ctr"/>
+          <a:lstStyle/>
+          <a:p>
+            <a:pPr algn="ctr" eaLnBrk="1" fontAlgn="auto" hangingPunct="1">
+              <a:spcBef>
+                <a:spcPts val="0"/>
+              </a:spcBef>
+              <a:spcAft>
+                <a:spcPts val="0"/>
+              </a:spcAft>
+              <a:defRPr/>
+            </a:pPr>
+            <a:endParaRPr lang="zh-CN" altLang="en-US">
+              <a:solidFill>
+                <a:schemeClr val="tx1"/>
+              </a:solidFill>
+            </a:endParaRPr>
+          </a:p>
+        </p:txBody>
+      </p:sp>
+      <p:sp>
+        <p:nvSpPr>
+          <p:cNvPr id="4" name="TextBox 8"/>
+          <p:cNvSpPr txBox="1">
+            <a:spLocks noChangeArrowheads="1"/>
+          </p:cNvSpPr>
+          <p:nvPr>
+            <p:custDataLst>
+              <p:tags r:id="rId4"/>
+            </p:custDataLst>
+          </p:nvPr>
+        </p:nvSpPr>
+        <p:spPr bwMode="auto">
+          <a:xfrm>
+            <a:off x="2890838" y="3660775"/>
+            <a:ext cx="2192337" cy="369888"/>
+          </a:xfrm>
+          <a:prstGeom prst="rect">
+            <a:avLst/>
+          </a:prstGeom>
+          <a:noFill/>
+          <a:ln>
+            <a:noFill/>
+          </a:ln>
+          <a:extLst>
+            <a:ext uri="{909E8E84-426E-40DD-AFC4-6F175D3DCCD1}">
+              <a14:hiddenFill xmlns:a14="http://schemas.microsoft.com/office/drawing/2010/main">
+                <a:solidFill>
+                  <a:srgbClr val="FFFFFF"/>
+                </a:solidFill>
+              </a14:hiddenFill>
+            </a:ext>
+            <a:ext uri="{91240B29-F687-4F45-9708-019B960494DF}">
+              <a14:hiddenLine xmlns:a14="http://schemas.microsoft.com/office/drawing/2010/main" w="9525">
+                <a:solidFill>
+                  <a:srgbClr val="000000"/>
+                </a:solidFill>
+                <a:miter lim="800000"/>
+                <a:headEnd/>
+                <a:tailEnd/>
+              </a14:hiddenLine>
+            </a:ext>
+          </a:extLst>
+        </p:spPr>
+        <p:txBody>
+          <a:bodyPr>
+            <a:spAutoFit/>
+          </a:bodyPr>
+          <a:lstStyle>
+            <a:lvl1pPr>
+              <a:defRPr sz="2800">
+                <a:solidFill>
+                  <a:schemeClr val="tx1"/>
+                </a:solidFill>
+                <a:latin typeface="Calibri" pitchFamily="34" charset="0"/>
+                <a:ea typeface="宋体" pitchFamily="2" charset="-122"/>
+              </a:defRPr>
+            </a:lvl1pPr>
+            <a:lvl2pPr marL="742950" indent="-285750">
+              <a:defRPr sz="2400">
+                <a:solidFill>
+                  <a:schemeClr val="tx1"/>
+                </a:solidFill>
+                <a:latin typeface="Calibri" pitchFamily="34" charset="0"/>
+                <a:ea typeface="宋体" pitchFamily="2" charset="-122"/>
+              </a:defRPr>
+            </a:lvl2pPr>
+            <a:lvl3pPr>
+              <a:defRPr sz="2000">
+                <a:solidFill>
+                  <a:schemeClr val="tx1"/>
+                </a:solidFill>
+                <a:latin typeface="Calibri" pitchFamily="34" charset="0"/>
+                <a:ea typeface="宋体" pitchFamily="2" charset="-122"/>
+              </a:defRPr>
+            </a:lvl3pPr>
+            <a:lvl4pPr>
+              <a:defRPr>
+                <a:solidFill>
+                  <a:schemeClr val="tx1"/>
+                </a:solidFill>
+                <a:latin typeface="Calibri" pitchFamily="34" charset="0"/>
+                <a:ea typeface="宋体" pitchFamily="2" charset="-122"/>
+              </a:defRPr>
+            </a:lvl4pPr>
+            <a:lvl5pPr>
+              <a:defRPr>
+                <a:solidFill>
+                  <a:schemeClr val="tx1"/>
+                </a:solidFill>
+                <a:latin typeface="Calibri" pitchFamily="34" charset="0"/>
+                <a:ea typeface="宋体" pitchFamily="2" charset="-122"/>
+              </a:defRPr>
+            </a:lvl5pPr>
+            <a:lvl6pPr eaLnBrk="0" fontAlgn="base" hangingPunct="0">
+              <a:spcAft>
+                <a:spcPct val="0"/>
+              </a:spcAft>
+              <a:buFont typeface="Arial" charset="0"/>
+              <a:defRPr>
+                <a:solidFill>
+                  <a:schemeClr val="tx1"/>
+                </a:solidFill>
+                <a:latin typeface="Calibri" pitchFamily="34" charset="0"/>
+                <a:ea typeface="宋体" pitchFamily="2" charset="-122"/>
+              </a:defRPr>
+            </a:lvl6pPr>
+            <a:lvl7pPr eaLnBrk="0" fontAlgn="base" hangingPunct="0">
+              <a:spcAft>
+                <a:spcPct val="0"/>
+              </a:spcAft>
+              <a:buFont typeface="Arial" charset="0"/>
+              <a:defRPr>
+                <a:solidFill>
+                  <a:schemeClr val="tx1"/>
+                </a:solidFill>
+                <a:latin typeface="Calibri" pitchFamily="34" charset="0"/>
+                <a:ea typeface="宋体" pitchFamily="2" charset="-122"/>
+              </a:defRPr>
+            </a:lvl7pPr>
+            <a:lvl8pPr eaLnBrk="0" fontAlgn="base" hangingPunct="0">
+              <a:spcAft>
+                <a:spcPct val="0"/>
+              </a:spcAft>
+              <a:buFont typeface="Arial" charset="0"/>
+              <a:defRPr>
+                <a:solidFill>
+                  <a:schemeClr val="tx1"/>
+                </a:solidFill>
+                <a:latin typeface="Calibri" pitchFamily="34" charset="0"/>
+                <a:ea typeface="宋体" pitchFamily="2" charset="-122"/>
+              </a:defRPr>
+            </a:lvl8pPr>
+            <a:lvl9pPr eaLnBrk="0" fontAlgn="base" hangingPunct="0">
+              <a:spcAft>
+                <a:spcPct val="0"/>
+              </a:spcAft>
+              <a:buFont typeface="Arial" charset="0"/>
+              <a:defRPr>
+                <a:solidFill>
+                  <a:schemeClr val="tx1"/>
+                </a:solidFill>
+                <a:latin typeface="Calibri" pitchFamily="34" charset="0"/>
+                <a:ea typeface="宋体" pitchFamily="2" charset="-122"/>
+              </a:defRPr>
+            </a:lvl9pPr>
+          </a:lstStyle>
+          <a:p>
+            <a:pPr algn="dist" eaLnBrk="1" fontAlgn="auto" hangingPunct="1">
+              <a:spcBef>
+                <a:spcPts val="0"/>
+              </a:spcBef>
+              <a:spcAft>
+                <a:spcPts val="0"/>
+              </a:spcAft>
+              <a:defRPr/>
+            </a:pPr>
+            <a:r>
+              <a:rPr lang="zh-CN" altLang="en-US" sz="1800" dirty="0" smtClean="0">
+                <a:latin typeface="+mn-ea"/>
+                <a:ea typeface="+mn-ea"/>
+              </a:rPr>
+              <a:t>谢谢聆听</a:t>
+            </a:r>
+          </a:p>
+        </p:txBody>
+      </p:sp>
+    </p:spTree>
+    <p:custDataLst>
+      <p:tags r:id="rId1"/>
+    </p:custDataLst>
+    <p:extLst>
+      <p:ext uri="{BB962C8B-B14F-4D97-AF65-F5344CB8AC3E}">
+        <p14:creationId xmlns:p14="http://schemas.microsoft.com/office/powerpoint/2010/main" val="2442828368"/>
+      </p:ext>
+    </p:extLst>
+  </p:cSld>
+  <p:clrMapOvr>
+    <a:masterClrMapping/>
+  </p:clrMapOvr>
+  <p:timing>
+    <p:tnLst>
+      <p:par>
+        <p:cTn id="1" dur="indefinite" restart="never" nodeType="tmRoot"/>
+      </p:par>
+    </p:tnLst>
+  </p:timing>
 </p:sld>
 </file>
 
@@ -3229,7 +6095,11 @@
           <a:p>
             <a:r>
               <a:rPr lang="zh-CN" altLang="en-US" dirty="0" smtClean="0"/>
-              <a:t>配置管理规范</a:t>
+              <a:t>配置管</a:t>
+            </a:r>
+            <a:r>
+              <a:rPr lang="zh-CN" altLang="en-US" dirty="0" smtClean="0"/>
+              <a:t>理</a:t>
             </a:r>
             <a:endParaRPr lang="zh-CN" altLang="en-US" dirty="0"/>
           </a:p>
@@ -3251,23 +6121,27 @@
           <a:lstStyle/>
           <a:p>
             <a:r>
-              <a:rPr lang="zh-CN" altLang="en-US" dirty="0"/>
-              <a:t>目</a:t>
-            </a:r>
-            <a:r>
               <a:rPr lang="zh-CN" altLang="en-US" dirty="0" smtClean="0"/>
-              <a:t>的</a:t>
+              <a:t>软件配置管理概念</a:t>
             </a:r>
             <a:endParaRPr lang="en-US" altLang="zh-CN" dirty="0" smtClean="0"/>
           </a:p>
           <a:p>
+            <a:r>
+              <a:rPr lang="zh-CN" altLang="en-US" dirty="0" smtClean="0"/>
+              <a:t>发展历程</a:t>
+            </a:r>
             <a:endParaRPr lang="en-US" altLang="zh-CN" dirty="0" smtClean="0"/>
           </a:p>
           <a:p>
             <a:r>
-              <a:rPr lang="zh-CN" altLang="en-US" dirty="0"/>
-              <a:t>范围</a:t>
-            </a:r>
+              <a:rPr lang="zh-CN" altLang="en-US" dirty="0" smtClean="0"/>
+              <a:t>图表</a:t>
+            </a:r>
+            <a:endParaRPr lang="en-US" altLang="zh-CN" dirty="0" smtClean="0"/>
+          </a:p>
+          <a:p>
+            <a:endParaRPr lang="en-US" altLang="zh-CN" dirty="0" smtClean="0"/>
           </a:p>
         </p:txBody>
       </p:sp>
@@ -3341,12 +6215,496 @@
           <a:p>
             <a:r>
               <a:rPr lang="zh-CN" altLang="en-US" dirty="0" smtClean="0"/>
-              <a:t>表格</a:t>
-            </a:r>
+              <a:t>表</a:t>
+            </a:r>
+            <a:r>
+              <a:rPr lang="zh-CN" altLang="en-US" dirty="0" smtClean="0"/>
+              <a:t>格</a:t>
+            </a:r>
+            <a:endParaRPr lang="en-US" altLang="zh-CN" dirty="0" smtClean="0"/>
+          </a:p>
+          <a:p>
             <a:endParaRPr lang="zh-CN" altLang="en-US" dirty="0"/>
           </a:p>
         </p:txBody>
       </p:sp>
+      <p:graphicFrame>
+        <p:nvGraphicFramePr>
+          <p:cNvPr id="4" name="表格 3"/>
+          <p:cNvGraphicFramePr>
+            <a:graphicFrameLocks noGrp="1"/>
+          </p:cNvGraphicFramePr>
+          <p:nvPr>
+            <p:extLst>
+              <p:ext uri="{D42A27DB-BD31-4B8C-83A1-F6EECF244321}">
+                <p14:modId xmlns:p14="http://schemas.microsoft.com/office/powerpoint/2010/main" val="1632097419"/>
+              </p:ext>
+            </p:extLst>
+          </p:nvPr>
+        </p:nvGraphicFramePr>
+        <p:xfrm>
+          <a:off x="1270000" y="2276872"/>
+          <a:ext cx="6686376" cy="2520280"/>
+        </p:xfrm>
+        <a:graphic>
+          <a:graphicData uri="http://schemas.openxmlformats.org/drawingml/2006/table">
+            <a:tbl>
+              <a:tblPr firstRow="1" firstCol="1" bandRow="1">
+                <a:tableStyleId>{5C22544A-7EE6-4342-B048-85BDC9FD1C3A}</a:tableStyleId>
+              </a:tblPr>
+              <a:tblGrid>
+                <a:gridCol w="1330399">
+                  <a:extLst>
+                    <a:ext uri="{9D8B030D-6E8A-4147-A177-3AD203B41FA5}">
+                      <a16:colId xmlns:a16="http://schemas.microsoft.com/office/drawing/2014/main" val="3231022718"/>
+                    </a:ext>
+                  </a:extLst>
+                </a:gridCol>
+                <a:gridCol w="5355977">
+                  <a:extLst>
+                    <a:ext uri="{9D8B030D-6E8A-4147-A177-3AD203B41FA5}">
+                      <a16:colId xmlns:a16="http://schemas.microsoft.com/office/drawing/2014/main" val="2035063380"/>
+                    </a:ext>
+                  </a:extLst>
+                </a:gridCol>
+              </a:tblGrid>
+              <a:tr h="366343">
+                <a:tc>
+                  <a:txBody>
+                    <a:bodyPr/>
+                    <a:lstStyle/>
+                    <a:p>
+                      <a:pPr algn="ctr">
+                        <a:lnSpc>
+                          <a:spcPct val="150000"/>
+                        </a:lnSpc>
+                        <a:spcAft>
+                          <a:spcPts val="0"/>
+                        </a:spcAft>
+                      </a:pPr>
+                      <a:r>
+                        <a:rPr lang="zh-CN" sz="1000" kern="0">
+                          <a:effectLst/>
+                        </a:rPr>
+                        <a:t>术语</a:t>
+                      </a:r>
+                      <a:endParaRPr lang="zh-CN" sz="1050" kern="100">
+                        <a:effectLst/>
+                        <a:latin typeface="Calibri" panose="020F0502020204030204" pitchFamily="34" charset="0"/>
+                        <a:ea typeface="宋体" panose="02010600030101010101" pitchFamily="2" charset="-122"/>
+                        <a:cs typeface="Times New Roman" panose="02020603050405020304" pitchFamily="18" charset="0"/>
+                      </a:endParaRPr>
+                    </a:p>
+                  </a:txBody>
+                  <a:tcPr marL="68580" marR="68580" marT="0" marB="0" anchor="ctr"/>
+                </a:tc>
+                <a:tc>
+                  <a:txBody>
+                    <a:bodyPr/>
+                    <a:lstStyle/>
+                    <a:p>
+                      <a:pPr algn="ctr">
+                        <a:lnSpc>
+                          <a:spcPct val="150000"/>
+                        </a:lnSpc>
+                        <a:spcAft>
+                          <a:spcPts val="0"/>
+                        </a:spcAft>
+                      </a:pPr>
+                      <a:r>
+                        <a:rPr lang="zh-CN" sz="1000" kern="0">
+                          <a:effectLst/>
+                        </a:rPr>
+                        <a:t>含义</a:t>
+                      </a:r>
+                      <a:endParaRPr lang="zh-CN" sz="1050" kern="100">
+                        <a:effectLst/>
+                        <a:latin typeface="Calibri" panose="020F0502020204030204" pitchFamily="34" charset="0"/>
+                        <a:ea typeface="宋体" panose="02010600030101010101" pitchFamily="2" charset="-122"/>
+                        <a:cs typeface="Times New Roman" panose="02020603050405020304" pitchFamily="18" charset="0"/>
+                      </a:endParaRPr>
+                    </a:p>
+                  </a:txBody>
+                  <a:tcPr marL="68580" marR="68580" marT="0" marB="0" anchor="ctr"/>
+                </a:tc>
+                <a:extLst>
+                  <a:ext uri="{0D108BD9-81ED-4DB2-BD59-A6C34878D82A}">
+                    <a16:rowId xmlns:a16="http://schemas.microsoft.com/office/drawing/2014/main" val="2819716862"/>
+                  </a:ext>
+                </a:extLst>
+              </a:tr>
+              <a:tr h="792649">
+                <a:tc>
+                  <a:txBody>
+                    <a:bodyPr/>
+                    <a:lstStyle/>
+                    <a:p>
+                      <a:pPr algn="l">
+                        <a:lnSpc>
+                          <a:spcPct val="150000"/>
+                        </a:lnSpc>
+                        <a:spcAft>
+                          <a:spcPts val="0"/>
+                        </a:spcAft>
+                      </a:pPr>
+                      <a:r>
+                        <a:rPr lang="zh-CN" sz="900" kern="0">
+                          <a:effectLst/>
+                        </a:rPr>
+                        <a:t>配置管理（</a:t>
+                      </a:r>
+                      <a:r>
+                        <a:rPr lang="en-US" sz="900" kern="0">
+                          <a:effectLst/>
+                        </a:rPr>
+                        <a:t>SCM</a:t>
+                      </a:r>
+                      <a:r>
+                        <a:rPr lang="zh-CN" sz="900" kern="0">
+                          <a:effectLst/>
+                        </a:rPr>
+                        <a:t>）</a:t>
+                      </a:r>
+                      <a:endParaRPr lang="zh-CN" sz="1050" kern="100">
+                        <a:effectLst/>
+                        <a:latin typeface="Calibri" panose="020F0502020204030204" pitchFamily="34" charset="0"/>
+                        <a:ea typeface="宋体" panose="02010600030101010101" pitchFamily="2" charset="-122"/>
+                        <a:cs typeface="Times New Roman" panose="02020603050405020304" pitchFamily="18" charset="0"/>
+                      </a:endParaRPr>
+                    </a:p>
+                  </a:txBody>
+                  <a:tcPr marL="68580" marR="68580" marT="0" marB="0" anchor="ctr"/>
+                </a:tc>
+                <a:tc>
+                  <a:txBody>
+                    <a:bodyPr/>
+                    <a:lstStyle/>
+                    <a:p>
+                      <a:pPr algn="l">
+                        <a:lnSpc>
+                          <a:spcPct val="150000"/>
+                        </a:lnSpc>
+                        <a:spcAft>
+                          <a:spcPts val="0"/>
+                        </a:spcAft>
+                      </a:pPr>
+                      <a:r>
+                        <a:rPr lang="zh-CN" sz="900" kern="0">
+                          <a:effectLst/>
+                        </a:rPr>
+                        <a:t>配置管理</a:t>
+                      </a:r>
+                      <a:r>
+                        <a:rPr lang="en-US" sz="900" kern="0">
+                          <a:effectLst/>
+                        </a:rPr>
+                        <a:t>(Software Configuration Management</a:t>
+                      </a:r>
+                      <a:r>
+                        <a:rPr lang="zh-CN" sz="900" kern="0">
+                          <a:effectLst/>
+                        </a:rPr>
+                        <a:t>，</a:t>
+                      </a:r>
+                      <a:r>
+                        <a:rPr lang="en-US" sz="900" kern="0">
+                          <a:effectLst/>
+                        </a:rPr>
+                        <a:t>SCM)</a:t>
+                      </a:r>
+                      <a:r>
+                        <a:rPr lang="zh-CN" sz="900" kern="0">
+                          <a:effectLst/>
+                        </a:rPr>
+                        <a:t>是通过技术或行政手段对软件产品及其开发过程和生命周期进行控制、规范的一系列措施。</a:t>
+                      </a:r>
+                      <a:endParaRPr lang="zh-CN" sz="1050" kern="100">
+                        <a:effectLst/>
+                        <a:latin typeface="Calibri" panose="020F0502020204030204" pitchFamily="34" charset="0"/>
+                        <a:ea typeface="宋体" panose="02010600030101010101" pitchFamily="2" charset="-122"/>
+                        <a:cs typeface="Times New Roman" panose="02020603050405020304" pitchFamily="18" charset="0"/>
+                      </a:endParaRPr>
+                    </a:p>
+                  </a:txBody>
+                  <a:tcPr marL="68580" marR="68580" marT="0" marB="0" anchor="ctr"/>
+                </a:tc>
+                <a:extLst>
+                  <a:ext uri="{0D108BD9-81ED-4DB2-BD59-A6C34878D82A}">
+                    <a16:rowId xmlns:a16="http://schemas.microsoft.com/office/drawing/2014/main" val="2002497406"/>
+                  </a:ext>
+                </a:extLst>
+              </a:tr>
+              <a:tr h="701896">
+                <a:tc>
+                  <a:txBody>
+                    <a:bodyPr/>
+                    <a:lstStyle/>
+                    <a:p>
+                      <a:pPr algn="l">
+                        <a:lnSpc>
+                          <a:spcPct val="150000"/>
+                        </a:lnSpc>
+                        <a:spcAft>
+                          <a:spcPts val="0"/>
+                        </a:spcAft>
+                      </a:pPr>
+                      <a:r>
+                        <a:rPr lang="zh-CN" sz="900" kern="0">
+                          <a:effectLst/>
+                        </a:rPr>
+                        <a:t>配置管理员（</a:t>
+                      </a:r>
+                      <a:r>
+                        <a:rPr lang="en-US" sz="900" kern="0">
+                          <a:effectLst/>
+                        </a:rPr>
+                        <a:t>CM</a:t>
+                      </a:r>
+                      <a:r>
+                        <a:rPr lang="zh-CN" sz="900" kern="0">
+                          <a:effectLst/>
+                        </a:rPr>
+                        <a:t>）</a:t>
+                      </a:r>
+                      <a:endParaRPr lang="zh-CN" sz="1050" kern="100">
+                        <a:effectLst/>
+                        <a:latin typeface="Calibri" panose="020F0502020204030204" pitchFamily="34" charset="0"/>
+                        <a:ea typeface="宋体" panose="02010600030101010101" pitchFamily="2" charset="-122"/>
+                        <a:cs typeface="Times New Roman" panose="02020603050405020304" pitchFamily="18" charset="0"/>
+                      </a:endParaRPr>
+                    </a:p>
+                  </a:txBody>
+                  <a:tcPr marL="68580" marR="68580" marT="0" marB="0" anchor="ctr"/>
+                </a:tc>
+                <a:tc>
+                  <a:txBody>
+                    <a:bodyPr/>
+                    <a:lstStyle/>
+                    <a:p>
+                      <a:pPr algn="l">
+                        <a:lnSpc>
+                          <a:spcPct val="150000"/>
+                        </a:lnSpc>
+                        <a:spcAft>
+                          <a:spcPts val="0"/>
+                        </a:spcAft>
+                      </a:pPr>
+                      <a:r>
+                        <a:rPr lang="zh-CN" sz="900" kern="0">
+                          <a:effectLst/>
+                        </a:rPr>
+                        <a:t>配置管理员（</a:t>
+                      </a:r>
+                      <a:r>
+                        <a:rPr lang="en-US" sz="900" kern="0">
+                          <a:effectLst/>
+                        </a:rPr>
+                        <a:t>Software Configuration Management Engineer</a:t>
+                      </a:r>
+                      <a:r>
+                        <a:rPr lang="zh-CN" sz="900" kern="0">
+                          <a:effectLst/>
+                        </a:rPr>
+                        <a:t>，</a:t>
+                      </a:r>
+                      <a:r>
+                        <a:rPr lang="en-US" sz="900" kern="0">
+                          <a:effectLst/>
+                        </a:rPr>
+                        <a:t>CM)</a:t>
+                      </a:r>
+                      <a:r>
+                        <a:rPr lang="zh-CN" sz="900" kern="0">
+                          <a:effectLst/>
+                        </a:rPr>
+                        <a:t>是在软件项目开发过程中进行配置管理的人员。</a:t>
+                      </a:r>
+                      <a:endParaRPr lang="zh-CN" sz="1050" kern="100">
+                        <a:effectLst/>
+                        <a:latin typeface="Calibri" panose="020F0502020204030204" pitchFamily="34" charset="0"/>
+                        <a:ea typeface="宋体" panose="02010600030101010101" pitchFamily="2" charset="-122"/>
+                        <a:cs typeface="Times New Roman" panose="02020603050405020304" pitchFamily="18" charset="0"/>
+                      </a:endParaRPr>
+                    </a:p>
+                  </a:txBody>
+                  <a:tcPr marL="68580" marR="68580" marT="0" marB="0" anchor="ctr"/>
+                </a:tc>
+                <a:extLst>
+                  <a:ext uri="{0D108BD9-81ED-4DB2-BD59-A6C34878D82A}">
+                    <a16:rowId xmlns:a16="http://schemas.microsoft.com/office/drawing/2014/main" val="2819895970"/>
+                  </a:ext>
+                </a:extLst>
+              </a:tr>
+              <a:tr h="329696">
+                <a:tc>
+                  <a:txBody>
+                    <a:bodyPr/>
+                    <a:lstStyle/>
+                    <a:p>
+                      <a:pPr algn="l">
+                        <a:lnSpc>
+                          <a:spcPct val="150000"/>
+                        </a:lnSpc>
+                        <a:spcAft>
+                          <a:spcPts val="0"/>
+                        </a:spcAft>
+                      </a:pPr>
+                      <a:r>
+                        <a:rPr lang="zh-CN" sz="900" kern="0">
+                          <a:effectLst/>
+                        </a:rPr>
+                        <a:t>配置项（</a:t>
+                      </a:r>
+                      <a:r>
+                        <a:rPr lang="en-US" sz="900" kern="0">
+                          <a:effectLst/>
+                        </a:rPr>
+                        <a:t>CI</a:t>
+                      </a:r>
+                      <a:r>
+                        <a:rPr lang="zh-CN" sz="900" kern="0">
+                          <a:effectLst/>
+                        </a:rPr>
+                        <a:t>）</a:t>
+                      </a:r>
+                      <a:endParaRPr lang="zh-CN" sz="1050" kern="100">
+                        <a:effectLst/>
+                        <a:latin typeface="Calibri" panose="020F0502020204030204" pitchFamily="34" charset="0"/>
+                        <a:ea typeface="宋体" panose="02010600030101010101" pitchFamily="2" charset="-122"/>
+                        <a:cs typeface="Times New Roman" panose="02020603050405020304" pitchFamily="18" charset="0"/>
+                      </a:endParaRPr>
+                    </a:p>
+                  </a:txBody>
+                  <a:tcPr marL="68580" marR="68580" marT="0" marB="0" anchor="ctr"/>
+                </a:tc>
+                <a:tc>
+                  <a:txBody>
+                    <a:bodyPr/>
+                    <a:lstStyle/>
+                    <a:p>
+                      <a:pPr algn="l">
+                        <a:lnSpc>
+                          <a:spcPct val="150000"/>
+                        </a:lnSpc>
+                        <a:spcAft>
+                          <a:spcPts val="0"/>
+                        </a:spcAft>
+                      </a:pPr>
+                      <a:r>
+                        <a:rPr lang="zh-CN" sz="900" kern="0">
+                          <a:effectLst/>
+                        </a:rPr>
+                        <a:t>凡是纳入配置管理范畴的工作成果都是配置项。</a:t>
+                      </a:r>
+                      <a:endParaRPr lang="zh-CN" sz="1050" kern="100">
+                        <a:effectLst/>
+                        <a:latin typeface="Calibri" panose="020F0502020204030204" pitchFamily="34" charset="0"/>
+                        <a:ea typeface="宋体" panose="02010600030101010101" pitchFamily="2" charset="-122"/>
+                        <a:cs typeface="Times New Roman" panose="02020603050405020304" pitchFamily="18" charset="0"/>
+                      </a:endParaRPr>
+                    </a:p>
+                  </a:txBody>
+                  <a:tcPr marL="68580" marR="68580" marT="0" marB="0" anchor="ctr"/>
+                </a:tc>
+                <a:extLst>
+                  <a:ext uri="{0D108BD9-81ED-4DB2-BD59-A6C34878D82A}">
+                    <a16:rowId xmlns:a16="http://schemas.microsoft.com/office/drawing/2014/main" val="3149573551"/>
+                  </a:ext>
+                </a:extLst>
+              </a:tr>
+              <a:tr h="329696">
+                <a:tc>
+                  <a:txBody>
+                    <a:bodyPr/>
+                    <a:lstStyle/>
+                    <a:p>
+                      <a:pPr algn="l">
+                        <a:lnSpc>
+                          <a:spcPct val="150000"/>
+                        </a:lnSpc>
+                        <a:spcAft>
+                          <a:spcPts val="0"/>
+                        </a:spcAft>
+                      </a:pPr>
+                      <a:r>
+                        <a:rPr lang="zh-CN" sz="900" kern="0">
+                          <a:effectLst/>
+                        </a:rPr>
+                        <a:t>版本号（</a:t>
+                      </a:r>
+                      <a:r>
+                        <a:rPr lang="en-US" sz="900" kern="0">
+                          <a:effectLst/>
+                        </a:rPr>
+                        <a:t>VN</a:t>
+                      </a:r>
+                      <a:r>
+                        <a:rPr lang="zh-CN" sz="900" kern="0">
+                          <a:effectLst/>
+                        </a:rPr>
+                        <a:t>）</a:t>
+                      </a:r>
+                      <a:endParaRPr lang="zh-CN" sz="1050" kern="100">
+                        <a:effectLst/>
+                        <a:latin typeface="Calibri" panose="020F0502020204030204" pitchFamily="34" charset="0"/>
+                        <a:ea typeface="宋体" panose="02010600030101010101" pitchFamily="2" charset="-122"/>
+                        <a:cs typeface="Times New Roman" panose="02020603050405020304" pitchFamily="18" charset="0"/>
+                      </a:endParaRPr>
+                    </a:p>
+                  </a:txBody>
+                  <a:tcPr marL="68580" marR="68580" marT="0" marB="0" anchor="ctr"/>
+                </a:tc>
+                <a:tc>
+                  <a:txBody>
+                    <a:bodyPr/>
+                    <a:lstStyle/>
+                    <a:p>
+                      <a:pPr algn="l">
+                        <a:lnSpc>
+                          <a:spcPct val="150000"/>
+                        </a:lnSpc>
+                        <a:spcAft>
+                          <a:spcPts val="0"/>
+                        </a:spcAft>
+                      </a:pPr>
+                      <a:r>
+                        <a:rPr lang="zh-CN" sz="900" kern="0" dirty="0">
+                          <a:effectLst/>
+                        </a:rPr>
+                        <a:t>版本号</a:t>
+                      </a:r>
+                      <a:r>
+                        <a:rPr lang="en-US" sz="900" kern="0" dirty="0">
+                          <a:effectLst/>
+                        </a:rPr>
+                        <a:t>(Version Number)</a:t>
+                      </a:r>
+                      <a:r>
+                        <a:rPr lang="zh-CN" sz="900" kern="0" dirty="0">
+                          <a:effectLst/>
+                        </a:rPr>
+                        <a:t>是版本的标识号。</a:t>
+                      </a:r>
+                      <a:endParaRPr lang="zh-CN" sz="1050" kern="100" dirty="0">
+                        <a:effectLst/>
+                        <a:latin typeface="Calibri" panose="020F0502020204030204" pitchFamily="34" charset="0"/>
+                        <a:ea typeface="宋体" panose="02010600030101010101" pitchFamily="2" charset="-122"/>
+                        <a:cs typeface="Times New Roman" panose="02020603050405020304" pitchFamily="18" charset="0"/>
+                      </a:endParaRPr>
+                    </a:p>
+                  </a:txBody>
+                  <a:tcPr marL="68580" marR="68580" marT="0" marB="0" anchor="ctr"/>
+                </a:tc>
+                <a:extLst>
+                  <a:ext uri="{0D108BD9-81ED-4DB2-BD59-A6C34878D82A}">
+                    <a16:rowId xmlns:a16="http://schemas.microsoft.com/office/drawing/2014/main" val="1857630537"/>
+                  </a:ext>
+                </a:extLst>
+              </a:tr>
+            </a:tbl>
+          </a:graphicData>
+        </a:graphic>
+      </p:graphicFrame>
     </p:spTree>
     <p:extLst>
       <p:ext uri="{BB962C8B-B14F-4D97-AF65-F5344CB8AC3E}">
@@ -3423,6 +6781,1079 @@
           </a:p>
         </p:txBody>
       </p:sp>
+      <p:graphicFrame>
+        <p:nvGraphicFramePr>
+          <p:cNvPr id="4" name="表格 3"/>
+          <p:cNvGraphicFramePr>
+            <a:graphicFrameLocks noGrp="1"/>
+          </p:cNvGraphicFramePr>
+          <p:nvPr/>
+        </p:nvGraphicFramePr>
+        <p:xfrm>
+          <a:off x="2475706" y="2008981"/>
+          <a:ext cx="4229100" cy="3600450"/>
+        </p:xfrm>
+        <a:graphic>
+          <a:graphicData uri="http://schemas.openxmlformats.org/drawingml/2006/table">
+            <a:tbl>
+              <a:tblPr firstRow="1" firstCol="1" bandRow="1">
+                <a:tableStyleId>{5C22544A-7EE6-4342-B048-85BDC9FD1C3A}</a:tableStyleId>
+              </a:tblPr>
+              <a:tblGrid>
+                <a:gridCol w="1409700">
+                  <a:extLst>
+                    <a:ext uri="{9D8B030D-6E8A-4147-A177-3AD203B41FA5}">
+                      <a16:colId xmlns:a16="http://schemas.microsoft.com/office/drawing/2014/main" val="3852513246"/>
+                    </a:ext>
+                  </a:extLst>
+                </a:gridCol>
+                <a:gridCol w="1409700">
+                  <a:extLst>
+                    <a:ext uri="{9D8B030D-6E8A-4147-A177-3AD203B41FA5}">
+                      <a16:colId xmlns:a16="http://schemas.microsoft.com/office/drawing/2014/main" val="656971213"/>
+                    </a:ext>
+                  </a:extLst>
+                </a:gridCol>
+                <a:gridCol w="1409700">
+                  <a:extLst>
+                    <a:ext uri="{9D8B030D-6E8A-4147-A177-3AD203B41FA5}">
+                      <a16:colId xmlns:a16="http://schemas.microsoft.com/office/drawing/2014/main" val="25215994"/>
+                    </a:ext>
+                  </a:extLst>
+                </a:gridCol>
+              </a:tblGrid>
+              <a:tr h="152400">
+                <a:tc>
+                  <a:txBody>
+                    <a:bodyPr/>
+                    <a:lstStyle/>
+                    <a:p>
+                      <a:pPr algn="ctr">
+                        <a:spcAft>
+                          <a:spcPts val="0"/>
+                        </a:spcAft>
+                      </a:pPr>
+                      <a:r>
+                        <a:rPr lang="zh-CN" sz="1000" kern="0">
+                          <a:effectLst/>
+                        </a:rPr>
+                        <a:t>角色</a:t>
+                      </a:r>
+                      <a:endParaRPr lang="zh-CN" sz="1050" kern="100">
+                        <a:effectLst/>
+                        <a:latin typeface="Calibri" panose="020F0502020204030204" pitchFamily="34" charset="0"/>
+                        <a:ea typeface="宋体" panose="02010600030101010101" pitchFamily="2" charset="-122"/>
+                        <a:cs typeface="Times New Roman" panose="02020603050405020304" pitchFamily="18" charset="0"/>
+                      </a:endParaRPr>
+                    </a:p>
+                  </a:txBody>
+                  <a:tcPr marL="68580" marR="68580" marT="0" marB="0" anchor="ctr"/>
+                </a:tc>
+                <a:tc>
+                  <a:txBody>
+                    <a:bodyPr/>
+                    <a:lstStyle/>
+                    <a:p>
+                      <a:pPr algn="ctr">
+                        <a:spcAft>
+                          <a:spcPts val="0"/>
+                        </a:spcAft>
+                      </a:pPr>
+                      <a:r>
+                        <a:rPr lang="zh-CN" sz="1000" kern="0">
+                          <a:effectLst/>
+                        </a:rPr>
+                        <a:t>职责</a:t>
+                      </a:r>
+                      <a:endParaRPr lang="zh-CN" sz="1050" kern="100">
+                        <a:effectLst/>
+                        <a:latin typeface="Calibri" panose="020F0502020204030204" pitchFamily="34" charset="0"/>
+                        <a:ea typeface="宋体" panose="02010600030101010101" pitchFamily="2" charset="-122"/>
+                        <a:cs typeface="Times New Roman" panose="02020603050405020304" pitchFamily="18" charset="0"/>
+                      </a:endParaRPr>
+                    </a:p>
+                  </a:txBody>
+                  <a:tcPr marL="68580" marR="68580" marT="0" marB="0" anchor="ctr"/>
+                </a:tc>
+                <a:tc>
+                  <a:txBody>
+                    <a:bodyPr/>
+                    <a:lstStyle/>
+                    <a:p>
+                      <a:pPr algn="ctr">
+                        <a:spcAft>
+                          <a:spcPts val="0"/>
+                        </a:spcAft>
+                      </a:pPr>
+                      <a:r>
+                        <a:rPr lang="zh-CN" sz="1000" kern="0">
+                          <a:effectLst/>
+                        </a:rPr>
+                        <a:t>工作内容</a:t>
+                      </a:r>
+                      <a:endParaRPr lang="zh-CN" sz="1050" kern="100">
+                        <a:effectLst/>
+                        <a:latin typeface="Calibri" panose="020F0502020204030204" pitchFamily="34" charset="0"/>
+                        <a:ea typeface="宋体" panose="02010600030101010101" pitchFamily="2" charset="-122"/>
+                        <a:cs typeface="Times New Roman" panose="02020603050405020304" pitchFamily="18" charset="0"/>
+                      </a:endParaRPr>
+                    </a:p>
+                  </a:txBody>
+                  <a:tcPr marL="68580" marR="68580" marT="0" marB="0" anchor="ctr"/>
+                </a:tc>
+                <a:extLst>
+                  <a:ext uri="{0D108BD9-81ED-4DB2-BD59-A6C34878D82A}">
+                    <a16:rowId xmlns:a16="http://schemas.microsoft.com/office/drawing/2014/main" val="1791007999"/>
+                  </a:ext>
+                </a:extLst>
+              </a:tr>
+              <a:tr h="285750">
+                <a:tc rowSpan="15">
+                  <a:txBody>
+                    <a:bodyPr/>
+                    <a:lstStyle/>
+                    <a:p>
+                      <a:pPr algn="ctr">
+                        <a:spcAft>
+                          <a:spcPts val="0"/>
+                        </a:spcAft>
+                      </a:pPr>
+                      <a:r>
+                        <a:rPr lang="zh-CN" sz="900" kern="0">
+                          <a:effectLst/>
+                        </a:rPr>
+                        <a:t>配置管理员</a:t>
+                      </a:r>
+                      <a:endParaRPr lang="zh-CN" sz="1050" kern="100">
+                        <a:effectLst/>
+                        <a:latin typeface="Calibri" panose="020F0502020204030204" pitchFamily="34" charset="0"/>
+                        <a:ea typeface="宋体" panose="02010600030101010101" pitchFamily="2" charset="-122"/>
+                        <a:cs typeface="Times New Roman" panose="02020603050405020304" pitchFamily="18" charset="0"/>
+                      </a:endParaRPr>
+                    </a:p>
+                  </a:txBody>
+                  <a:tcPr marL="68580" marR="68580" marT="0" marB="0" anchor="ctr"/>
+                </a:tc>
+                <a:tc rowSpan="4">
+                  <a:txBody>
+                    <a:bodyPr/>
+                    <a:lstStyle/>
+                    <a:p>
+                      <a:pPr algn="l">
+                        <a:spcAft>
+                          <a:spcPts val="0"/>
+                        </a:spcAft>
+                      </a:pPr>
+                      <a:r>
+                        <a:rPr lang="zh-CN" sz="900" kern="0">
+                          <a:effectLst/>
+                        </a:rPr>
+                        <a:t>配置库管理</a:t>
+                      </a:r>
+                      <a:endParaRPr lang="zh-CN" sz="1050" kern="100">
+                        <a:effectLst/>
+                        <a:latin typeface="Calibri" panose="020F0502020204030204" pitchFamily="34" charset="0"/>
+                        <a:ea typeface="宋体" panose="02010600030101010101" pitchFamily="2" charset="-122"/>
+                        <a:cs typeface="Times New Roman" panose="02020603050405020304" pitchFamily="18" charset="0"/>
+                      </a:endParaRPr>
+                    </a:p>
+                  </a:txBody>
+                  <a:tcPr marL="68580" marR="68580" marT="0" marB="0" anchor="ctr"/>
+                </a:tc>
+                <a:tc>
+                  <a:txBody>
+                    <a:bodyPr/>
+                    <a:lstStyle/>
+                    <a:p>
+                      <a:pPr algn="l">
+                        <a:spcAft>
+                          <a:spcPts val="0"/>
+                        </a:spcAft>
+                      </a:pPr>
+                      <a:r>
+                        <a:rPr lang="zh-CN" sz="900" kern="0">
+                          <a:effectLst/>
+                        </a:rPr>
+                        <a:t>确保配置库环境正常运行，按要求备份配置库</a:t>
+                      </a:r>
+                      <a:endParaRPr lang="zh-CN" sz="1050" kern="100">
+                        <a:effectLst/>
+                        <a:latin typeface="Calibri" panose="020F0502020204030204" pitchFamily="34" charset="0"/>
+                        <a:ea typeface="宋体" panose="02010600030101010101" pitchFamily="2" charset="-122"/>
+                        <a:cs typeface="Times New Roman" panose="02020603050405020304" pitchFamily="18" charset="0"/>
+                      </a:endParaRPr>
+                    </a:p>
+                  </a:txBody>
+                  <a:tcPr marL="68580" marR="68580" marT="0" marB="0" anchor="ctr"/>
+                </a:tc>
+                <a:extLst>
+                  <a:ext uri="{0D108BD9-81ED-4DB2-BD59-A6C34878D82A}">
+                    <a16:rowId xmlns:a16="http://schemas.microsoft.com/office/drawing/2014/main" val="3939534275"/>
+                  </a:ext>
+                </a:extLst>
+              </a:tr>
+              <a:tr h="171450">
+                <a:tc vMerge="1">
+                  <a:txBody>
+                    <a:bodyPr/>
+                    <a:lstStyle/>
+                    <a:p>
+                      <a:endParaRPr lang="zh-CN" altLang="en-US"/>
+                    </a:p>
+                  </a:txBody>
+                  <a:tcPr/>
+                </a:tc>
+                <a:tc vMerge="1">
+                  <a:txBody>
+                    <a:bodyPr/>
+                    <a:lstStyle/>
+                    <a:p>
+                      <a:endParaRPr lang="zh-CN" altLang="en-US"/>
+                    </a:p>
+                  </a:txBody>
+                  <a:tcPr/>
+                </a:tc>
+                <a:tc>
+                  <a:txBody>
+                    <a:bodyPr/>
+                    <a:lstStyle/>
+                    <a:p>
+                      <a:pPr algn="l">
+                        <a:spcAft>
+                          <a:spcPts val="0"/>
+                        </a:spcAft>
+                      </a:pPr>
+                      <a:r>
+                        <a:rPr lang="zh-CN" sz="900" kern="0">
+                          <a:effectLst/>
+                        </a:rPr>
+                        <a:t>配置库创建与目录结构管理</a:t>
+                      </a:r>
+                      <a:endParaRPr lang="zh-CN" sz="1050" kern="100">
+                        <a:effectLst/>
+                        <a:latin typeface="Calibri" panose="020F0502020204030204" pitchFamily="34" charset="0"/>
+                        <a:ea typeface="宋体" panose="02010600030101010101" pitchFamily="2" charset="-122"/>
+                        <a:cs typeface="Times New Roman" panose="02020603050405020304" pitchFamily="18" charset="0"/>
+                      </a:endParaRPr>
+                    </a:p>
+                  </a:txBody>
+                  <a:tcPr marL="68580" marR="68580" marT="0" marB="0" anchor="ctr"/>
+                </a:tc>
+                <a:extLst>
+                  <a:ext uri="{0D108BD9-81ED-4DB2-BD59-A6C34878D82A}">
+                    <a16:rowId xmlns:a16="http://schemas.microsoft.com/office/drawing/2014/main" val="2521931642"/>
+                  </a:ext>
+                </a:extLst>
+              </a:tr>
+              <a:tr h="171450">
+                <a:tc vMerge="1">
+                  <a:txBody>
+                    <a:bodyPr/>
+                    <a:lstStyle/>
+                    <a:p>
+                      <a:endParaRPr lang="zh-CN" altLang="en-US"/>
+                    </a:p>
+                  </a:txBody>
+                  <a:tcPr/>
+                </a:tc>
+                <a:tc vMerge="1">
+                  <a:txBody>
+                    <a:bodyPr/>
+                    <a:lstStyle/>
+                    <a:p>
+                      <a:endParaRPr lang="zh-CN" altLang="en-US"/>
+                    </a:p>
+                  </a:txBody>
+                  <a:tcPr/>
+                </a:tc>
+                <a:tc>
+                  <a:txBody>
+                    <a:bodyPr/>
+                    <a:lstStyle/>
+                    <a:p>
+                      <a:pPr algn="l">
+                        <a:spcAft>
+                          <a:spcPts val="0"/>
+                        </a:spcAft>
+                      </a:pPr>
+                      <a:r>
+                        <a:rPr lang="en-US" sz="900" kern="0">
+                          <a:effectLst/>
+                        </a:rPr>
+                        <a:t>SVN</a:t>
+                      </a:r>
+                      <a:r>
+                        <a:rPr lang="zh-CN" sz="900" kern="0">
+                          <a:effectLst/>
+                        </a:rPr>
+                        <a:t>帐号管理与权限分配</a:t>
+                      </a:r>
+                      <a:endParaRPr lang="zh-CN" sz="1050" kern="100">
+                        <a:effectLst/>
+                        <a:latin typeface="Calibri" panose="020F0502020204030204" pitchFamily="34" charset="0"/>
+                        <a:ea typeface="宋体" panose="02010600030101010101" pitchFamily="2" charset="-122"/>
+                        <a:cs typeface="Times New Roman" panose="02020603050405020304" pitchFamily="18" charset="0"/>
+                      </a:endParaRPr>
+                    </a:p>
+                  </a:txBody>
+                  <a:tcPr marL="68580" marR="68580" marT="0" marB="0" anchor="ctr"/>
+                </a:tc>
+                <a:extLst>
+                  <a:ext uri="{0D108BD9-81ED-4DB2-BD59-A6C34878D82A}">
+                    <a16:rowId xmlns:a16="http://schemas.microsoft.com/office/drawing/2014/main" val="1549047617"/>
+                  </a:ext>
+                </a:extLst>
+              </a:tr>
+              <a:tr h="295275">
+                <a:tc vMerge="1">
+                  <a:txBody>
+                    <a:bodyPr/>
+                    <a:lstStyle/>
+                    <a:p>
+                      <a:endParaRPr lang="zh-CN" altLang="en-US"/>
+                    </a:p>
+                  </a:txBody>
+                  <a:tcPr/>
+                </a:tc>
+                <a:tc vMerge="1">
+                  <a:txBody>
+                    <a:bodyPr/>
+                    <a:lstStyle/>
+                    <a:p>
+                      <a:endParaRPr lang="zh-CN" altLang="en-US"/>
+                    </a:p>
+                  </a:txBody>
+                  <a:tcPr/>
+                </a:tc>
+                <a:tc>
+                  <a:txBody>
+                    <a:bodyPr/>
+                    <a:lstStyle/>
+                    <a:p>
+                      <a:pPr algn="l">
+                        <a:spcAft>
+                          <a:spcPts val="0"/>
+                        </a:spcAft>
+                      </a:pPr>
+                      <a:r>
+                        <a:rPr lang="zh-CN" sz="900" kern="0">
+                          <a:effectLst/>
+                        </a:rPr>
+                        <a:t>配置库检查</a:t>
+                      </a:r>
+                      <a:endParaRPr lang="zh-CN" sz="1050" kern="100">
+                        <a:effectLst/>
+                        <a:latin typeface="Calibri" panose="020F0502020204030204" pitchFamily="34" charset="0"/>
+                        <a:ea typeface="宋体" panose="02010600030101010101" pitchFamily="2" charset="-122"/>
+                        <a:cs typeface="Times New Roman" panose="02020603050405020304" pitchFamily="18" charset="0"/>
+                      </a:endParaRPr>
+                    </a:p>
+                  </a:txBody>
+                  <a:tcPr marL="68580" marR="68580" marT="0" marB="0" anchor="ctr"/>
+                </a:tc>
+                <a:extLst>
+                  <a:ext uri="{0D108BD9-81ED-4DB2-BD59-A6C34878D82A}">
+                    <a16:rowId xmlns:a16="http://schemas.microsoft.com/office/drawing/2014/main" val="3370503806"/>
+                  </a:ext>
+                </a:extLst>
+              </a:tr>
+              <a:tr h="171450">
+                <a:tc vMerge="1">
+                  <a:txBody>
+                    <a:bodyPr/>
+                    <a:lstStyle/>
+                    <a:p>
+                      <a:endParaRPr lang="zh-CN" altLang="en-US"/>
+                    </a:p>
+                  </a:txBody>
+                  <a:tcPr/>
+                </a:tc>
+                <a:tc rowSpan="3">
+                  <a:txBody>
+                    <a:bodyPr/>
+                    <a:lstStyle/>
+                    <a:p>
+                      <a:pPr algn="l">
+                        <a:spcAft>
+                          <a:spcPts val="0"/>
+                        </a:spcAft>
+                      </a:pPr>
+                      <a:r>
+                        <a:rPr lang="zh-CN" sz="900" kern="0">
+                          <a:effectLst/>
+                        </a:rPr>
+                        <a:t>版本管理</a:t>
+                      </a:r>
+                      <a:endParaRPr lang="zh-CN" sz="1050" kern="100">
+                        <a:effectLst/>
+                        <a:latin typeface="Calibri" panose="020F0502020204030204" pitchFamily="34" charset="0"/>
+                        <a:ea typeface="宋体" panose="02010600030101010101" pitchFamily="2" charset="-122"/>
+                        <a:cs typeface="Times New Roman" panose="02020603050405020304" pitchFamily="18" charset="0"/>
+                      </a:endParaRPr>
+                    </a:p>
+                  </a:txBody>
+                  <a:tcPr marL="68580" marR="68580" marT="0" marB="0" anchor="ctr"/>
+                </a:tc>
+                <a:tc>
+                  <a:txBody>
+                    <a:bodyPr/>
+                    <a:lstStyle/>
+                    <a:p>
+                      <a:pPr algn="l">
+                        <a:spcAft>
+                          <a:spcPts val="0"/>
+                        </a:spcAft>
+                      </a:pPr>
+                      <a:r>
+                        <a:rPr lang="zh-CN" sz="900" kern="0">
+                          <a:effectLst/>
+                        </a:rPr>
+                        <a:t>确认</a:t>
+                      </a:r>
+                      <a:r>
+                        <a:rPr lang="en-US" sz="900" kern="0">
+                          <a:effectLst/>
+                        </a:rPr>
+                        <a:t>Checklist</a:t>
+                      </a:r>
+                      <a:endParaRPr lang="zh-CN" sz="1050" kern="100">
+                        <a:effectLst/>
+                        <a:latin typeface="Calibri" panose="020F0502020204030204" pitchFamily="34" charset="0"/>
+                        <a:ea typeface="宋体" panose="02010600030101010101" pitchFamily="2" charset="-122"/>
+                        <a:cs typeface="Times New Roman" panose="02020603050405020304" pitchFamily="18" charset="0"/>
+                      </a:endParaRPr>
+                    </a:p>
+                  </a:txBody>
+                  <a:tcPr marL="68580" marR="68580" marT="0" marB="0" anchor="ctr"/>
+                </a:tc>
+                <a:extLst>
+                  <a:ext uri="{0D108BD9-81ED-4DB2-BD59-A6C34878D82A}">
+                    <a16:rowId xmlns:a16="http://schemas.microsoft.com/office/drawing/2014/main" val="782450152"/>
+                  </a:ext>
+                </a:extLst>
+              </a:tr>
+              <a:tr h="171450">
+                <a:tc vMerge="1">
+                  <a:txBody>
+                    <a:bodyPr/>
+                    <a:lstStyle/>
+                    <a:p>
+                      <a:endParaRPr lang="zh-CN" altLang="en-US"/>
+                    </a:p>
+                  </a:txBody>
+                  <a:tcPr/>
+                </a:tc>
+                <a:tc vMerge="1">
+                  <a:txBody>
+                    <a:bodyPr/>
+                    <a:lstStyle/>
+                    <a:p>
+                      <a:endParaRPr lang="zh-CN" altLang="en-US"/>
+                    </a:p>
+                  </a:txBody>
+                  <a:tcPr/>
+                </a:tc>
+                <a:tc>
+                  <a:txBody>
+                    <a:bodyPr/>
+                    <a:lstStyle/>
+                    <a:p>
+                      <a:pPr algn="l">
+                        <a:spcAft>
+                          <a:spcPts val="0"/>
+                        </a:spcAft>
+                      </a:pPr>
+                      <a:r>
+                        <a:rPr lang="zh-CN" sz="900" kern="0">
+                          <a:effectLst/>
+                        </a:rPr>
+                        <a:t>发布配置项检查（源码、</a:t>
+                      </a:r>
+                      <a:r>
+                        <a:rPr lang="en-US" sz="900" kern="0">
+                          <a:effectLst/>
+                        </a:rPr>
+                        <a:t>Tag</a:t>
+                      </a:r>
+                      <a:r>
+                        <a:rPr lang="zh-CN" sz="900" kern="0">
+                          <a:effectLst/>
+                        </a:rPr>
+                        <a:t>、成果）</a:t>
+                      </a:r>
+                      <a:endParaRPr lang="zh-CN" sz="1050" kern="100">
+                        <a:effectLst/>
+                        <a:latin typeface="Calibri" panose="020F0502020204030204" pitchFamily="34" charset="0"/>
+                        <a:ea typeface="宋体" panose="02010600030101010101" pitchFamily="2" charset="-122"/>
+                        <a:cs typeface="Times New Roman" panose="02020603050405020304" pitchFamily="18" charset="0"/>
+                      </a:endParaRPr>
+                    </a:p>
+                  </a:txBody>
+                  <a:tcPr marL="68580" marR="68580" marT="0" marB="0" anchor="ctr"/>
+                </a:tc>
+                <a:extLst>
+                  <a:ext uri="{0D108BD9-81ED-4DB2-BD59-A6C34878D82A}">
+                    <a16:rowId xmlns:a16="http://schemas.microsoft.com/office/drawing/2014/main" val="2195897737"/>
+                  </a:ext>
+                </a:extLst>
+              </a:tr>
+              <a:tr h="171450">
+                <a:tc vMerge="1">
+                  <a:txBody>
+                    <a:bodyPr/>
+                    <a:lstStyle/>
+                    <a:p>
+                      <a:endParaRPr lang="zh-CN" altLang="en-US"/>
+                    </a:p>
+                  </a:txBody>
+                  <a:tcPr/>
+                </a:tc>
+                <a:tc vMerge="1">
+                  <a:txBody>
+                    <a:bodyPr/>
+                    <a:lstStyle/>
+                    <a:p>
+                      <a:endParaRPr lang="zh-CN" altLang="en-US"/>
+                    </a:p>
+                  </a:txBody>
+                  <a:tcPr/>
+                </a:tc>
+                <a:tc>
+                  <a:txBody>
+                    <a:bodyPr/>
+                    <a:lstStyle/>
+                    <a:p>
+                      <a:pPr algn="l">
+                        <a:spcAft>
+                          <a:spcPts val="0"/>
+                        </a:spcAft>
+                      </a:pPr>
+                      <a:r>
+                        <a:rPr lang="zh-CN" sz="900" kern="0">
+                          <a:effectLst/>
+                        </a:rPr>
+                        <a:t>基线（</a:t>
+                      </a:r>
+                      <a:r>
+                        <a:rPr lang="en-US" sz="900" kern="0">
+                          <a:effectLst/>
+                        </a:rPr>
+                        <a:t>Tag</a:t>
+                      </a:r>
+                      <a:r>
+                        <a:rPr lang="zh-CN" sz="900" kern="0">
+                          <a:effectLst/>
+                        </a:rPr>
+                        <a:t>）生成</a:t>
+                      </a:r>
+                      <a:endParaRPr lang="zh-CN" sz="1050" kern="100">
+                        <a:effectLst/>
+                        <a:latin typeface="Calibri" panose="020F0502020204030204" pitchFamily="34" charset="0"/>
+                        <a:ea typeface="宋体" panose="02010600030101010101" pitchFamily="2" charset="-122"/>
+                        <a:cs typeface="Times New Roman" panose="02020603050405020304" pitchFamily="18" charset="0"/>
+                      </a:endParaRPr>
+                    </a:p>
+                  </a:txBody>
+                  <a:tcPr marL="68580" marR="68580" marT="0" marB="0" anchor="ctr"/>
+                </a:tc>
+                <a:extLst>
+                  <a:ext uri="{0D108BD9-81ED-4DB2-BD59-A6C34878D82A}">
+                    <a16:rowId xmlns:a16="http://schemas.microsoft.com/office/drawing/2014/main" val="116968721"/>
+                  </a:ext>
+                </a:extLst>
+              </a:tr>
+              <a:tr h="171450">
+                <a:tc vMerge="1">
+                  <a:txBody>
+                    <a:bodyPr/>
+                    <a:lstStyle/>
+                    <a:p>
+                      <a:endParaRPr lang="zh-CN" altLang="en-US"/>
+                    </a:p>
+                  </a:txBody>
+                  <a:tcPr/>
+                </a:tc>
+                <a:tc rowSpan="3">
+                  <a:txBody>
+                    <a:bodyPr/>
+                    <a:lstStyle/>
+                    <a:p>
+                      <a:pPr algn="l">
+                        <a:spcAft>
+                          <a:spcPts val="0"/>
+                        </a:spcAft>
+                      </a:pPr>
+                      <a:r>
+                        <a:rPr lang="zh-CN" sz="900" kern="0">
+                          <a:effectLst/>
+                        </a:rPr>
+                        <a:t>规范定义</a:t>
+                      </a:r>
+                      <a:endParaRPr lang="zh-CN" sz="1050" kern="100">
+                        <a:effectLst/>
+                        <a:latin typeface="Calibri" panose="020F0502020204030204" pitchFamily="34" charset="0"/>
+                        <a:ea typeface="宋体" panose="02010600030101010101" pitchFamily="2" charset="-122"/>
+                        <a:cs typeface="Times New Roman" panose="02020603050405020304" pitchFamily="18" charset="0"/>
+                      </a:endParaRPr>
+                    </a:p>
+                  </a:txBody>
+                  <a:tcPr marL="68580" marR="68580" marT="0" marB="0" anchor="ctr"/>
+                </a:tc>
+                <a:tc>
+                  <a:txBody>
+                    <a:bodyPr/>
+                    <a:lstStyle/>
+                    <a:p>
+                      <a:pPr algn="l">
+                        <a:spcAft>
+                          <a:spcPts val="0"/>
+                        </a:spcAft>
+                      </a:pPr>
+                      <a:r>
+                        <a:rPr lang="zh-CN" sz="900" kern="0">
+                          <a:effectLst/>
+                        </a:rPr>
+                        <a:t>配置库相关原则定义</a:t>
+                      </a:r>
+                      <a:endParaRPr lang="zh-CN" sz="1050" kern="100">
+                        <a:effectLst/>
+                        <a:latin typeface="Calibri" panose="020F0502020204030204" pitchFamily="34" charset="0"/>
+                        <a:ea typeface="宋体" panose="02010600030101010101" pitchFamily="2" charset="-122"/>
+                        <a:cs typeface="Times New Roman" panose="02020603050405020304" pitchFamily="18" charset="0"/>
+                      </a:endParaRPr>
+                    </a:p>
+                  </a:txBody>
+                  <a:tcPr marL="68580" marR="68580" marT="0" marB="0" anchor="ctr"/>
+                </a:tc>
+                <a:extLst>
+                  <a:ext uri="{0D108BD9-81ED-4DB2-BD59-A6C34878D82A}">
+                    <a16:rowId xmlns:a16="http://schemas.microsoft.com/office/drawing/2014/main" val="3816100645"/>
+                  </a:ext>
+                </a:extLst>
+              </a:tr>
+              <a:tr h="171450">
+                <a:tc vMerge="1">
+                  <a:txBody>
+                    <a:bodyPr/>
+                    <a:lstStyle/>
+                    <a:p>
+                      <a:endParaRPr lang="zh-CN" altLang="en-US"/>
+                    </a:p>
+                  </a:txBody>
+                  <a:tcPr/>
+                </a:tc>
+                <a:tc vMerge="1">
+                  <a:txBody>
+                    <a:bodyPr/>
+                    <a:lstStyle/>
+                    <a:p>
+                      <a:endParaRPr lang="zh-CN" altLang="en-US"/>
+                    </a:p>
+                  </a:txBody>
+                  <a:tcPr/>
+                </a:tc>
+                <a:tc>
+                  <a:txBody>
+                    <a:bodyPr/>
+                    <a:lstStyle/>
+                    <a:p>
+                      <a:pPr algn="l">
+                        <a:spcAft>
+                          <a:spcPts val="0"/>
+                        </a:spcAft>
+                      </a:pPr>
+                      <a:r>
+                        <a:rPr lang="zh-CN" sz="900" kern="0">
+                          <a:effectLst/>
+                        </a:rPr>
+                        <a:t>配置管理规范的定义与更新</a:t>
+                      </a:r>
+                      <a:endParaRPr lang="zh-CN" sz="1050" kern="100">
+                        <a:effectLst/>
+                        <a:latin typeface="Calibri" panose="020F0502020204030204" pitchFamily="34" charset="0"/>
+                        <a:ea typeface="宋体" panose="02010600030101010101" pitchFamily="2" charset="-122"/>
+                        <a:cs typeface="Times New Roman" panose="02020603050405020304" pitchFamily="18" charset="0"/>
+                      </a:endParaRPr>
+                    </a:p>
+                  </a:txBody>
+                  <a:tcPr marL="68580" marR="68580" marT="0" marB="0" anchor="ctr"/>
+                </a:tc>
+                <a:extLst>
+                  <a:ext uri="{0D108BD9-81ED-4DB2-BD59-A6C34878D82A}">
+                    <a16:rowId xmlns:a16="http://schemas.microsoft.com/office/drawing/2014/main" val="4198481945"/>
+                  </a:ext>
+                </a:extLst>
+              </a:tr>
+              <a:tr h="171450">
+                <a:tc vMerge="1">
+                  <a:txBody>
+                    <a:bodyPr/>
+                    <a:lstStyle/>
+                    <a:p>
+                      <a:endParaRPr lang="zh-CN" altLang="en-US"/>
+                    </a:p>
+                  </a:txBody>
+                  <a:tcPr/>
+                </a:tc>
+                <a:tc vMerge="1">
+                  <a:txBody>
+                    <a:bodyPr/>
+                    <a:lstStyle/>
+                    <a:p>
+                      <a:endParaRPr lang="zh-CN" altLang="en-US"/>
+                    </a:p>
+                  </a:txBody>
+                  <a:tcPr/>
+                </a:tc>
+                <a:tc>
+                  <a:txBody>
+                    <a:bodyPr/>
+                    <a:lstStyle/>
+                    <a:p>
+                      <a:pPr algn="l">
+                        <a:spcAft>
+                          <a:spcPts val="0"/>
+                        </a:spcAft>
+                      </a:pPr>
+                      <a:r>
+                        <a:rPr lang="zh-CN" sz="900" kern="0">
+                          <a:effectLst/>
+                        </a:rPr>
+                        <a:t>其他研发管理规范的定义与更新</a:t>
+                      </a:r>
+                      <a:endParaRPr lang="zh-CN" sz="1050" kern="100">
+                        <a:effectLst/>
+                        <a:latin typeface="Calibri" panose="020F0502020204030204" pitchFamily="34" charset="0"/>
+                        <a:ea typeface="宋体" panose="02010600030101010101" pitchFamily="2" charset="-122"/>
+                        <a:cs typeface="Times New Roman" panose="02020603050405020304" pitchFamily="18" charset="0"/>
+                      </a:endParaRPr>
+                    </a:p>
+                  </a:txBody>
+                  <a:tcPr marL="68580" marR="68580" marT="0" marB="0" anchor="ctr"/>
+                </a:tc>
+                <a:extLst>
+                  <a:ext uri="{0D108BD9-81ED-4DB2-BD59-A6C34878D82A}">
+                    <a16:rowId xmlns:a16="http://schemas.microsoft.com/office/drawing/2014/main" val="396007624"/>
+                  </a:ext>
+                </a:extLst>
+              </a:tr>
+              <a:tr h="171450">
+                <a:tc vMerge="1">
+                  <a:txBody>
+                    <a:bodyPr/>
+                    <a:lstStyle/>
+                    <a:p>
+                      <a:endParaRPr lang="zh-CN" altLang="en-US"/>
+                    </a:p>
+                  </a:txBody>
+                  <a:tcPr/>
+                </a:tc>
+                <a:tc rowSpan="2">
+                  <a:txBody>
+                    <a:bodyPr/>
+                    <a:lstStyle/>
+                    <a:p>
+                      <a:pPr algn="l">
+                        <a:spcAft>
+                          <a:spcPts val="0"/>
+                        </a:spcAft>
+                      </a:pPr>
+                      <a:r>
+                        <a:rPr lang="zh-CN" sz="900" kern="0">
+                          <a:effectLst/>
+                        </a:rPr>
+                        <a:t>培训支持</a:t>
+                      </a:r>
+                      <a:endParaRPr lang="zh-CN" sz="1050" kern="100">
+                        <a:effectLst/>
+                        <a:latin typeface="Calibri" panose="020F0502020204030204" pitchFamily="34" charset="0"/>
+                        <a:ea typeface="宋体" panose="02010600030101010101" pitchFamily="2" charset="-122"/>
+                        <a:cs typeface="Times New Roman" panose="02020603050405020304" pitchFamily="18" charset="0"/>
+                      </a:endParaRPr>
+                    </a:p>
+                  </a:txBody>
+                  <a:tcPr marL="68580" marR="68580" marT="0" marB="0" anchor="ctr"/>
+                </a:tc>
+                <a:tc>
+                  <a:txBody>
+                    <a:bodyPr/>
+                    <a:lstStyle/>
+                    <a:p>
+                      <a:pPr algn="l">
+                        <a:spcAft>
+                          <a:spcPts val="0"/>
+                        </a:spcAft>
+                      </a:pPr>
+                      <a:r>
+                        <a:rPr lang="zh-CN" sz="900" kern="0">
+                          <a:effectLst/>
+                        </a:rPr>
+                        <a:t>配置管理工具的研究与支持</a:t>
+                      </a:r>
+                      <a:endParaRPr lang="zh-CN" sz="1050" kern="100">
+                        <a:effectLst/>
+                        <a:latin typeface="Calibri" panose="020F0502020204030204" pitchFamily="34" charset="0"/>
+                        <a:ea typeface="宋体" panose="02010600030101010101" pitchFamily="2" charset="-122"/>
+                        <a:cs typeface="Times New Roman" panose="02020603050405020304" pitchFamily="18" charset="0"/>
+                      </a:endParaRPr>
+                    </a:p>
+                  </a:txBody>
+                  <a:tcPr marL="68580" marR="68580" marT="0" marB="0" anchor="ctr"/>
+                </a:tc>
+                <a:extLst>
+                  <a:ext uri="{0D108BD9-81ED-4DB2-BD59-A6C34878D82A}">
+                    <a16:rowId xmlns:a16="http://schemas.microsoft.com/office/drawing/2014/main" val="3634873685"/>
+                  </a:ext>
+                </a:extLst>
+              </a:tr>
+              <a:tr h="171450">
+                <a:tc vMerge="1">
+                  <a:txBody>
+                    <a:bodyPr/>
+                    <a:lstStyle/>
+                    <a:p>
+                      <a:endParaRPr lang="zh-CN" altLang="en-US"/>
+                    </a:p>
+                  </a:txBody>
+                  <a:tcPr/>
+                </a:tc>
+                <a:tc vMerge="1">
+                  <a:txBody>
+                    <a:bodyPr/>
+                    <a:lstStyle/>
+                    <a:p>
+                      <a:endParaRPr lang="zh-CN" altLang="en-US"/>
+                    </a:p>
+                  </a:txBody>
+                  <a:tcPr/>
+                </a:tc>
+                <a:tc>
+                  <a:txBody>
+                    <a:bodyPr/>
+                    <a:lstStyle/>
+                    <a:p>
+                      <a:pPr algn="l">
+                        <a:spcAft>
+                          <a:spcPts val="0"/>
+                        </a:spcAft>
+                      </a:pPr>
+                      <a:r>
+                        <a:rPr lang="zh-CN" sz="900" kern="0">
+                          <a:effectLst/>
+                        </a:rPr>
+                        <a:t>配置管理相关培训与分享</a:t>
+                      </a:r>
+                      <a:endParaRPr lang="zh-CN" sz="1050" kern="100">
+                        <a:effectLst/>
+                        <a:latin typeface="Calibri" panose="020F0502020204030204" pitchFamily="34" charset="0"/>
+                        <a:ea typeface="宋体" panose="02010600030101010101" pitchFamily="2" charset="-122"/>
+                        <a:cs typeface="Times New Roman" panose="02020603050405020304" pitchFamily="18" charset="0"/>
+                      </a:endParaRPr>
+                    </a:p>
+                  </a:txBody>
+                  <a:tcPr marL="68580" marR="68580" marT="0" marB="0" anchor="ctr"/>
+                </a:tc>
+                <a:extLst>
+                  <a:ext uri="{0D108BD9-81ED-4DB2-BD59-A6C34878D82A}">
+                    <a16:rowId xmlns:a16="http://schemas.microsoft.com/office/drawing/2014/main" val="2947835601"/>
+                  </a:ext>
+                </a:extLst>
+              </a:tr>
+              <a:tr h="295275">
+                <a:tc vMerge="1">
+                  <a:txBody>
+                    <a:bodyPr/>
+                    <a:lstStyle/>
+                    <a:p>
+                      <a:endParaRPr lang="zh-CN" altLang="en-US"/>
+                    </a:p>
+                  </a:txBody>
+                  <a:tcPr/>
+                </a:tc>
+                <a:tc rowSpan="2">
+                  <a:txBody>
+                    <a:bodyPr/>
+                    <a:lstStyle/>
+                    <a:p>
+                      <a:pPr algn="l">
+                        <a:spcAft>
+                          <a:spcPts val="0"/>
+                        </a:spcAft>
+                      </a:pPr>
+                      <a:r>
+                        <a:rPr lang="zh-CN" sz="900" kern="0">
+                          <a:effectLst/>
+                        </a:rPr>
+                        <a:t>项目管理</a:t>
+                      </a:r>
+                      <a:endParaRPr lang="zh-CN" sz="1050" kern="100">
+                        <a:effectLst/>
+                        <a:latin typeface="Calibri" panose="020F0502020204030204" pitchFamily="34" charset="0"/>
+                        <a:ea typeface="宋体" panose="02010600030101010101" pitchFamily="2" charset="-122"/>
+                        <a:cs typeface="Times New Roman" panose="02020603050405020304" pitchFamily="18" charset="0"/>
+                      </a:endParaRPr>
+                    </a:p>
+                  </a:txBody>
+                  <a:tcPr marL="68580" marR="68580" marT="0" marB="0" anchor="ctr"/>
+                </a:tc>
+                <a:tc>
+                  <a:txBody>
+                    <a:bodyPr/>
+                    <a:lstStyle/>
+                    <a:p>
+                      <a:pPr algn="l">
+                        <a:spcAft>
+                          <a:spcPts val="0"/>
+                        </a:spcAft>
+                      </a:pPr>
+                      <a:r>
+                        <a:rPr lang="zh-CN" sz="900" kern="0">
+                          <a:effectLst/>
+                        </a:rPr>
+                        <a:t>常用系统日常管理</a:t>
+                      </a:r>
+                      <a:endParaRPr lang="zh-CN" sz="1050" kern="100">
+                        <a:effectLst/>
+                        <a:latin typeface="Calibri" panose="020F0502020204030204" pitchFamily="34" charset="0"/>
+                        <a:ea typeface="宋体" panose="02010600030101010101" pitchFamily="2" charset="-122"/>
+                        <a:cs typeface="Times New Roman" panose="02020603050405020304" pitchFamily="18" charset="0"/>
+                      </a:endParaRPr>
+                    </a:p>
+                  </a:txBody>
+                  <a:tcPr marL="68580" marR="68580" marT="0" marB="0" anchor="ctr"/>
+                </a:tc>
+                <a:extLst>
+                  <a:ext uri="{0D108BD9-81ED-4DB2-BD59-A6C34878D82A}">
+                    <a16:rowId xmlns:a16="http://schemas.microsoft.com/office/drawing/2014/main" val="2028757998"/>
+                  </a:ext>
+                </a:extLst>
+              </a:tr>
+              <a:tr h="171450">
+                <a:tc vMerge="1">
+                  <a:txBody>
+                    <a:bodyPr/>
+                    <a:lstStyle/>
+                    <a:p>
+                      <a:endParaRPr lang="zh-CN" altLang="en-US"/>
+                    </a:p>
+                  </a:txBody>
+                  <a:tcPr/>
+                </a:tc>
+                <a:tc vMerge="1">
+                  <a:txBody>
+                    <a:bodyPr/>
+                    <a:lstStyle/>
+                    <a:p>
+                      <a:endParaRPr lang="zh-CN" altLang="en-US"/>
+                    </a:p>
+                  </a:txBody>
+                  <a:tcPr/>
+                </a:tc>
+                <a:tc>
+                  <a:txBody>
+                    <a:bodyPr/>
+                    <a:lstStyle/>
+                    <a:p>
+                      <a:pPr algn="l">
+                        <a:spcAft>
+                          <a:spcPts val="0"/>
+                        </a:spcAft>
+                      </a:pPr>
+                      <a:r>
+                        <a:rPr lang="zh-CN" sz="900" kern="0">
+                          <a:effectLst/>
+                        </a:rPr>
+                        <a:t>月度项目信息收集</a:t>
+                      </a:r>
+                      <a:endParaRPr lang="zh-CN" sz="1050" kern="100">
+                        <a:effectLst/>
+                        <a:latin typeface="Calibri" panose="020F0502020204030204" pitchFamily="34" charset="0"/>
+                        <a:ea typeface="宋体" panose="02010600030101010101" pitchFamily="2" charset="-122"/>
+                        <a:cs typeface="Times New Roman" panose="02020603050405020304" pitchFamily="18" charset="0"/>
+                      </a:endParaRPr>
+                    </a:p>
+                  </a:txBody>
+                  <a:tcPr marL="68580" marR="68580" marT="0" marB="0" anchor="ctr"/>
+                </a:tc>
+                <a:extLst>
+                  <a:ext uri="{0D108BD9-81ED-4DB2-BD59-A6C34878D82A}">
+                    <a16:rowId xmlns:a16="http://schemas.microsoft.com/office/drawing/2014/main" val="7759918"/>
+                  </a:ext>
+                </a:extLst>
+              </a:tr>
+              <a:tr h="171450">
+                <a:tc vMerge="1">
+                  <a:txBody>
+                    <a:bodyPr/>
+                    <a:lstStyle/>
+                    <a:p>
+                      <a:endParaRPr lang="zh-CN" altLang="en-US"/>
+                    </a:p>
+                  </a:txBody>
+                  <a:tcPr/>
+                </a:tc>
+                <a:tc>
+                  <a:txBody>
+                    <a:bodyPr/>
+                    <a:lstStyle/>
+                    <a:p>
+                      <a:pPr algn="l">
+                        <a:spcAft>
+                          <a:spcPts val="0"/>
+                        </a:spcAft>
+                      </a:pPr>
+                      <a:r>
+                        <a:rPr lang="zh-CN" sz="900" kern="0">
+                          <a:effectLst/>
+                        </a:rPr>
+                        <a:t>配置审计</a:t>
+                      </a:r>
+                      <a:endParaRPr lang="zh-CN" sz="1050" kern="100">
+                        <a:effectLst/>
+                        <a:latin typeface="Calibri" panose="020F0502020204030204" pitchFamily="34" charset="0"/>
+                        <a:ea typeface="宋体" panose="02010600030101010101" pitchFamily="2" charset="-122"/>
+                        <a:cs typeface="Times New Roman" panose="02020603050405020304" pitchFamily="18" charset="0"/>
+                      </a:endParaRPr>
+                    </a:p>
+                  </a:txBody>
+                  <a:tcPr marL="68580" marR="68580" marT="0" marB="0" anchor="ctr"/>
+                </a:tc>
+                <a:tc>
+                  <a:txBody>
+                    <a:bodyPr/>
+                    <a:lstStyle/>
+                    <a:p>
+                      <a:pPr algn="l">
+                        <a:spcAft>
+                          <a:spcPts val="0"/>
+                        </a:spcAft>
+                      </a:pPr>
+                      <a:r>
+                        <a:rPr lang="zh-CN" sz="900" kern="0" dirty="0">
+                          <a:effectLst/>
+                        </a:rPr>
+                        <a:t>季度配置审计</a:t>
+                      </a:r>
+                      <a:endParaRPr lang="zh-CN" sz="1050" kern="100" dirty="0">
+                        <a:effectLst/>
+                        <a:latin typeface="Calibri" panose="020F0502020204030204" pitchFamily="34" charset="0"/>
+                        <a:ea typeface="宋体" panose="02010600030101010101" pitchFamily="2" charset="-122"/>
+                        <a:cs typeface="Times New Roman" panose="02020603050405020304" pitchFamily="18" charset="0"/>
+                      </a:endParaRPr>
+                    </a:p>
+                  </a:txBody>
+                  <a:tcPr marL="68580" marR="68580" marT="0" marB="0" anchor="ctr"/>
+                </a:tc>
+                <a:extLst>
+                  <a:ext uri="{0D108BD9-81ED-4DB2-BD59-A6C34878D82A}">
+                    <a16:rowId xmlns:a16="http://schemas.microsoft.com/office/drawing/2014/main" val="1826424807"/>
+                  </a:ext>
+                </a:extLst>
+              </a:tr>
+            </a:tbl>
+          </a:graphicData>
+        </a:graphic>
+      </p:graphicFrame>
     </p:spTree>
     <p:extLst>
       <p:ext uri="{BB962C8B-B14F-4D97-AF65-F5344CB8AC3E}">
@@ -3474,11 +7905,7 @@
             </a:r>
             <a:r>
               <a:rPr lang="zh-CN" altLang="en-US" dirty="0" smtClean="0"/>
-              <a:t>管</a:t>
-            </a:r>
-            <a:r>
-              <a:rPr lang="zh-CN" altLang="en-US" dirty="0" smtClean="0"/>
-              <a:t>理</a:t>
+              <a:t>管理</a:t>
             </a:r>
             <a:endParaRPr lang="zh-CN" altLang="en-US" dirty="0"/>
           </a:p>
@@ -3500,48 +7927,60 @@
           <a:lstStyle/>
           <a:p>
             <a:r>
+              <a:rPr lang="zh-CN" altLang="en-US" dirty="0"/>
+              <a:t>工</a:t>
+            </a:r>
+            <a:r>
+              <a:rPr lang="zh-CN" altLang="en-US" dirty="0" smtClean="0"/>
+              <a:t>具：</a:t>
+            </a:r>
+            <a:r>
+              <a:rPr lang="en-US" altLang="zh-CN" dirty="0" smtClean="0"/>
+              <a:t>SVN/</a:t>
+            </a:r>
+            <a:r>
               <a:rPr lang="en-US" altLang="zh-CN" dirty="0" err="1" smtClean="0"/>
-              <a:t>Svn</a:t>
-            </a:r>
+              <a:t>Git</a:t>
+            </a:r>
+            <a:endParaRPr lang="en-US" altLang="zh-CN" dirty="0" smtClean="0"/>
+          </a:p>
+          <a:p>
             <a:r>
               <a:rPr lang="zh-CN" altLang="en-US" dirty="0"/>
-              <a:t>版本</a:t>
+              <a:t>策</a:t>
             </a:r>
             <a:r>
               <a:rPr lang="zh-CN" altLang="en-US" dirty="0" smtClean="0"/>
-              <a:t>库目录结构</a:t>
+              <a:t>略：</a:t>
             </a:r>
             <a:endParaRPr lang="en-US" altLang="zh-CN" dirty="0" smtClean="0"/>
           </a:p>
           <a:p>
+            <a:pPr lvl="1"/>
+            <a:r>
+              <a:rPr lang="zh-CN" altLang="en-US" dirty="0" smtClean="0"/>
+              <a:t>文档</a:t>
+            </a:r>
+            <a:r>
+              <a:rPr lang="en-US" altLang="zh-CN" dirty="0" smtClean="0"/>
+              <a:t>-SVN</a:t>
+            </a:r>
+          </a:p>
+          <a:p>
+            <a:pPr lvl="1"/>
+            <a:r>
+              <a:rPr lang="zh-CN" altLang="en-US" dirty="0" smtClean="0"/>
+              <a:t>代码</a:t>
+            </a:r>
+            <a:r>
+              <a:rPr lang="en-US" altLang="zh-CN" dirty="0" smtClean="0"/>
+              <a:t>-SVN/</a:t>
+            </a:r>
             <a:r>
               <a:rPr lang="en-US" altLang="zh-CN" dirty="0" err="1" smtClean="0"/>
-              <a:t>Svn</a:t>
-            </a:r>
-            <a:r>
-              <a:rPr lang="zh-CN" altLang="en-US" dirty="0"/>
-              <a:t>分</a:t>
-            </a:r>
-            <a:r>
-              <a:rPr lang="zh-CN" altLang="en-US" dirty="0" smtClean="0"/>
-              <a:t>组与权限</a:t>
-            </a:r>
-            <a:endParaRPr lang="en-US" altLang="zh-CN" dirty="0" smtClean="0"/>
-          </a:p>
-          <a:p>
-            <a:r>
-              <a:rPr lang="en-US" altLang="zh-CN" dirty="0" err="1" smtClean="0"/>
-              <a:t>Svn</a:t>
-            </a:r>
-            <a:r>
-              <a:rPr lang="zh-CN" altLang="en-US" dirty="0"/>
-              <a:t>提</a:t>
-            </a:r>
-            <a:r>
-              <a:rPr lang="zh-CN" altLang="en-US" dirty="0" smtClean="0"/>
-              <a:t>交限制</a:t>
-            </a:r>
-            <a:endParaRPr lang="zh-CN" altLang="en-US" dirty="0"/>
+              <a:t>Git</a:t>
+            </a:r>
+            <a:endParaRPr lang="en-US" altLang="zh-CN" dirty="0"/>
           </a:p>
         </p:txBody>
       </p:sp>
@@ -3587,22 +8026,16 @@
         </p:nvSpPr>
         <p:spPr/>
         <p:txBody>
-          <a:bodyPr>
-            <a:normAutofit/>
-          </a:bodyPr>
+          <a:bodyPr/>
           <a:lstStyle/>
           <a:p>
             <a:r>
+              <a:rPr lang="en-US" altLang="zh-CN" dirty="0" smtClean="0"/>
+              <a:t>SVN</a:t>
+            </a:r>
+            <a:r>
               <a:rPr lang="zh-CN" altLang="en-US" dirty="0" smtClean="0"/>
-              <a:t>变</a:t>
-            </a:r>
-            <a:r>
-              <a:rPr lang="zh-CN" altLang="en-US" dirty="0" smtClean="0"/>
-              <a:t>更</a:t>
-            </a:r>
-            <a:r>
-              <a:rPr lang="zh-CN" altLang="en-US" dirty="0"/>
-              <a:t>控制</a:t>
+              <a:t>目录结构</a:t>
             </a:r>
             <a:endParaRPr lang="zh-CN" altLang="en-US" dirty="0"/>
           </a:p>
@@ -3624,8 +8057,8 @@
           <a:lstStyle/>
           <a:p>
             <a:r>
-              <a:rPr lang="en-US" altLang="zh-CN" dirty="0" smtClean="0"/>
-              <a:t>JIRA</a:t>
+              <a:rPr lang="zh-CN" altLang="en-US" dirty="0" smtClean="0"/>
+              <a:t>图示</a:t>
             </a:r>
             <a:endParaRPr lang="zh-CN" altLang="en-US" dirty="0"/>
           </a:p>
@@ -3634,7 +8067,7 @@
     </p:spTree>
     <p:extLst>
       <p:ext uri="{BB962C8B-B14F-4D97-AF65-F5344CB8AC3E}">
-        <p14:creationId xmlns:p14="http://schemas.microsoft.com/office/powerpoint/2010/main" val="1041988823"/>
+        <p14:creationId xmlns:p14="http://schemas.microsoft.com/office/powerpoint/2010/main" val="555126317"/>
       </p:ext>
     </p:extLst>
   </p:cSld>
@@ -3677,8 +8110,12 @@
           <a:lstStyle/>
           <a:p>
             <a:r>
+              <a:rPr lang="en-US" altLang="zh-CN" dirty="0" smtClean="0"/>
+              <a:t>SVN</a:t>
+            </a:r>
+            <a:r>
               <a:rPr lang="zh-CN" altLang="en-US" dirty="0" smtClean="0"/>
-              <a:t>版本管理</a:t>
+              <a:t>分组</a:t>
             </a:r>
             <a:endParaRPr lang="zh-CN" altLang="en-US" dirty="0"/>
           </a:p>
@@ -3700,12 +8137,8 @@
           <a:lstStyle/>
           <a:p>
             <a:r>
-              <a:rPr lang="zh-CN" altLang="en-US" dirty="0"/>
-              <a:t>版</a:t>
-            </a:r>
-            <a:r>
               <a:rPr lang="zh-CN" altLang="en-US" dirty="0" smtClean="0"/>
-              <a:t>本发布</a:t>
+              <a:t>表格</a:t>
             </a:r>
             <a:endParaRPr lang="zh-CN" altLang="en-US" dirty="0"/>
           </a:p>
@@ -3714,7 +8147,7 @@
     </p:spTree>
     <p:extLst>
       <p:ext uri="{BB962C8B-B14F-4D97-AF65-F5344CB8AC3E}">
-        <p14:creationId xmlns:p14="http://schemas.microsoft.com/office/powerpoint/2010/main" val="2028838604"/>
+        <p14:creationId xmlns:p14="http://schemas.microsoft.com/office/powerpoint/2010/main" val="792425015"/>
       </p:ext>
     </p:extLst>
   </p:cSld>
@@ -3757,8 +8190,12 @@
           <a:lstStyle/>
           <a:p>
             <a:r>
-              <a:rPr lang="zh-CN" altLang="en-US" dirty="0" smtClean="0"/>
-              <a:t>过程管理</a:t>
+              <a:rPr lang="en-US" altLang="zh-CN" dirty="0" smtClean="0"/>
+              <a:t>SVN</a:t>
+            </a:r>
+            <a:r>
+              <a:rPr lang="zh-CN" altLang="en-US" dirty="0"/>
+              <a:t>权限</a:t>
             </a:r>
             <a:endParaRPr lang="zh-CN" altLang="en-US" dirty="0"/>
           </a:p>
@@ -3780,17 +8217,17 @@
           <a:lstStyle/>
           <a:p>
             <a:r>
-              <a:rPr lang="zh-CN" altLang="en-US" dirty="0" smtClean="0"/>
-              <a:t>配置管理计划</a:t>
-            </a:r>
-            <a:endParaRPr lang="zh-CN" altLang="en-US" dirty="0"/>
+              <a:rPr lang="zh-CN" altLang="en-US" dirty="0"/>
+              <a:t>表格</a:t>
+            </a:r>
+            <a:endParaRPr lang="en-US" altLang="zh-CN" dirty="0" smtClean="0"/>
           </a:p>
         </p:txBody>
       </p:sp>
     </p:spTree>
     <p:extLst>
       <p:ext uri="{BB962C8B-B14F-4D97-AF65-F5344CB8AC3E}">
-        <p14:creationId xmlns:p14="http://schemas.microsoft.com/office/powerpoint/2010/main" val="1966259585"/>
+        <p14:creationId xmlns:p14="http://schemas.microsoft.com/office/powerpoint/2010/main" val="4133813557"/>
       </p:ext>
     </p:extLst>
   </p:cSld>
@@ -3829,14 +8266,19 @@
         </p:nvSpPr>
         <p:spPr/>
         <p:txBody>
-          <a:bodyPr/>
+          <a:bodyPr>
+            <a:normAutofit/>
+          </a:bodyPr>
           <a:lstStyle/>
           <a:p>
             <a:r>
               <a:rPr lang="zh-CN" altLang="en-US" dirty="0" smtClean="0"/>
-              <a:t>状态报告</a:t>
-            </a:r>
-            <a:endParaRPr lang="zh-CN" altLang="en-US" dirty="0"/>
+              <a:t>变更</a:t>
+            </a:r>
+            <a:r>
+              <a:rPr lang="zh-CN" altLang="en-US" dirty="0"/>
+              <a:t>控制</a:t>
+            </a:r>
           </a:p>
         </p:txBody>
       </p:sp>
@@ -3856,8 +8298,60 @@
           <a:lstStyle/>
           <a:p>
             <a:r>
+              <a:rPr lang="en-US" altLang="zh-CN" dirty="0" smtClean="0"/>
+              <a:t>JIRA</a:t>
+            </a:r>
+          </a:p>
+          <a:p>
+            <a:r>
               <a:rPr lang="zh-CN" altLang="en-US" dirty="0" smtClean="0"/>
-              <a:t>配置状态报告</a:t>
+              <a:t>项目管理、缺陷跟踪、任务跟踪、测试管理、敏捷开发等</a:t>
+            </a:r>
+            <a:endParaRPr lang="en-US" altLang="zh-CN" dirty="0" smtClean="0"/>
+          </a:p>
+          <a:p>
+            <a:r>
+              <a:rPr lang="zh-CN" altLang="en-US" dirty="0"/>
+              <a:t>禅</a:t>
+            </a:r>
+            <a:r>
+              <a:rPr lang="zh-CN" altLang="en-US" dirty="0" smtClean="0"/>
+              <a:t>道</a:t>
+            </a:r>
+            <a:r>
+              <a:rPr lang="en-US" altLang="zh-CN" dirty="0" smtClean="0"/>
+              <a:t>-</a:t>
+            </a:r>
+            <a:r>
+              <a:rPr lang="zh-CN" altLang="en-US" dirty="0" smtClean="0"/>
+              <a:t>主要是机务产品组使用</a:t>
+            </a:r>
+            <a:endParaRPr lang="en-US" altLang="zh-CN" dirty="0" smtClean="0"/>
+          </a:p>
+          <a:p>
+            <a:r>
+              <a:rPr lang="zh-CN" altLang="en-US" dirty="0"/>
+              <a:t>产</a:t>
+            </a:r>
+            <a:r>
+              <a:rPr lang="zh-CN" altLang="en-US" dirty="0" smtClean="0"/>
+              <a:t>品</a:t>
+            </a:r>
+            <a:r>
+              <a:rPr lang="zh-CN" altLang="en-US" dirty="0"/>
+              <a:t>需</a:t>
+            </a:r>
+            <a:r>
+              <a:rPr lang="zh-CN" altLang="en-US" dirty="0" smtClean="0"/>
+              <a:t>求、迭代管理、</a:t>
+            </a:r>
+            <a:r>
+              <a:rPr lang="en-US" altLang="zh-CN" dirty="0" smtClean="0"/>
+              <a:t>Bug</a:t>
+            </a:r>
+            <a:r>
+              <a:rPr lang="zh-CN" altLang="en-US" dirty="0" smtClean="0"/>
+              <a:t>管理等</a:t>
             </a:r>
             <a:endParaRPr lang="zh-CN" altLang="en-US" dirty="0"/>
           </a:p>
@@ -3866,7 +8360,7 @@
     </p:spTree>
     <p:extLst>
       <p:ext uri="{BB962C8B-B14F-4D97-AF65-F5344CB8AC3E}">
-        <p14:creationId xmlns:p14="http://schemas.microsoft.com/office/powerpoint/2010/main" val="1894221652"/>
+        <p14:creationId xmlns:p14="http://schemas.microsoft.com/office/powerpoint/2010/main" val="1041988823"/>
       </p:ext>
     </p:extLst>
   </p:cSld>
@@ -3876,8 +8370,733 @@
 </p:sld>
 </file>
 
+<file path=ppt/tags/tag1.xml><?xml version="1.0" encoding="utf-8"?>
+<p:tagLst xmlns:a="http://schemas.openxmlformats.org/drawingml/2006/main" xmlns:r="http://schemas.openxmlformats.org/officeDocument/2006/relationships" xmlns:p="http://schemas.openxmlformats.org/presentationml/2006/main">
+  <p:tag name="MH" val="20180426115602"/>
+  <p:tag name="MH_LIBRARY" val="GRAPHIC"/>
+</p:tagLst>
+</file>
+
+<file path=ppt/tags/tag2.xml><?xml version="1.0" encoding="utf-8"?>
+<p:tagLst xmlns:a="http://schemas.openxmlformats.org/drawingml/2006/main" xmlns:r="http://schemas.openxmlformats.org/officeDocument/2006/relationships" xmlns:p="http://schemas.openxmlformats.org/presentationml/2006/main">
+  <p:tag name="MH" val="20180426115602"/>
+  <p:tag name="MH_LIBRARY" val="GRAPHIC"/>
+  <p:tag name="MH_ORDER" val="TextBox 1"/>
+</p:tagLst>
+</file>
+
+<file path=ppt/tags/tag3.xml><?xml version="1.0" encoding="utf-8"?>
+<p:tagLst xmlns:a="http://schemas.openxmlformats.org/drawingml/2006/main" xmlns:r="http://schemas.openxmlformats.org/officeDocument/2006/relationships" xmlns:p="http://schemas.openxmlformats.org/presentationml/2006/main">
+  <p:tag name="MH" val="20180426115602"/>
+  <p:tag name="MH_LIBRARY" val="GRAPHIC"/>
+  <p:tag name="MH_ORDER" val="Block Arc 2"/>
+</p:tagLst>
+</file>
+
+<file path=ppt/tags/tag4.xml><?xml version="1.0" encoding="utf-8"?>
+<p:tagLst xmlns:a="http://schemas.openxmlformats.org/drawingml/2006/main" xmlns:r="http://schemas.openxmlformats.org/officeDocument/2006/relationships" xmlns:p="http://schemas.openxmlformats.org/presentationml/2006/main">
+  <p:tag name="MH" val="20180426115602"/>
+  <p:tag name="MH_LIBRARY" val="GRAPHIC"/>
+  <p:tag name="MH_ORDER" val="TextBox 8"/>
+</p:tagLst>
+</file>
+
 <file path=ppt/theme/theme1.xml><?xml version="1.0" encoding="utf-8"?>
-<a:theme xmlns:a="http://schemas.openxmlformats.org/drawingml/2006/main" name="Office 主题">
+<a:theme xmlns:a="http://schemas.openxmlformats.org/drawingml/2006/main" name="A000120141114A01PWBG">
+  <a:themeElements>
+    <a:clrScheme name="自定义 107">
+      <a:dk1>
+        <a:srgbClr val="5F5F5F"/>
+      </a:dk1>
+      <a:lt1>
+        <a:sysClr val="window" lastClr="FFFFFF"/>
+      </a:lt1>
+      <a:dk2>
+        <a:srgbClr val="595959"/>
+      </a:dk2>
+      <a:lt2>
+        <a:srgbClr val="E5DEDB"/>
+      </a:lt2>
+      <a:accent1>
+        <a:srgbClr val="C8886E"/>
+      </a:accent1>
+      <a:accent2>
+        <a:srgbClr val="A59183"/>
+      </a:accent2>
+      <a:accent3>
+        <a:srgbClr val="AC8282"/>
+      </a:accent3>
+      <a:accent4>
+        <a:srgbClr val="E79747"/>
+      </a:accent4>
+      <a:accent5>
+        <a:srgbClr val="7F723D"/>
+      </a:accent5>
+      <a:accent6>
+        <a:srgbClr val="CA4A62"/>
+      </a:accent6>
+      <a:hlink>
+        <a:srgbClr val="868B57"/>
+      </a:hlink>
+      <a:folHlink>
+        <a:srgbClr val="657A56"/>
+      </a:folHlink>
+    </a:clrScheme>
+    <a:fontScheme name="自定义 11">
+      <a:majorFont>
+        <a:latin typeface="Arial"/>
+        <a:ea typeface="幼圆"/>
+        <a:cs typeface=""/>
+      </a:majorFont>
+      <a:minorFont>
+        <a:latin typeface="Arial"/>
+        <a:ea typeface="幼圆"/>
+        <a:cs typeface=""/>
+      </a:minorFont>
+    </a:fontScheme>
+    <a:fmtScheme name="Office">
+      <a:fillStyleLst>
+        <a:solidFill>
+          <a:schemeClr val="phClr"/>
+        </a:solidFill>
+        <a:gradFill rotWithShape="1">
+          <a:gsLst>
+            <a:gs pos="0">
+              <a:schemeClr val="phClr">
+                <a:lumMod val="110000"/>
+                <a:satMod val="105000"/>
+                <a:tint val="67000"/>
+              </a:schemeClr>
+            </a:gs>
+            <a:gs pos="50000">
+              <a:schemeClr val="phClr">
+                <a:lumMod val="105000"/>
+                <a:satMod val="103000"/>
+                <a:tint val="73000"/>
+              </a:schemeClr>
+            </a:gs>
+            <a:gs pos="100000">
+              <a:schemeClr val="phClr">
+                <a:lumMod val="105000"/>
+                <a:satMod val="109000"/>
+                <a:tint val="81000"/>
+              </a:schemeClr>
+            </a:gs>
+          </a:gsLst>
+          <a:lin ang="5400000" scaled="0"/>
+        </a:gradFill>
+        <a:gradFill rotWithShape="1">
+          <a:gsLst>
+            <a:gs pos="0">
+              <a:schemeClr val="phClr">
+                <a:satMod val="103000"/>
+                <a:lumMod val="102000"/>
+                <a:tint val="94000"/>
+              </a:schemeClr>
+            </a:gs>
+            <a:gs pos="50000">
+              <a:schemeClr val="phClr">
+                <a:satMod val="110000"/>
+                <a:lumMod val="100000"/>
+                <a:shade val="100000"/>
+              </a:schemeClr>
+            </a:gs>
+            <a:gs pos="100000">
+              <a:schemeClr val="phClr">
+                <a:lumMod val="99000"/>
+                <a:satMod val="120000"/>
+                <a:shade val="78000"/>
+              </a:schemeClr>
+            </a:gs>
+          </a:gsLst>
+          <a:lin ang="5400000" scaled="0"/>
+        </a:gradFill>
+      </a:fillStyleLst>
+      <a:lnStyleLst>
+        <a:ln w="6350" cap="flat" cmpd="sng" algn="ctr">
+          <a:solidFill>
+            <a:schemeClr val="phClr"/>
+          </a:solidFill>
+          <a:prstDash val="solid"/>
+          <a:miter lim="800000"/>
+        </a:ln>
+        <a:ln w="12700" cap="flat" cmpd="sng" algn="ctr">
+          <a:solidFill>
+            <a:schemeClr val="phClr"/>
+          </a:solidFill>
+          <a:prstDash val="solid"/>
+          <a:miter lim="800000"/>
+        </a:ln>
+        <a:ln w="19050" cap="flat" cmpd="sng" algn="ctr">
+          <a:solidFill>
+            <a:schemeClr val="phClr"/>
+          </a:solidFill>
+          <a:prstDash val="solid"/>
+          <a:miter lim="800000"/>
+        </a:ln>
+      </a:lnStyleLst>
+      <a:effectStyleLst>
+        <a:effectStyle>
+          <a:effectLst/>
+        </a:effectStyle>
+        <a:effectStyle>
+          <a:effectLst/>
+        </a:effectStyle>
+        <a:effectStyle>
+          <a:effectLst>
+            <a:outerShdw blurRad="57150" dist="19050" dir="5400000" algn="ctr" rotWithShape="0">
+              <a:srgbClr val="000000">
+                <a:alpha val="63000"/>
+              </a:srgbClr>
+            </a:outerShdw>
+          </a:effectLst>
+        </a:effectStyle>
+      </a:effectStyleLst>
+      <a:bgFillStyleLst>
+        <a:solidFill>
+          <a:schemeClr val="phClr"/>
+        </a:solidFill>
+        <a:solidFill>
+          <a:schemeClr val="phClr">
+            <a:tint val="95000"/>
+            <a:satMod val="170000"/>
+          </a:schemeClr>
+        </a:solidFill>
+        <a:gradFill rotWithShape="1">
+          <a:gsLst>
+            <a:gs pos="0">
+              <a:schemeClr val="phClr">
+                <a:tint val="93000"/>
+                <a:satMod val="150000"/>
+                <a:shade val="98000"/>
+                <a:lumMod val="102000"/>
+              </a:schemeClr>
+            </a:gs>
+            <a:gs pos="50000">
+              <a:schemeClr val="phClr">
+                <a:tint val="98000"/>
+                <a:satMod val="130000"/>
+                <a:shade val="90000"/>
+                <a:lumMod val="103000"/>
+              </a:schemeClr>
+            </a:gs>
+            <a:gs pos="100000">
+              <a:schemeClr val="phClr">
+                <a:shade val="63000"/>
+                <a:satMod val="120000"/>
+              </a:schemeClr>
+            </a:gs>
+          </a:gsLst>
+          <a:lin ang="5400000" scaled="0"/>
+        </a:gradFill>
+      </a:bgFillStyleLst>
+    </a:fmtScheme>
+  </a:themeElements>
+  <a:objectDefaults/>
+  <a:extraClrSchemeLst>
+    <a:extraClrScheme>
+      <a:clrScheme name="默认设计模板 1">
+        <a:dk1>
+          <a:srgbClr val="000000"/>
+        </a:dk1>
+        <a:lt1>
+          <a:srgbClr val="FFFFFF"/>
+        </a:lt1>
+        <a:dk2>
+          <a:srgbClr val="000000"/>
+        </a:dk2>
+        <a:lt2>
+          <a:srgbClr val="808080"/>
+        </a:lt2>
+        <a:accent1>
+          <a:srgbClr val="BBE0E3"/>
+        </a:accent1>
+        <a:accent2>
+          <a:srgbClr val="333399"/>
+        </a:accent2>
+        <a:accent3>
+          <a:srgbClr val="FFFFFF"/>
+        </a:accent3>
+        <a:accent4>
+          <a:srgbClr val="000000"/>
+        </a:accent4>
+        <a:accent5>
+          <a:srgbClr val="DAEDEF"/>
+        </a:accent5>
+        <a:accent6>
+          <a:srgbClr val="2D2D8A"/>
+        </a:accent6>
+        <a:hlink>
+          <a:srgbClr val="009999"/>
+        </a:hlink>
+        <a:folHlink>
+          <a:srgbClr val="99CC00"/>
+        </a:folHlink>
+      </a:clrScheme>
+      <a:clrMap bg1="lt1" tx1="dk1" bg2="lt2" tx2="dk2" accent1="accent1" accent2="accent2" accent3="accent3" accent4="accent4" accent5="accent5" accent6="accent6" hlink="hlink" folHlink="folHlink"/>
+    </a:extraClrScheme>
+    <a:extraClrScheme>
+      <a:clrScheme name="默认设计模板 2">
+        <a:dk1>
+          <a:srgbClr val="000000"/>
+        </a:dk1>
+        <a:lt1>
+          <a:srgbClr val="FFFFFF"/>
+        </a:lt1>
+        <a:dk2>
+          <a:srgbClr val="000000"/>
+        </a:dk2>
+        <a:lt2>
+          <a:srgbClr val="969696"/>
+        </a:lt2>
+        <a:accent1>
+          <a:srgbClr val="FBDF53"/>
+        </a:accent1>
+        <a:accent2>
+          <a:srgbClr val="FF9966"/>
+        </a:accent2>
+        <a:accent3>
+          <a:srgbClr val="FFFFFF"/>
+        </a:accent3>
+        <a:accent4>
+          <a:srgbClr val="000000"/>
+        </a:accent4>
+        <a:accent5>
+          <a:srgbClr val="FDECB3"/>
+        </a:accent5>
+        <a:accent6>
+          <a:srgbClr val="E78A5C"/>
+        </a:accent6>
+        <a:hlink>
+          <a:srgbClr val="CC3300"/>
+        </a:hlink>
+        <a:folHlink>
+          <a:srgbClr val="996600"/>
+        </a:folHlink>
+      </a:clrScheme>
+      <a:clrMap bg1="lt1" tx1="dk1" bg2="lt2" tx2="dk2" accent1="accent1" accent2="accent2" accent3="accent3" accent4="accent4" accent5="accent5" accent6="accent6" hlink="hlink" folHlink="folHlink"/>
+    </a:extraClrScheme>
+    <a:extraClrScheme>
+      <a:clrScheme name="默认设计模板 3">
+        <a:dk1>
+          <a:srgbClr val="000000"/>
+        </a:dk1>
+        <a:lt1>
+          <a:srgbClr val="FFFFFF"/>
+        </a:lt1>
+        <a:dk2>
+          <a:srgbClr val="000000"/>
+        </a:dk2>
+        <a:lt2>
+          <a:srgbClr val="808080"/>
+        </a:lt2>
+        <a:accent1>
+          <a:srgbClr val="99CCFF"/>
+        </a:accent1>
+        <a:accent2>
+          <a:srgbClr val="CCCCFF"/>
+        </a:accent2>
+        <a:accent3>
+          <a:srgbClr val="FFFFFF"/>
+        </a:accent3>
+        <a:accent4>
+          <a:srgbClr val="000000"/>
+        </a:accent4>
+        <a:accent5>
+          <a:srgbClr val="CAE2FF"/>
+        </a:accent5>
+        <a:accent6>
+          <a:srgbClr val="B9B9E7"/>
+        </a:accent6>
+        <a:hlink>
+          <a:srgbClr val="3333CC"/>
+        </a:hlink>
+        <a:folHlink>
+          <a:srgbClr val="AF67FF"/>
+        </a:folHlink>
+      </a:clrScheme>
+      <a:clrMap bg1="lt1" tx1="dk1" bg2="lt2" tx2="dk2" accent1="accent1" accent2="accent2" accent3="accent3" accent4="accent4" accent5="accent5" accent6="accent6" hlink="hlink" folHlink="folHlink"/>
+    </a:extraClrScheme>
+    <a:extraClrScheme>
+      <a:clrScheme name="默认设计模板 4">
+        <a:dk1>
+          <a:srgbClr val="000000"/>
+        </a:dk1>
+        <a:lt1>
+          <a:srgbClr val="DEF6F1"/>
+        </a:lt1>
+        <a:dk2>
+          <a:srgbClr val="000000"/>
+        </a:dk2>
+        <a:lt2>
+          <a:srgbClr val="969696"/>
+        </a:lt2>
+        <a:accent1>
+          <a:srgbClr val="FFFFFF"/>
+        </a:accent1>
+        <a:accent2>
+          <a:srgbClr val="8DC6FF"/>
+        </a:accent2>
+        <a:accent3>
+          <a:srgbClr val="ECFAF7"/>
+        </a:accent3>
+        <a:accent4>
+          <a:srgbClr val="000000"/>
+        </a:accent4>
+        <a:accent5>
+          <a:srgbClr val="FFFFFF"/>
+        </a:accent5>
+        <a:accent6>
+          <a:srgbClr val="7FB3E7"/>
+        </a:accent6>
+        <a:hlink>
+          <a:srgbClr val="0066CC"/>
+        </a:hlink>
+        <a:folHlink>
+          <a:srgbClr val="00A800"/>
+        </a:folHlink>
+      </a:clrScheme>
+      <a:clrMap bg1="lt1" tx1="dk1" bg2="lt2" tx2="dk2" accent1="accent1" accent2="accent2" accent3="accent3" accent4="accent4" accent5="accent5" accent6="accent6" hlink="hlink" folHlink="folHlink"/>
+    </a:extraClrScheme>
+    <a:extraClrScheme>
+      <a:clrScheme name="默认设计模板 5">
+        <a:dk1>
+          <a:srgbClr val="000000"/>
+        </a:dk1>
+        <a:lt1>
+          <a:srgbClr val="FFFFD9"/>
+        </a:lt1>
+        <a:dk2>
+          <a:srgbClr val="000000"/>
+        </a:dk2>
+        <a:lt2>
+          <a:srgbClr val="777777"/>
+        </a:lt2>
+        <a:accent1>
+          <a:srgbClr val="FFFFF7"/>
+        </a:accent1>
+        <a:accent2>
+          <a:srgbClr val="33CCCC"/>
+        </a:accent2>
+        <a:accent3>
+          <a:srgbClr val="FFFFE9"/>
+        </a:accent3>
+        <a:accent4>
+          <a:srgbClr val="000000"/>
+        </a:accent4>
+        <a:accent5>
+          <a:srgbClr val="FFFFFA"/>
+        </a:accent5>
+        <a:accent6>
+          <a:srgbClr val="2DB9B9"/>
+        </a:accent6>
+        <a:hlink>
+          <a:srgbClr val="FF5050"/>
+        </a:hlink>
+        <a:folHlink>
+          <a:srgbClr val="FF9900"/>
+        </a:folHlink>
+      </a:clrScheme>
+      <a:clrMap bg1="lt1" tx1="dk1" bg2="lt2" tx2="dk2" accent1="accent1" accent2="accent2" accent3="accent3" accent4="accent4" accent5="accent5" accent6="accent6" hlink="hlink" folHlink="folHlink"/>
+    </a:extraClrScheme>
+    <a:extraClrScheme>
+      <a:clrScheme name="默认设计模板 6">
+        <a:dk1>
+          <a:srgbClr val="005A58"/>
+        </a:dk1>
+        <a:lt1>
+          <a:srgbClr val="FFFFFF"/>
+        </a:lt1>
+        <a:dk2>
+          <a:srgbClr val="008080"/>
+        </a:dk2>
+        <a:lt2>
+          <a:srgbClr val="FFFF99"/>
+        </a:lt2>
+        <a:accent1>
+          <a:srgbClr val="006462"/>
+        </a:accent1>
+        <a:accent2>
+          <a:srgbClr val="6D6FC7"/>
+        </a:accent2>
+        <a:accent3>
+          <a:srgbClr val="AAC0C0"/>
+        </a:accent3>
+        <a:accent4>
+          <a:srgbClr val="DADADA"/>
+        </a:accent4>
+        <a:accent5>
+          <a:srgbClr val="AAB8B7"/>
+        </a:accent5>
+        <a:accent6>
+          <a:srgbClr val="6264B4"/>
+        </a:accent6>
+        <a:hlink>
+          <a:srgbClr val="00FFFF"/>
+        </a:hlink>
+        <a:folHlink>
+          <a:srgbClr val="00FF00"/>
+        </a:folHlink>
+      </a:clrScheme>
+      <a:clrMap bg1="dk2" tx1="lt1" bg2="dk1" tx2="lt2" accent1="accent1" accent2="accent2" accent3="accent3" accent4="accent4" accent5="accent5" accent6="accent6" hlink="hlink" folHlink="folHlink"/>
+    </a:extraClrScheme>
+    <a:extraClrScheme>
+      <a:clrScheme name="默认设计模板 7">
+        <a:dk1>
+          <a:srgbClr val="5C1F00"/>
+        </a:dk1>
+        <a:lt1>
+          <a:srgbClr val="FFFFFF"/>
+        </a:lt1>
+        <a:dk2>
+          <a:srgbClr val="800000"/>
+        </a:dk2>
+        <a:lt2>
+          <a:srgbClr val="DFD293"/>
+        </a:lt2>
+        <a:accent1>
+          <a:srgbClr val="CC3300"/>
+        </a:accent1>
+        <a:accent2>
+          <a:srgbClr val="BE7960"/>
+        </a:accent2>
+        <a:accent3>
+          <a:srgbClr val="C0AAAA"/>
+        </a:accent3>
+        <a:accent4>
+          <a:srgbClr val="DADADA"/>
+        </a:accent4>
+        <a:accent5>
+          <a:srgbClr val="E2ADAA"/>
+        </a:accent5>
+        <a:accent6>
+          <a:srgbClr val="AC6D56"/>
+        </a:accent6>
+        <a:hlink>
+          <a:srgbClr val="FFFF99"/>
+        </a:hlink>
+        <a:folHlink>
+          <a:srgbClr val="D3A219"/>
+        </a:folHlink>
+      </a:clrScheme>
+      <a:clrMap bg1="dk2" tx1="lt1" bg2="dk1" tx2="lt2" accent1="accent1" accent2="accent2" accent3="accent3" accent4="accent4" accent5="accent5" accent6="accent6" hlink="hlink" folHlink="folHlink"/>
+    </a:extraClrScheme>
+    <a:extraClrScheme>
+      <a:clrScheme name="默认设计模板 8">
+        <a:dk1>
+          <a:srgbClr val="003366"/>
+        </a:dk1>
+        <a:lt1>
+          <a:srgbClr val="FFFFFF"/>
+        </a:lt1>
+        <a:dk2>
+          <a:srgbClr val="000099"/>
+        </a:dk2>
+        <a:lt2>
+          <a:srgbClr val="CCFFFF"/>
+        </a:lt2>
+        <a:accent1>
+          <a:srgbClr val="3366CC"/>
+        </a:accent1>
+        <a:accent2>
+          <a:srgbClr val="00B000"/>
+        </a:accent2>
+        <a:accent3>
+          <a:srgbClr val="AAAACA"/>
+        </a:accent3>
+        <a:accent4>
+          <a:srgbClr val="DADADA"/>
+        </a:accent4>
+        <a:accent5>
+          <a:srgbClr val="ADB8E2"/>
+        </a:accent5>
+        <a:accent6>
+          <a:srgbClr val="009F00"/>
+        </a:accent6>
+        <a:hlink>
+          <a:srgbClr val="66CCFF"/>
+        </a:hlink>
+        <a:folHlink>
+          <a:srgbClr val="FFE701"/>
+        </a:folHlink>
+      </a:clrScheme>
+      <a:clrMap bg1="dk2" tx1="lt1" bg2="dk1" tx2="lt2" accent1="accent1" accent2="accent2" accent3="accent3" accent4="accent4" accent5="accent5" accent6="accent6" hlink="hlink" folHlink="folHlink"/>
+    </a:extraClrScheme>
+    <a:extraClrScheme>
+      <a:clrScheme name="默认设计模板 9">
+        <a:dk1>
+          <a:srgbClr val="336699"/>
+        </a:dk1>
+        <a:lt1>
+          <a:srgbClr val="FFFFFF"/>
+        </a:lt1>
+        <a:dk2>
+          <a:srgbClr val="000000"/>
+        </a:dk2>
+        <a:lt2>
+          <a:srgbClr val="E3EBF1"/>
+        </a:lt2>
+        <a:accent1>
+          <a:srgbClr val="003399"/>
+        </a:accent1>
+        <a:accent2>
+          <a:srgbClr val="468A4B"/>
+        </a:accent2>
+        <a:accent3>
+          <a:srgbClr val="AAAAAA"/>
+        </a:accent3>
+        <a:accent4>
+          <a:srgbClr val="DADADA"/>
+        </a:accent4>
+        <a:accent5>
+          <a:srgbClr val="AAADCA"/>
+        </a:accent5>
+        <a:accent6>
+          <a:srgbClr val="3F7D43"/>
+        </a:accent6>
+        <a:hlink>
+          <a:srgbClr val="66CCFF"/>
+        </a:hlink>
+        <a:folHlink>
+          <a:srgbClr val="F0E500"/>
+        </a:folHlink>
+      </a:clrScheme>
+      <a:clrMap bg1="dk2" tx1="lt1" bg2="dk1" tx2="lt2" accent1="accent1" accent2="accent2" accent3="accent3" accent4="accent4" accent5="accent5" accent6="accent6" hlink="hlink" folHlink="folHlink"/>
+    </a:extraClrScheme>
+    <a:extraClrScheme>
+      <a:clrScheme name="默认设计模板 10">
+        <a:dk1>
+          <a:srgbClr val="777777"/>
+        </a:dk1>
+        <a:lt1>
+          <a:srgbClr val="FFFFFF"/>
+        </a:lt1>
+        <a:dk2>
+          <a:srgbClr val="686B5D"/>
+        </a:dk2>
+        <a:lt2>
+          <a:srgbClr val="D1D1CB"/>
+        </a:lt2>
+        <a:accent1>
+          <a:srgbClr val="909082"/>
+        </a:accent1>
+        <a:accent2>
+          <a:srgbClr val="809EA8"/>
+        </a:accent2>
+        <a:accent3>
+          <a:srgbClr val="B9BAB6"/>
+        </a:accent3>
+        <a:accent4>
+          <a:srgbClr val="DADADA"/>
+        </a:accent4>
+        <a:accent5>
+          <a:srgbClr val="C6C6C1"/>
+        </a:accent5>
+        <a:accent6>
+          <a:srgbClr val="738F98"/>
+        </a:accent6>
+        <a:hlink>
+          <a:srgbClr val="FFCC66"/>
+        </a:hlink>
+        <a:folHlink>
+          <a:srgbClr val="E9DCB9"/>
+        </a:folHlink>
+      </a:clrScheme>
+      <a:clrMap bg1="dk2" tx1="lt1" bg2="dk1" tx2="lt2" accent1="accent1" accent2="accent2" accent3="accent3" accent4="accent4" accent5="accent5" accent6="accent6" hlink="hlink" folHlink="folHlink"/>
+    </a:extraClrScheme>
+    <a:extraClrScheme>
+      <a:clrScheme name="默认设计模板 11">
+        <a:dk1>
+          <a:srgbClr val="3E3E5C"/>
+        </a:dk1>
+        <a:lt1>
+          <a:srgbClr val="FFFFFF"/>
+        </a:lt1>
+        <a:dk2>
+          <a:srgbClr val="666699"/>
+        </a:dk2>
+        <a:lt2>
+          <a:srgbClr val="FFFFFF"/>
+        </a:lt2>
+        <a:accent1>
+          <a:srgbClr val="60597B"/>
+        </a:accent1>
+        <a:accent2>
+          <a:srgbClr val="6666FF"/>
+        </a:accent2>
+        <a:accent3>
+          <a:srgbClr val="B8B8CA"/>
+        </a:accent3>
+        <a:accent4>
+          <a:srgbClr val="DADADA"/>
+        </a:accent4>
+        <a:accent5>
+          <a:srgbClr val="B6B5BF"/>
+        </a:accent5>
+        <a:accent6>
+          <a:srgbClr val="5C5CE7"/>
+        </a:accent6>
+        <a:hlink>
+          <a:srgbClr val="99CCFF"/>
+        </a:hlink>
+        <a:folHlink>
+          <a:srgbClr val="FFFF99"/>
+        </a:folHlink>
+      </a:clrScheme>
+      <a:clrMap bg1="dk2" tx1="lt1" bg2="dk1" tx2="lt2" accent1="accent1" accent2="accent2" accent3="accent3" accent4="accent4" accent5="accent5" accent6="accent6" hlink="hlink" folHlink="folHlink"/>
+    </a:extraClrScheme>
+    <a:extraClrScheme>
+      <a:clrScheme name="默认设计模板 12">
+        <a:dk1>
+          <a:srgbClr val="2D2015"/>
+        </a:dk1>
+        <a:lt1>
+          <a:srgbClr val="FFFFFF"/>
+        </a:lt1>
+        <a:dk2>
+          <a:srgbClr val="523E26"/>
+        </a:dk2>
+        <a:lt2>
+          <a:srgbClr val="DFC08D"/>
+        </a:lt2>
+        <a:accent1>
+          <a:srgbClr val="8C7B70"/>
+        </a:accent1>
+        <a:accent2>
+          <a:srgbClr val="8F5F2F"/>
+        </a:accent2>
+        <a:accent3>
+          <a:srgbClr val="B3AFAC"/>
+        </a:accent3>
+        <a:accent4>
+          <a:srgbClr val="DADADA"/>
+        </a:accent4>
+        <a:accent5>
+          <a:srgbClr val="C5BFBB"/>
+        </a:accent5>
+        <a:accent6>
+          <a:srgbClr val="81552A"/>
+        </a:accent6>
+        <a:hlink>
+          <a:srgbClr val="CCB400"/>
+        </a:hlink>
+        <a:folHlink>
+          <a:srgbClr val="8C9EA0"/>
+        </a:folHlink>
+      </a:clrScheme>
+      <a:clrMap bg1="dk2" tx1="lt1" bg2="dk1" tx2="lt2" accent1="accent1" accent2="accent2" accent3="accent3" accent4="accent4" accent5="accent5" accent6="accent6" hlink="hlink" folHlink="folHlink"/>
+    </a:extraClrScheme>
+  </a:extraClrSchemeLst>
+  <a:extLst>
+    <a:ext uri="{05A4C25C-085E-4340-85A3-A5531E510DB2}">
+      <thm15:themeFamily xmlns:thm15="http://schemas.microsoft.com/office/thememl/2012/main" name="Office Theme" id="{62F939B6-93AF-4DB8-9C6B-D6C7DFDC589F}" vid="{4A3C46E8-61CC-4603-A589-7422A47A8E4A}"/>
+    </a:ext>
+  </a:extLst>
+</a:theme>
+</file>
+
+<file path=ppt/theme/theme2.xml><?xml version="1.0" encoding="utf-8"?>
+<a:theme xmlns:a="http://schemas.openxmlformats.org/drawingml/2006/main" name="Office 主题​​">
   <a:themeElements>
     <a:clrScheme name="Office">
       <a:dk1>
@@ -3887,44 +9106,44 @@
         <a:sysClr val="window" lastClr="FFFFFF"/>
       </a:lt1>
       <a:dk2>
-        <a:srgbClr val="1F497D"/>
+        <a:srgbClr val="44546A"/>
       </a:dk2>
       <a:lt2>
-        <a:srgbClr val="EEECE1"/>
+        <a:srgbClr val="E7E6E6"/>
       </a:lt2>
       <a:accent1>
-        <a:srgbClr val="4F81BD"/>
+        <a:srgbClr val="5B9BD5"/>
       </a:accent1>
       <a:accent2>
-        <a:srgbClr val="C0504D"/>
+        <a:srgbClr val="ED7D31"/>
       </a:accent2>
       <a:accent3>
-        <a:srgbClr val="9BBB59"/>
+        <a:srgbClr val="A5A5A5"/>
       </a:accent3>
       <a:accent4>
-        <a:srgbClr val="8064A2"/>
+        <a:srgbClr val="FFC000"/>
       </a:accent4>
       <a:accent5>
-        <a:srgbClr val="4BACC6"/>
+        <a:srgbClr val="4472C4"/>
       </a:accent5>
       <a:accent6>
-        <a:srgbClr val="F79646"/>
+        <a:srgbClr val="70AD47"/>
       </a:accent6>
       <a:hlink>
-        <a:srgbClr val="0000FF"/>
+        <a:srgbClr val="0563C1"/>
       </a:hlink>
       <a:folHlink>
-        <a:srgbClr val="800080"/>
+        <a:srgbClr val="954F72"/>
       </a:folHlink>
     </a:clrScheme>
     <a:fontScheme name="Office">
       <a:majorFont>
-        <a:latin typeface="Calibri"/>
+        <a:latin typeface="等线 Light" panose="020F0302020204030204"/>
         <a:ea typeface=""/>
         <a:cs typeface=""/>
-        <a:font script="Jpan" typeface="ＭＳ Ｐゴシック"/>
+        <a:font script="Jpan" typeface="游ゴシック Light"/>
         <a:font script="Hang" typeface="맑은 고딕"/>
-        <a:font script="Hans" typeface="宋体"/>
+        <a:font script="Hans" typeface="等线 Light"/>
         <a:font script="Hant" typeface="新細明體"/>
         <a:font script="Arab" typeface="Times New Roman"/>
         <a:font script="Hebr" typeface="Times New Roman"/>
@@ -3951,14 +9170,15 @@
         <a:font script="Mong" typeface="Mongolian Baiti"/>
         <a:font script="Viet" typeface="Times New Roman"/>
         <a:font script="Uigh" typeface="Microsoft Uighur"/>
+        <a:font script="Geor" typeface="Sylfaen"/>
       </a:majorFont>
       <a:minorFont>
-        <a:latin typeface="Calibri"/>
+        <a:latin typeface="等线" panose="020F0502020204030204"/>
         <a:ea typeface=""/>
         <a:cs typeface=""/>
-        <a:font script="Jpan" typeface="ＭＳ Ｐゴシック"/>
+        <a:font script="Jpan" typeface="游ゴシック"/>
         <a:font script="Hang" typeface="맑은 고딕"/>
-        <a:font script="Hans" typeface="宋体"/>
+        <a:font script="Hans" typeface="等线"/>
         <a:font script="Hant" typeface="新細明體"/>
         <a:font script="Arab" typeface="Arial"/>
         <a:font script="Hebr" typeface="Arial"/>
@@ -3985,6 +9205,7 @@
         <a:font script="Mong" typeface="Mongolian Baiti"/>
         <a:font script="Viet" typeface="Arial"/>
         <a:font script="Uigh" typeface="Microsoft Uighur"/>
+        <a:font script="Geor" typeface="Sylfaen"/>
       </a:minorFont>
     </a:fontScheme>
     <a:fmtScheme name="Office">
@@ -3996,165 +9217,141 @@
           <a:gsLst>
             <a:gs pos="0">
               <a:schemeClr val="phClr">
-                <a:tint val="50000"/>
-                <a:satMod val="300000"/>
+                <a:lumMod val="110000"/>
+                <a:satMod val="105000"/>
+                <a:tint val="67000"/>
               </a:schemeClr>
             </a:gs>
-            <a:gs pos="35000">
+            <a:gs pos="50000">
               <a:schemeClr val="phClr">
-                <a:tint val="37000"/>
-                <a:satMod val="300000"/>
+                <a:lumMod val="105000"/>
+                <a:satMod val="103000"/>
+                <a:tint val="73000"/>
               </a:schemeClr>
             </a:gs>
             <a:gs pos="100000">
               <a:schemeClr val="phClr">
-                <a:tint val="15000"/>
-                <a:satMod val="350000"/>
+                <a:lumMod val="105000"/>
+                <a:satMod val="109000"/>
+                <a:tint val="81000"/>
               </a:schemeClr>
             </a:gs>
           </a:gsLst>
-          <a:lin ang="16200000" scaled="1"/>
+          <a:lin ang="5400000" scaled="0"/>
         </a:gradFill>
         <a:gradFill rotWithShape="1">
           <a:gsLst>
             <a:gs pos="0">
               <a:schemeClr val="phClr">
-                <a:shade val="51000"/>
-                <a:satMod val="130000"/>
+                <a:satMod val="103000"/>
+                <a:lumMod val="102000"/>
+                <a:tint val="94000"/>
               </a:schemeClr>
             </a:gs>
-            <a:gs pos="80000">
+            <a:gs pos="50000">
               <a:schemeClr val="phClr">
-                <a:shade val="93000"/>
-                <a:satMod val="130000"/>
+                <a:satMod val="110000"/>
+                <a:lumMod val="100000"/>
+                <a:shade val="100000"/>
               </a:schemeClr>
             </a:gs>
             <a:gs pos="100000">
               <a:schemeClr val="phClr">
-                <a:shade val="94000"/>
-                <a:satMod val="135000"/>
+                <a:lumMod val="99000"/>
+                <a:satMod val="120000"/>
+                <a:shade val="78000"/>
               </a:schemeClr>
             </a:gs>
           </a:gsLst>
-          <a:lin ang="16200000" scaled="0"/>
+          <a:lin ang="5400000" scaled="0"/>
         </a:gradFill>
       </a:fillStyleLst>
       <a:lnStyleLst>
-        <a:ln w="9525" cap="flat" cmpd="sng" algn="ctr">
-          <a:solidFill>
-            <a:schemeClr val="phClr">
-              <a:shade val="95000"/>
-              <a:satMod val="105000"/>
-            </a:schemeClr>
-          </a:solidFill>
-          <a:prstDash val="solid"/>
-        </a:ln>
-        <a:ln w="25400" cap="flat" cmpd="sng" algn="ctr">
+        <a:ln w="6350" cap="flat" cmpd="sng" algn="ctr">
           <a:solidFill>
             <a:schemeClr val="phClr"/>
           </a:solidFill>
           <a:prstDash val="solid"/>
+          <a:miter lim="800000"/>
         </a:ln>
-        <a:ln w="38100" cap="flat" cmpd="sng" algn="ctr">
+        <a:ln w="12700" cap="flat" cmpd="sng" algn="ctr">
           <a:solidFill>
             <a:schemeClr val="phClr"/>
           </a:solidFill>
           <a:prstDash val="solid"/>
+          <a:miter lim="800000"/>
+        </a:ln>
+        <a:ln w="19050" cap="flat" cmpd="sng" algn="ctr">
+          <a:solidFill>
+            <a:schemeClr val="phClr"/>
+          </a:solidFill>
+          <a:prstDash val="solid"/>
+          <a:miter lim="800000"/>
         </a:ln>
       </a:lnStyleLst>
       <a:effectStyleLst>
         <a:effectStyle>
+          <a:effectLst/>
+        </a:effectStyle>
+        <a:effectStyle>
+          <a:effectLst/>
+        </a:effectStyle>
+        <a:effectStyle>
           <a:effectLst>
-            <a:outerShdw blurRad="40000" dist="20000" dir="5400000" rotWithShape="0">
+            <a:outerShdw blurRad="57150" dist="19050" dir="5400000" algn="ctr" rotWithShape="0">
               <a:srgbClr val="000000">
-                <a:alpha val="38000"/>
+                <a:alpha val="63000"/>
               </a:srgbClr>
             </a:outerShdw>
           </a:effectLst>
-        </a:effectStyle>
-        <a:effectStyle>
-          <a:effectLst>
-            <a:outerShdw blurRad="40000" dist="23000" dir="5400000" rotWithShape="0">
-              <a:srgbClr val="000000">
-                <a:alpha val="35000"/>
-              </a:srgbClr>
-            </a:outerShdw>
-          </a:effectLst>
-        </a:effectStyle>
-        <a:effectStyle>
-          <a:effectLst>
-            <a:outerShdw blurRad="40000" dist="23000" dir="5400000" rotWithShape="0">
-              <a:srgbClr val="000000">
-                <a:alpha val="35000"/>
-              </a:srgbClr>
-            </a:outerShdw>
-          </a:effectLst>
-          <a:scene3d>
-            <a:camera prst="orthographicFront">
-              <a:rot lat="0" lon="0" rev="0"/>
-            </a:camera>
-            <a:lightRig rig="threePt" dir="t">
-              <a:rot lat="0" lon="0" rev="1200000"/>
-            </a:lightRig>
-          </a:scene3d>
-          <a:sp3d>
-            <a:bevelT w="63500" h="25400"/>
-          </a:sp3d>
         </a:effectStyle>
       </a:effectStyleLst>
       <a:bgFillStyleLst>
         <a:solidFill>
           <a:schemeClr val="phClr"/>
         </a:solidFill>
+        <a:solidFill>
+          <a:schemeClr val="phClr">
+            <a:tint val="95000"/>
+            <a:satMod val="170000"/>
+          </a:schemeClr>
+        </a:solidFill>
         <a:gradFill rotWithShape="1">
           <a:gsLst>
             <a:gs pos="0">
               <a:schemeClr val="phClr">
-                <a:tint val="40000"/>
-                <a:satMod val="350000"/>
+                <a:tint val="93000"/>
+                <a:satMod val="150000"/>
+                <a:shade val="98000"/>
+                <a:lumMod val="102000"/>
               </a:schemeClr>
             </a:gs>
-            <a:gs pos="40000">
+            <a:gs pos="50000">
               <a:schemeClr val="phClr">
-                <a:tint val="45000"/>
-                <a:shade val="99000"/>
-                <a:satMod val="350000"/>
+                <a:tint val="98000"/>
+                <a:satMod val="130000"/>
+                <a:shade val="90000"/>
+                <a:lumMod val="103000"/>
               </a:schemeClr>
             </a:gs>
             <a:gs pos="100000">
               <a:schemeClr val="phClr">
-                <a:shade val="20000"/>
-                <a:satMod val="255000"/>
+                <a:shade val="63000"/>
+                <a:satMod val="120000"/>
               </a:schemeClr>
             </a:gs>
           </a:gsLst>
-          <a:path path="circle">
-            <a:fillToRect l="50000" t="-80000" r="50000" b="180000"/>
-          </a:path>
-        </a:gradFill>
-        <a:gradFill rotWithShape="1">
-          <a:gsLst>
-            <a:gs pos="0">
-              <a:schemeClr val="phClr">
-                <a:tint val="80000"/>
-                <a:satMod val="300000"/>
-              </a:schemeClr>
-            </a:gs>
-            <a:gs pos="100000">
-              <a:schemeClr val="phClr">
-                <a:shade val="30000"/>
-                <a:satMod val="200000"/>
-              </a:schemeClr>
-            </a:gs>
-          </a:gsLst>
-          <a:path path="circle">
-            <a:fillToRect l="50000" t="50000" r="50000" b="50000"/>
-          </a:path>
+          <a:lin ang="5400000" scaled="0"/>
         </a:gradFill>
       </a:bgFillStyleLst>
     </a:fmtScheme>
   </a:themeElements>
   <a:objectDefaults/>
   <a:extraClrSchemeLst/>
+  <a:extLst>
+    <a:ext uri="{05A4C25C-085E-4340-85A3-A5531E510DB2}">
+      <thm15:themeFamily xmlns:thm15="http://schemas.microsoft.com/office/thememl/2012/main" name="Office Theme" id="{62F939B6-93AF-4DB8-9C6B-D6C7DFDC589F}" vid="{4A3C46E8-61CC-4603-A589-7422A47A8E4A}"/>
+    </a:ext>
+  </a:extLst>
 </a:theme>
 </file>